--- a/Summary/20201125_RDM_HW_rotation_update.pptx
+++ b/Summary/20201125_RDM_HW_rotation_update.pptx
@@ -5,7 +5,7 @@
     <p:sldMasterId id="2147483648" r:id="rId1"/>
   </p:sldMasterIdLst>
   <p:notesMasterIdLst>
-    <p:notesMasterId r:id="rId25"/>
+    <p:notesMasterId r:id="rId23"/>
   </p:notesMasterIdLst>
   <p:sldIdLst>
     <p:sldId id="256" r:id="rId2"/>
@@ -14,23 +14,21 @@
     <p:sldId id="258" r:id="rId5"/>
     <p:sldId id="261" r:id="rId6"/>
     <p:sldId id="267" r:id="rId7"/>
-    <p:sldId id="292" r:id="rId8"/>
-    <p:sldId id="293" r:id="rId9"/>
-    <p:sldId id="273" r:id="rId10"/>
-    <p:sldId id="296" r:id="rId11"/>
-    <p:sldId id="297" r:id="rId12"/>
-    <p:sldId id="303" r:id="rId13"/>
-    <p:sldId id="304" r:id="rId14"/>
-    <p:sldId id="305" r:id="rId15"/>
-    <p:sldId id="306" r:id="rId16"/>
-    <p:sldId id="307" r:id="rId17"/>
-    <p:sldId id="290" r:id="rId18"/>
-    <p:sldId id="291" r:id="rId19"/>
-    <p:sldId id="279" r:id="rId20"/>
-    <p:sldId id="280" r:id="rId21"/>
-    <p:sldId id="281" r:id="rId22"/>
-    <p:sldId id="282" r:id="rId23"/>
-    <p:sldId id="278" r:id="rId24"/>
+    <p:sldId id="273" r:id="rId8"/>
+    <p:sldId id="296" r:id="rId9"/>
+    <p:sldId id="297" r:id="rId10"/>
+    <p:sldId id="303" r:id="rId11"/>
+    <p:sldId id="304" r:id="rId12"/>
+    <p:sldId id="305" r:id="rId13"/>
+    <p:sldId id="306" r:id="rId14"/>
+    <p:sldId id="307" r:id="rId15"/>
+    <p:sldId id="290" r:id="rId16"/>
+    <p:sldId id="291" r:id="rId17"/>
+    <p:sldId id="279" r:id="rId18"/>
+    <p:sldId id="280" r:id="rId19"/>
+    <p:sldId id="281" r:id="rId20"/>
+    <p:sldId id="282" r:id="rId21"/>
+    <p:sldId id="278" r:id="rId22"/>
   </p:sldIdLst>
   <p:sldSz cx="12192000" cy="6858000"/>
   <p:notesSz cx="6858000" cy="9144000"/>
@@ -140,8 +138,6 @@
             <p14:sldId id="258"/>
             <p14:sldId id="261"/>
             <p14:sldId id="267"/>
-            <p14:sldId id="292"/>
-            <p14:sldId id="293"/>
             <p14:sldId id="273"/>
             <p14:sldId id="296"/>
             <p14:sldId id="297"/>
@@ -762,19 +758,7 @@
           <a:bodyPr/>
           <a:lstStyle/>
           <a:p>
-            <a:r>
-              <a:rPr lang="en-US" dirty="0"/>
-              <a:t>Given that you have a doubleton, what proportion of the time do you have two heterozygotes or a homozygote</a:t>
-            </a:r>
-          </a:p>
-          <a:p>
             <a:endParaRPr lang="en-US" dirty="0"/>
-          </a:p>
-          <a:p>
-            <a:r>
-              <a:rPr lang="en-US" dirty="0"/>
-              <a:t>Use Fisher’s Exact Test</a:t>
-            </a:r>
           </a:p>
         </p:txBody>
       </p:sp>
@@ -858,33 +842,6 @@
           <a:bodyPr/>
           <a:lstStyle/>
           <a:p>
-            <a:r>
-              <a:rPr lang="en-US" dirty="0"/>
-              <a:t>Sum up p-values for more extreme cases, i.e., fewer homozygotes</a:t>
-            </a:r>
-          </a:p>
-          <a:p>
-            <a:endParaRPr lang="en-US" dirty="0"/>
-          </a:p>
-          <a:p>
-            <a:r>
-              <a:rPr lang="en-US" dirty="0"/>
-              <a:t>One-sided (fewer homozygotes)</a:t>
-            </a:r>
-          </a:p>
-          <a:p>
-            <a:r>
-              <a:rPr lang="en-US" dirty="0"/>
-              <a:t>One-sided (more homozygotes)</a:t>
-            </a:r>
-          </a:p>
-          <a:p>
-            <a:r>
-              <a:rPr lang="en-US" dirty="0"/>
-              <a:t>Two-sided (every more extreme case, i.e., lower p-value)</a:t>
-            </a:r>
-          </a:p>
-          <a:p>
             <a:endParaRPr lang="en-US" dirty="0"/>
           </a:p>
         </p:txBody>
@@ -906,7 +863,7 @@
           <a:p>
             <a:fld id="{9D984E8B-8157-4976-ABDF-6DA2CAC3440F}" type="slidenum">
               <a:rPr lang="en-US" smtClean="0"/>
-              <a:t>7</a:t>
+              <a:t>17</a:t>
             </a:fld>
             <a:endParaRPr lang="en-US"/>
           </a:p>
@@ -915,7 +872,7 @@
     </p:spTree>
     <p:extLst>
       <p:ext uri="{BB962C8B-B14F-4D97-AF65-F5344CB8AC3E}">
-        <p14:creationId xmlns:p14="http://schemas.microsoft.com/office/powerpoint/2010/main" val="1413621173"/>
+        <p14:creationId xmlns:p14="http://schemas.microsoft.com/office/powerpoint/2010/main" val="3435191990"/>
       </p:ext>
     </p:extLst>
   </p:cSld>
@@ -969,34 +926,7 @@
           <a:bodyPr/>
           <a:lstStyle/>
           <a:p>
-            <a:r>
-              <a:rPr lang="en-US" dirty="0"/>
-              <a:t>Chi squared test looks better behaved for expected proportion</a:t>
-            </a:r>
-          </a:p>
-          <a:p>
-            <a:r>
-              <a:rPr lang="en-US" dirty="0"/>
-              <a:t>For s = 0, look at genotype count of sample size of {500, 1000}</a:t>
-            </a:r>
-          </a:p>
-          <a:p>
             <a:endParaRPr lang="en-US" dirty="0"/>
-          </a:p>
-          <a:p>
-            <a:r>
-              <a:rPr lang="en-US" dirty="0"/>
-              <a:t>Consider doing 200 50 bp chromosomes, to reduce LD.</a:t>
-            </a:r>
-          </a:p>
-          <a:p>
-            <a:endParaRPr lang="en-US" dirty="0"/>
-          </a:p>
-          <a:p>
-            <a:r>
-              <a:rPr lang="en-US" dirty="0"/>
-              <a:t>Look to see if low p-values are clustered together.</a:t>
-            </a:r>
           </a:p>
         </p:txBody>
       </p:sp>
@@ -1017,7 +947,7 @@
           <a:p>
             <a:fld id="{9D984E8B-8157-4976-ABDF-6DA2CAC3440F}" type="slidenum">
               <a:rPr lang="en-US" smtClean="0"/>
-              <a:t>19</a:t>
+              <a:t>18</a:t>
             </a:fld>
             <a:endParaRPr lang="en-US"/>
           </a:p>
@@ -1026,7 +956,7 @@
     </p:spTree>
     <p:extLst>
       <p:ext uri="{BB962C8B-B14F-4D97-AF65-F5344CB8AC3E}">
-        <p14:creationId xmlns:p14="http://schemas.microsoft.com/office/powerpoint/2010/main" val="3435191990"/>
+        <p14:creationId xmlns:p14="http://schemas.microsoft.com/office/powerpoint/2010/main" val="489197700"/>
       </p:ext>
     </p:extLst>
   </p:cSld>
@@ -1101,7 +1031,7 @@
           <a:p>
             <a:fld id="{9D984E8B-8157-4976-ABDF-6DA2CAC3440F}" type="slidenum">
               <a:rPr lang="en-US" smtClean="0"/>
-              <a:t>20</a:t>
+              <a:t>19</a:t>
             </a:fld>
             <a:endParaRPr lang="en-US"/>
           </a:p>
@@ -1110,7 +1040,7 @@
     </p:spTree>
     <p:extLst>
       <p:ext uri="{BB962C8B-B14F-4D97-AF65-F5344CB8AC3E}">
-        <p14:creationId xmlns:p14="http://schemas.microsoft.com/office/powerpoint/2010/main" val="489197700"/>
+        <p14:creationId xmlns:p14="http://schemas.microsoft.com/office/powerpoint/2010/main" val="1487106180"/>
       </p:ext>
     </p:extLst>
   </p:cSld>
@@ -1185,7 +1115,7 @@
           <a:p>
             <a:fld id="{9D984E8B-8157-4976-ABDF-6DA2CAC3440F}" type="slidenum">
               <a:rPr lang="en-US" smtClean="0"/>
-              <a:t>21</a:t>
+              <a:t>20</a:t>
             </a:fld>
             <a:endParaRPr lang="en-US"/>
           </a:p>
@@ -1194,7 +1124,7 @@
     </p:spTree>
     <p:extLst>
       <p:ext uri="{BB962C8B-B14F-4D97-AF65-F5344CB8AC3E}">
-        <p14:creationId xmlns:p14="http://schemas.microsoft.com/office/powerpoint/2010/main" val="1487106180"/>
+        <p14:creationId xmlns:p14="http://schemas.microsoft.com/office/powerpoint/2010/main" val="2059417319"/>
       </p:ext>
     </p:extLst>
   </p:cSld>
@@ -1269,91 +1199,7 @@
           <a:p>
             <a:fld id="{9D984E8B-8157-4976-ABDF-6DA2CAC3440F}" type="slidenum">
               <a:rPr lang="en-US" smtClean="0"/>
-              <a:t>22</a:t>
-            </a:fld>
-            <a:endParaRPr lang="en-US"/>
-          </a:p>
-        </p:txBody>
-      </p:sp>
-    </p:spTree>
-    <p:extLst>
-      <p:ext uri="{BB962C8B-B14F-4D97-AF65-F5344CB8AC3E}">
-        <p14:creationId xmlns:p14="http://schemas.microsoft.com/office/powerpoint/2010/main" val="2059417319"/>
-      </p:ext>
-    </p:extLst>
-  </p:cSld>
-  <p:clrMapOvr>
-    <a:masterClrMapping/>
-  </p:clrMapOvr>
-</p:notes>
-</file>
-
-<file path=ppt/notesSlides/notesSlide9.xml><?xml version="1.0" encoding="utf-8"?>
-<p:notes xmlns:a="http://schemas.openxmlformats.org/drawingml/2006/main" xmlns:r="http://schemas.openxmlformats.org/officeDocument/2006/relationships" xmlns:p="http://schemas.openxmlformats.org/presentationml/2006/main">
-  <p:cSld>
-    <p:spTree>
-      <p:nvGrpSpPr>
-        <p:cNvPr id="1" name=""/>
-        <p:cNvGrpSpPr/>
-        <p:nvPr/>
-      </p:nvGrpSpPr>
-      <p:grpSpPr>
-        <a:xfrm>
-          <a:off x="0" y="0"/>
-          <a:ext cx="0" cy="0"/>
-          <a:chOff x="0" y="0"/>
-          <a:chExt cx="0" cy="0"/>
-        </a:xfrm>
-      </p:grpSpPr>
-      <p:sp>
-        <p:nvSpPr>
-          <p:cNvPr id="2" name="Slide Image Placeholder 1"/>
-          <p:cNvSpPr>
-            <a:spLocks noGrp="1" noRot="1" noChangeAspect="1"/>
-          </p:cNvSpPr>
-          <p:nvPr>
-            <p:ph type="sldImg"/>
-          </p:nvPr>
-        </p:nvSpPr>
-        <p:spPr/>
-      </p:sp>
-      <p:sp>
-        <p:nvSpPr>
-          <p:cNvPr id="3" name="Notes Placeholder 2"/>
-          <p:cNvSpPr>
-            <a:spLocks noGrp="1"/>
-          </p:cNvSpPr>
-          <p:nvPr>
-            <p:ph type="body" idx="1"/>
-          </p:nvPr>
-        </p:nvSpPr>
-        <p:spPr/>
-        <p:txBody>
-          <a:bodyPr/>
-          <a:lstStyle/>
-          <a:p>
-            <a:endParaRPr lang="en-US" dirty="0"/>
-          </a:p>
-        </p:txBody>
-      </p:sp>
-      <p:sp>
-        <p:nvSpPr>
-          <p:cNvPr id="4" name="Slide Number Placeholder 3"/>
-          <p:cNvSpPr>
-            <a:spLocks noGrp="1"/>
-          </p:cNvSpPr>
-          <p:nvPr>
-            <p:ph type="sldNum" sz="quarter" idx="5"/>
-          </p:nvPr>
-        </p:nvSpPr>
-        <p:spPr/>
-        <p:txBody>
-          <a:bodyPr/>
-          <a:lstStyle/>
-          <a:p>
-            <a:fld id="{9D984E8B-8157-4976-ABDF-6DA2CAC3440F}" type="slidenum">
-              <a:rPr lang="en-US" smtClean="0"/>
-              <a:t>23</a:t>
+              <a:t>21</a:t>
             </a:fld>
             <a:endParaRPr lang="en-US"/>
           </a:p>
@@ -4649,7 +4495,7 @@
                 <a:latin typeface="Yu Gothic" panose="020B0400000000000000" pitchFamily="34" charset="-128"/>
                 <a:ea typeface="Yu Gothic" panose="020B0400000000000000" pitchFamily="34" charset="-128"/>
               </a:rPr>
-              <a:t>20201118</a:t>
+              <a:t>20201125</a:t>
             </a:r>
           </a:p>
           <a:p>
@@ -4749,18 +4595,21 @@
           <a:lstStyle/>
           <a:p>
             <a:r>
-              <a:rPr lang="en-US" dirty="0"/>
-              <a:t>S = 0</a:t>
+              <a:rPr lang="en-US" dirty="0">
+                <a:latin typeface="Yu Gothic" panose="020B0400000000000000" pitchFamily="34" charset="-128"/>
+                <a:ea typeface="Yu Gothic" panose="020B0400000000000000" pitchFamily="34" charset="-128"/>
+              </a:rPr>
+              <a:t>S = -0.001, additive</a:t>
             </a:r>
           </a:p>
         </p:txBody>
       </p:sp>
       <p:sp>
         <p:nvSpPr>
-          <p:cNvPr id="12" name="TextBox 11">
+          <p:cNvPr id="9" name="TextBox 8">
             <a:extLst>
               <a:ext uri="{FF2B5EF4-FFF2-40B4-BE49-F238E27FC236}">
-                <a16:creationId xmlns:a16="http://schemas.microsoft.com/office/drawing/2014/main" id="{739CAF4A-BC87-4CF5-93BC-C41BC9E072DF}"/>
+                <a16:creationId xmlns:a16="http://schemas.microsoft.com/office/drawing/2014/main" id="{3D2F0CCA-255A-4859-B54D-B06F904BD95E}"/>
               </a:ext>
             </a:extLst>
           </p:cNvPr>
@@ -4769,8 +4618,8 @@
         </p:nvSpPr>
         <p:spPr>
           <a:xfrm>
-            <a:off x="838200" y="1690688"/>
-            <a:ext cx="1213794" cy="369332"/>
+            <a:off x="6624484" y="1690688"/>
+            <a:ext cx="3983783" cy="369332"/>
           </a:xfrm>
           <a:prstGeom prst="rect">
             <a:avLst/>
@@ -4784,18 +4633,21 @@
           <a:lstStyle/>
           <a:p>
             <a:r>
-              <a:rPr lang="en-US" dirty="0"/>
-              <a:t>100 x 100b</a:t>
+              <a:rPr lang="en-US" dirty="0">
+                <a:latin typeface="Yu Gothic" panose="020B0400000000000000" pitchFamily="34" charset="-128"/>
+                <a:ea typeface="Yu Gothic" panose="020B0400000000000000" pitchFamily="34" charset="-128"/>
+              </a:rPr>
+              <a:t>One sided test (homozygotes &gt;= X)</a:t>
             </a:r>
           </a:p>
         </p:txBody>
       </p:sp>
       <p:sp>
         <p:nvSpPr>
-          <p:cNvPr id="14" name="TextBox 13">
+          <p:cNvPr id="10" name="TextBox 9">
             <a:extLst>
               <a:ext uri="{FF2B5EF4-FFF2-40B4-BE49-F238E27FC236}">
-                <a16:creationId xmlns:a16="http://schemas.microsoft.com/office/drawing/2014/main" id="{555761B7-F5F9-45A0-81FF-A969F76A3E5F}"/>
+                <a16:creationId xmlns:a16="http://schemas.microsoft.com/office/drawing/2014/main" id="{328F9FC7-1F8C-4A84-A281-39FE5F819A3E}"/>
               </a:ext>
             </a:extLst>
           </p:cNvPr>
@@ -4804,8 +4656,8 @@
         </p:nvSpPr>
         <p:spPr>
           <a:xfrm>
-            <a:off x="6624484" y="1690688"/>
-            <a:ext cx="1096775" cy="369332"/>
+            <a:off x="838200" y="1690688"/>
+            <a:ext cx="3983783" cy="369332"/>
           </a:xfrm>
           <a:prstGeom prst="rect">
             <a:avLst/>
@@ -4819,18 +4671,21 @@
           <a:lstStyle/>
           <a:p>
             <a:r>
-              <a:rPr lang="en-US" dirty="0"/>
-              <a:t>400 x 25b</a:t>
+              <a:rPr lang="en-US" dirty="0">
+                <a:latin typeface="Yu Gothic" panose="020B0400000000000000" pitchFamily="34" charset="-128"/>
+                <a:ea typeface="Yu Gothic" panose="020B0400000000000000" pitchFamily="34" charset="-128"/>
+              </a:rPr>
+              <a:t>One sided test (homozygotes &lt;= X)</a:t>
             </a:r>
           </a:p>
         </p:txBody>
       </p:sp>
       <p:pic>
         <p:nvPicPr>
-          <p:cNvPr id="3" name="Picture 2" descr="Chart, scatter chart&#10;&#10;Description automatically generated">
+          <p:cNvPr id="5" name="Picture 4" descr="Chart, scatter chart&#10;&#10;Description automatically generated">
             <a:extLst>
               <a:ext uri="{FF2B5EF4-FFF2-40B4-BE49-F238E27FC236}">
-                <a16:creationId xmlns:a16="http://schemas.microsoft.com/office/drawing/2014/main" id="{D4C109D6-2473-46D8-89B7-7DDD0CEEEE69}"/>
+                <a16:creationId xmlns:a16="http://schemas.microsoft.com/office/drawing/2014/main" id="{E755370B-EC9A-48EF-B2CB-222269FAD466}"/>
               </a:ext>
             </a:extLst>
           </p:cNvPr>
@@ -4853,8 +4708,8 @@
         </p:blipFill>
         <p:spPr>
           <a:xfrm>
-            <a:off x="115506" y="2060020"/>
-            <a:ext cx="5980494" cy="3972695"/>
+            <a:off x="5919110" y="2318925"/>
+            <a:ext cx="5919109" cy="3931920"/>
           </a:xfrm>
           <a:prstGeom prst="rect">
             <a:avLst/>
@@ -4863,10 +4718,10 @@
       </p:pic>
       <p:pic>
         <p:nvPicPr>
-          <p:cNvPr id="6" name="Picture 5" descr="Chart, scatter chart&#10;&#10;Description automatically generated">
+          <p:cNvPr id="11" name="Picture 10" descr="Chart, scatter chart&#10;&#10;Description automatically generated">
             <a:extLst>
               <a:ext uri="{FF2B5EF4-FFF2-40B4-BE49-F238E27FC236}">
-                <a16:creationId xmlns:a16="http://schemas.microsoft.com/office/drawing/2014/main" id="{F3DC6C32-1756-4D19-BB1E-F6F420FCE336}"/>
+                <a16:creationId xmlns:a16="http://schemas.microsoft.com/office/drawing/2014/main" id="{AE294E2B-D278-4F8F-AD83-C07578660D2D}"/>
               </a:ext>
             </a:extLst>
           </p:cNvPr>
@@ -4889,8 +4744,8 @@
         </p:blipFill>
         <p:spPr>
           <a:xfrm>
-            <a:off x="6096000" y="2055075"/>
-            <a:ext cx="5987938" cy="3977640"/>
+            <a:off x="1" y="2318925"/>
+            <a:ext cx="5919109" cy="3931920"/>
           </a:xfrm>
           <a:prstGeom prst="rect">
             <a:avLst/>
@@ -4900,7 +4755,7 @@
     </p:spTree>
     <p:extLst>
       <p:ext uri="{BB962C8B-B14F-4D97-AF65-F5344CB8AC3E}">
-        <p14:creationId xmlns:p14="http://schemas.microsoft.com/office/powerpoint/2010/main" val="185116943"/>
+        <p14:creationId xmlns:p14="http://schemas.microsoft.com/office/powerpoint/2010/main" val="1914613068"/>
       </p:ext>
     </p:extLst>
   </p:cSld>
@@ -4949,18 +4804,21 @@
           <a:lstStyle/>
           <a:p>
             <a:r>
-              <a:rPr lang="en-US" dirty="0"/>
-              <a:t>S = -0.001, recessive</a:t>
+              <a:rPr lang="en-US" dirty="0">
+                <a:latin typeface="Yu Gothic" panose="020B0400000000000000" pitchFamily="34" charset="-128"/>
+                <a:ea typeface="Yu Gothic" panose="020B0400000000000000" pitchFamily="34" charset="-128"/>
+              </a:rPr>
+              <a:t>S = -0.01, recessive</a:t>
             </a:r>
           </a:p>
         </p:txBody>
       </p:sp>
       <p:sp>
         <p:nvSpPr>
-          <p:cNvPr id="12" name="TextBox 11">
+          <p:cNvPr id="9" name="TextBox 8">
             <a:extLst>
               <a:ext uri="{FF2B5EF4-FFF2-40B4-BE49-F238E27FC236}">
-                <a16:creationId xmlns:a16="http://schemas.microsoft.com/office/drawing/2014/main" id="{739CAF4A-BC87-4CF5-93BC-C41BC9E072DF}"/>
+                <a16:creationId xmlns:a16="http://schemas.microsoft.com/office/drawing/2014/main" id="{44EFE3F3-6727-4333-8943-6D7F4D9D9DE3}"/>
               </a:ext>
             </a:extLst>
           </p:cNvPr>
@@ -4969,8 +4827,8 @@
         </p:nvSpPr>
         <p:spPr>
           <a:xfrm>
-            <a:off x="838200" y="1690688"/>
-            <a:ext cx="1213794" cy="369332"/>
+            <a:off x="6624484" y="1690688"/>
+            <a:ext cx="3983783" cy="369332"/>
           </a:xfrm>
           <a:prstGeom prst="rect">
             <a:avLst/>
@@ -4984,18 +4842,21 @@
           <a:lstStyle/>
           <a:p>
             <a:r>
-              <a:rPr lang="en-US" dirty="0"/>
-              <a:t>100 x 100b</a:t>
+              <a:rPr lang="en-US" dirty="0">
+                <a:latin typeface="Yu Gothic" panose="020B0400000000000000" pitchFamily="34" charset="-128"/>
+                <a:ea typeface="Yu Gothic" panose="020B0400000000000000" pitchFamily="34" charset="-128"/>
+              </a:rPr>
+              <a:t>One sided test (homozygotes &gt;= X)</a:t>
             </a:r>
           </a:p>
         </p:txBody>
       </p:sp>
       <p:sp>
         <p:nvSpPr>
-          <p:cNvPr id="14" name="TextBox 13">
+          <p:cNvPr id="10" name="TextBox 9">
             <a:extLst>
               <a:ext uri="{FF2B5EF4-FFF2-40B4-BE49-F238E27FC236}">
-                <a16:creationId xmlns:a16="http://schemas.microsoft.com/office/drawing/2014/main" id="{555761B7-F5F9-45A0-81FF-A969F76A3E5F}"/>
+                <a16:creationId xmlns:a16="http://schemas.microsoft.com/office/drawing/2014/main" id="{168F6DCB-DBB0-4F80-B531-4B38FFEFD636}"/>
               </a:ext>
             </a:extLst>
           </p:cNvPr>
@@ -5004,8 +4865,8 @@
         </p:nvSpPr>
         <p:spPr>
           <a:xfrm>
-            <a:off x="6624484" y="1690688"/>
-            <a:ext cx="1096775" cy="369332"/>
+            <a:off x="838200" y="1690688"/>
+            <a:ext cx="3983783" cy="369332"/>
           </a:xfrm>
           <a:prstGeom prst="rect">
             <a:avLst/>
@@ -5019,18 +4880,21 @@
           <a:lstStyle/>
           <a:p>
             <a:r>
-              <a:rPr lang="en-US" dirty="0"/>
-              <a:t>400 x 25b</a:t>
+              <a:rPr lang="en-US" dirty="0">
+                <a:latin typeface="Yu Gothic" panose="020B0400000000000000" pitchFamily="34" charset="-128"/>
+                <a:ea typeface="Yu Gothic" panose="020B0400000000000000" pitchFamily="34" charset="-128"/>
+              </a:rPr>
+              <a:t>One sided test (homozygotes &lt;= X)</a:t>
             </a:r>
           </a:p>
         </p:txBody>
       </p:sp>
       <p:pic>
         <p:nvPicPr>
-          <p:cNvPr id="5" name="Picture 4" descr="Chart&#10;&#10;Description automatically generated">
+          <p:cNvPr id="11" name="Picture 10" descr="Chart, scatter chart&#10;&#10;Description automatically generated">
             <a:extLst>
               <a:ext uri="{FF2B5EF4-FFF2-40B4-BE49-F238E27FC236}">
-                <a16:creationId xmlns:a16="http://schemas.microsoft.com/office/drawing/2014/main" id="{421AF056-8D2F-4A2E-8263-BAF9B3C36D93}"/>
+                <a16:creationId xmlns:a16="http://schemas.microsoft.com/office/drawing/2014/main" id="{81A72719-6091-45B1-BD6A-01E80B53E569}"/>
               </a:ext>
             </a:extLst>
           </p:cNvPr>
@@ -5053,8 +4917,8 @@
         </p:blipFill>
         <p:spPr>
           <a:xfrm>
-            <a:off x="6096000" y="2357487"/>
-            <a:ext cx="5987937" cy="3977640"/>
+            <a:off x="6096000" y="2447309"/>
+            <a:ext cx="5919109" cy="3931920"/>
           </a:xfrm>
           <a:prstGeom prst="rect">
             <a:avLst/>
@@ -5063,10 +4927,10 @@
       </p:pic>
       <p:pic>
         <p:nvPicPr>
-          <p:cNvPr id="7" name="Picture 6" descr="Chart, scatter chart&#10;&#10;Description automatically generated">
+          <p:cNvPr id="15" name="Picture 14" descr="Chart, scatter chart&#10;&#10;Description automatically generated">
             <a:extLst>
               <a:ext uri="{FF2B5EF4-FFF2-40B4-BE49-F238E27FC236}">
-                <a16:creationId xmlns:a16="http://schemas.microsoft.com/office/drawing/2014/main" id="{68856654-0063-4E94-B097-E67B09C84D9C}"/>
+                <a16:creationId xmlns:a16="http://schemas.microsoft.com/office/drawing/2014/main" id="{FDE733D4-631D-4FD9-AF33-00A883875128}"/>
               </a:ext>
             </a:extLst>
           </p:cNvPr>
@@ -5089,8 +4953,8 @@
         </p:blipFill>
         <p:spPr>
           <a:xfrm>
-            <a:off x="108063" y="2357487"/>
-            <a:ext cx="5987937" cy="3977640"/>
+            <a:off x="72114" y="2447309"/>
+            <a:ext cx="5919109" cy="3931920"/>
           </a:xfrm>
           <a:prstGeom prst="rect">
             <a:avLst/>
@@ -5100,7 +4964,7 @@
     </p:spTree>
     <p:extLst>
       <p:ext uri="{BB962C8B-B14F-4D97-AF65-F5344CB8AC3E}">
-        <p14:creationId xmlns:p14="http://schemas.microsoft.com/office/powerpoint/2010/main" val="1903335868"/>
+        <p14:creationId xmlns:p14="http://schemas.microsoft.com/office/powerpoint/2010/main" val="2939791229"/>
       </p:ext>
     </p:extLst>
   </p:cSld>
@@ -5149,18 +5013,21 @@
           <a:lstStyle/>
           <a:p>
             <a:r>
-              <a:rPr lang="en-US" dirty="0"/>
-              <a:t>S = -0.001, additive</a:t>
+              <a:rPr lang="en-US" dirty="0">
+                <a:latin typeface="Yu Gothic" panose="020B0400000000000000" pitchFamily="34" charset="-128"/>
+                <a:ea typeface="Yu Gothic" panose="020B0400000000000000" pitchFamily="34" charset="-128"/>
+              </a:rPr>
+              <a:t>S = -0.01, additive</a:t>
             </a:r>
           </a:p>
         </p:txBody>
       </p:sp>
       <p:sp>
         <p:nvSpPr>
-          <p:cNvPr id="12" name="TextBox 11">
+          <p:cNvPr id="13" name="TextBox 12">
             <a:extLst>
               <a:ext uri="{FF2B5EF4-FFF2-40B4-BE49-F238E27FC236}">
-                <a16:creationId xmlns:a16="http://schemas.microsoft.com/office/drawing/2014/main" id="{739CAF4A-BC87-4CF5-93BC-C41BC9E072DF}"/>
+                <a16:creationId xmlns:a16="http://schemas.microsoft.com/office/drawing/2014/main" id="{0E3EBDDE-1C19-445F-8875-5D9A1ED0CCAF}"/>
               </a:ext>
             </a:extLst>
           </p:cNvPr>
@@ -5169,8 +5036,8 @@
         </p:nvSpPr>
         <p:spPr>
           <a:xfrm>
-            <a:off x="838200" y="1690688"/>
-            <a:ext cx="1213794" cy="369332"/>
+            <a:off x="6624484" y="1690688"/>
+            <a:ext cx="3983783" cy="369332"/>
           </a:xfrm>
           <a:prstGeom prst="rect">
             <a:avLst/>
@@ -5184,18 +5051,21 @@
           <a:lstStyle/>
           <a:p>
             <a:r>
-              <a:rPr lang="en-US" dirty="0"/>
-              <a:t>100 x 100b</a:t>
+              <a:rPr lang="en-US" dirty="0">
+                <a:latin typeface="Yu Gothic" panose="020B0400000000000000" pitchFamily="34" charset="-128"/>
+                <a:ea typeface="Yu Gothic" panose="020B0400000000000000" pitchFamily="34" charset="-128"/>
+              </a:rPr>
+              <a:t>One sided test (homozygotes &gt;= X)</a:t>
             </a:r>
           </a:p>
         </p:txBody>
       </p:sp>
       <p:sp>
         <p:nvSpPr>
-          <p:cNvPr id="14" name="TextBox 13">
+          <p:cNvPr id="15" name="TextBox 14">
             <a:extLst>
               <a:ext uri="{FF2B5EF4-FFF2-40B4-BE49-F238E27FC236}">
-                <a16:creationId xmlns:a16="http://schemas.microsoft.com/office/drawing/2014/main" id="{555761B7-F5F9-45A0-81FF-A969F76A3E5F}"/>
+                <a16:creationId xmlns:a16="http://schemas.microsoft.com/office/drawing/2014/main" id="{0F5AEBEB-3689-41B1-BA63-CAF1A043098A}"/>
               </a:ext>
             </a:extLst>
           </p:cNvPr>
@@ -5204,8 +5074,8 @@
         </p:nvSpPr>
         <p:spPr>
           <a:xfrm>
-            <a:off x="6624484" y="1690688"/>
-            <a:ext cx="1096775" cy="369332"/>
+            <a:off x="838200" y="1690688"/>
+            <a:ext cx="3983783" cy="369332"/>
           </a:xfrm>
           <a:prstGeom prst="rect">
             <a:avLst/>
@@ -5219,18 +5089,21 @@
           <a:lstStyle/>
           <a:p>
             <a:r>
-              <a:rPr lang="en-US" dirty="0"/>
-              <a:t>400 x 25b</a:t>
+              <a:rPr lang="en-US" dirty="0">
+                <a:latin typeface="Yu Gothic" panose="020B0400000000000000" pitchFamily="34" charset="-128"/>
+                <a:ea typeface="Yu Gothic" panose="020B0400000000000000" pitchFamily="34" charset="-128"/>
+              </a:rPr>
+              <a:t>One sided test (homozygotes &lt;= X)</a:t>
             </a:r>
           </a:p>
         </p:txBody>
       </p:sp>
       <p:pic>
         <p:nvPicPr>
-          <p:cNvPr id="4" name="Picture 3" descr="Chart&#10;&#10;Description automatically generated">
+          <p:cNvPr id="6" name="Picture 5" descr="Chart, scatter chart&#10;&#10;Description automatically generated">
             <a:extLst>
               <a:ext uri="{FF2B5EF4-FFF2-40B4-BE49-F238E27FC236}">
-                <a16:creationId xmlns:a16="http://schemas.microsoft.com/office/drawing/2014/main" id="{F72A2F32-4B0B-4526-8083-94BD6F5A3BC8}"/>
+                <a16:creationId xmlns:a16="http://schemas.microsoft.com/office/drawing/2014/main" id="{09242108-065C-4A33-9ABD-535205220F0C}"/>
               </a:ext>
             </a:extLst>
           </p:cNvPr>
@@ -5253,8 +5126,8 @@
         </p:blipFill>
         <p:spPr>
           <a:xfrm>
-            <a:off x="108062" y="2377154"/>
-            <a:ext cx="5987938" cy="3977640"/>
+            <a:off x="176891" y="2288661"/>
+            <a:ext cx="5919109" cy="3931920"/>
           </a:xfrm>
           <a:prstGeom prst="rect">
             <a:avLst/>
@@ -5263,10 +5136,10 @@
       </p:pic>
       <p:pic>
         <p:nvPicPr>
-          <p:cNvPr id="8" name="Picture 7" descr="Chart&#10;&#10;Description automatically generated">
+          <p:cNvPr id="17" name="Picture 16" descr="Chart, scatter chart&#10;&#10;Description automatically generated">
             <a:extLst>
               <a:ext uri="{FF2B5EF4-FFF2-40B4-BE49-F238E27FC236}">
-                <a16:creationId xmlns:a16="http://schemas.microsoft.com/office/drawing/2014/main" id="{31D94F4C-F5BB-429F-9F46-8C14E1B67A12}"/>
+                <a16:creationId xmlns:a16="http://schemas.microsoft.com/office/drawing/2014/main" id="{4D059F5C-F9B9-47B8-8A8F-5DB2E8B31057}"/>
               </a:ext>
             </a:extLst>
           </p:cNvPr>
@@ -5289,8 +5162,8 @@
         </p:blipFill>
         <p:spPr>
           <a:xfrm>
-            <a:off x="6204063" y="2377154"/>
-            <a:ext cx="5987937" cy="3977640"/>
+            <a:off x="5944731" y="2288661"/>
+            <a:ext cx="5919109" cy="3931920"/>
           </a:xfrm>
           <a:prstGeom prst="rect">
             <a:avLst/>
@@ -5300,7 +5173,7 @@
     </p:spTree>
     <p:extLst>
       <p:ext uri="{BB962C8B-B14F-4D97-AF65-F5344CB8AC3E}">
-        <p14:creationId xmlns:p14="http://schemas.microsoft.com/office/powerpoint/2010/main" val="1914613068"/>
+        <p14:creationId xmlns:p14="http://schemas.microsoft.com/office/powerpoint/2010/main" val="206924795"/>
       </p:ext>
     </p:extLst>
   </p:cSld>
@@ -5349,18 +5222,21 @@
           <a:lstStyle/>
           <a:p>
             <a:r>
-              <a:rPr lang="en-US" dirty="0"/>
-              <a:t>S = -0.01, recessive</a:t>
+              <a:rPr lang="en-US" dirty="0">
+                <a:latin typeface="Yu Gothic" panose="020B0400000000000000" pitchFamily="34" charset="-128"/>
+                <a:ea typeface="Yu Gothic" panose="020B0400000000000000" pitchFamily="34" charset="-128"/>
+              </a:rPr>
+              <a:t>S = -0.1, recessive</a:t>
             </a:r>
           </a:p>
         </p:txBody>
       </p:sp>
       <p:sp>
         <p:nvSpPr>
-          <p:cNvPr id="12" name="TextBox 11">
+          <p:cNvPr id="9" name="TextBox 8">
             <a:extLst>
               <a:ext uri="{FF2B5EF4-FFF2-40B4-BE49-F238E27FC236}">
-                <a16:creationId xmlns:a16="http://schemas.microsoft.com/office/drawing/2014/main" id="{739CAF4A-BC87-4CF5-93BC-C41BC9E072DF}"/>
+                <a16:creationId xmlns:a16="http://schemas.microsoft.com/office/drawing/2014/main" id="{48F121C2-51A4-4F6D-B57A-23969AD269F7}"/>
               </a:ext>
             </a:extLst>
           </p:cNvPr>
@@ -5369,8 +5245,8 @@
         </p:nvSpPr>
         <p:spPr>
           <a:xfrm>
-            <a:off x="838200" y="1690688"/>
-            <a:ext cx="1213794" cy="369332"/>
+            <a:off x="6624484" y="1690688"/>
+            <a:ext cx="3983783" cy="369332"/>
           </a:xfrm>
           <a:prstGeom prst="rect">
             <a:avLst/>
@@ -5384,18 +5260,21 @@
           <a:lstStyle/>
           <a:p>
             <a:r>
-              <a:rPr lang="en-US" dirty="0"/>
-              <a:t>100 x 100b</a:t>
+              <a:rPr lang="en-US" dirty="0">
+                <a:latin typeface="Yu Gothic" panose="020B0400000000000000" pitchFamily="34" charset="-128"/>
+                <a:ea typeface="Yu Gothic" panose="020B0400000000000000" pitchFamily="34" charset="-128"/>
+              </a:rPr>
+              <a:t>One sided test (homozygotes &gt;= X)</a:t>
             </a:r>
           </a:p>
         </p:txBody>
       </p:sp>
       <p:sp>
         <p:nvSpPr>
-          <p:cNvPr id="14" name="TextBox 13">
+          <p:cNvPr id="10" name="TextBox 9">
             <a:extLst>
               <a:ext uri="{FF2B5EF4-FFF2-40B4-BE49-F238E27FC236}">
-                <a16:creationId xmlns:a16="http://schemas.microsoft.com/office/drawing/2014/main" id="{555761B7-F5F9-45A0-81FF-A969F76A3E5F}"/>
+                <a16:creationId xmlns:a16="http://schemas.microsoft.com/office/drawing/2014/main" id="{3D8766D8-B7B9-41EB-B4FA-D7311FCBC282}"/>
               </a:ext>
             </a:extLst>
           </p:cNvPr>
@@ -5404,8 +5283,8 @@
         </p:nvSpPr>
         <p:spPr>
           <a:xfrm>
-            <a:off x="6624484" y="1690688"/>
-            <a:ext cx="1096775" cy="369332"/>
+            <a:off x="838200" y="1690688"/>
+            <a:ext cx="3983783" cy="369332"/>
           </a:xfrm>
           <a:prstGeom prst="rect">
             <a:avLst/>
@@ -5419,18 +5298,21 @@
           <a:lstStyle/>
           <a:p>
             <a:r>
-              <a:rPr lang="en-US" dirty="0"/>
-              <a:t>400 x 25b</a:t>
+              <a:rPr lang="en-US" dirty="0">
+                <a:latin typeface="Yu Gothic" panose="020B0400000000000000" pitchFamily="34" charset="-128"/>
+                <a:ea typeface="Yu Gothic" panose="020B0400000000000000" pitchFamily="34" charset="-128"/>
+              </a:rPr>
+              <a:t>One sided test (homozygotes &lt;= X)</a:t>
             </a:r>
           </a:p>
         </p:txBody>
       </p:sp>
       <p:pic>
         <p:nvPicPr>
-          <p:cNvPr id="4" name="Picture 3" descr="Chart, scatter chart&#10;&#10;Description automatically generated">
+          <p:cNvPr id="4" name="Picture 3" descr="Chart&#10;&#10;Description automatically generated">
             <a:extLst>
               <a:ext uri="{FF2B5EF4-FFF2-40B4-BE49-F238E27FC236}">
-                <a16:creationId xmlns:a16="http://schemas.microsoft.com/office/drawing/2014/main" id="{40529D85-B752-401A-8672-BECB3AD540F1}"/>
+                <a16:creationId xmlns:a16="http://schemas.microsoft.com/office/drawing/2014/main" id="{7C61D6E0-DEF6-4284-8EBD-C1BA66FA7CED}"/>
               </a:ext>
             </a:extLst>
           </p:cNvPr>
@@ -5453,8 +5335,8 @@
         </p:blipFill>
         <p:spPr>
           <a:xfrm>
-            <a:off x="121364" y="2487560"/>
-            <a:ext cx="5987937" cy="3977640"/>
+            <a:off x="6093259" y="2429352"/>
+            <a:ext cx="5919109" cy="3931920"/>
           </a:xfrm>
           <a:prstGeom prst="rect">
             <a:avLst/>
@@ -5463,10 +5345,10 @@
       </p:pic>
       <p:pic>
         <p:nvPicPr>
-          <p:cNvPr id="8" name="Picture 7" descr="Chart, scatter chart&#10;&#10;Description automatically generated">
+          <p:cNvPr id="11" name="Picture 10" descr="Chart, scatter chart&#10;&#10;Description automatically generated">
             <a:extLst>
               <a:ext uri="{FF2B5EF4-FFF2-40B4-BE49-F238E27FC236}">
-                <a16:creationId xmlns:a16="http://schemas.microsoft.com/office/drawing/2014/main" id="{79580EB0-E2C6-42C6-8FF9-D94D99ACE46A}"/>
+                <a16:creationId xmlns:a16="http://schemas.microsoft.com/office/drawing/2014/main" id="{E100DFAC-D76B-4F43-8667-F9A9257F6DD9}"/>
               </a:ext>
             </a:extLst>
           </p:cNvPr>
@@ -5489,8 +5371,8 @@
         </p:blipFill>
         <p:spPr>
           <a:xfrm>
-            <a:off x="6109301" y="2487560"/>
-            <a:ext cx="5987937" cy="3977640"/>
+            <a:off x="174150" y="2429352"/>
+            <a:ext cx="5919109" cy="3931920"/>
           </a:xfrm>
           <a:prstGeom prst="rect">
             <a:avLst/>
@@ -5500,7 +5382,7 @@
     </p:spTree>
     <p:extLst>
       <p:ext uri="{BB962C8B-B14F-4D97-AF65-F5344CB8AC3E}">
-        <p14:creationId xmlns:p14="http://schemas.microsoft.com/office/powerpoint/2010/main" val="2939791229"/>
+        <p14:creationId xmlns:p14="http://schemas.microsoft.com/office/powerpoint/2010/main" val="3931362641"/>
       </p:ext>
     </p:extLst>
   </p:cSld>
@@ -5549,18 +5431,21 @@
           <a:lstStyle/>
           <a:p>
             <a:r>
-              <a:rPr lang="en-US" dirty="0"/>
-              <a:t>S = -0.01, additive</a:t>
+              <a:rPr lang="en-US" dirty="0">
+                <a:latin typeface="Yu Gothic" panose="020B0400000000000000" pitchFamily="34" charset="-128"/>
+                <a:ea typeface="Yu Gothic" panose="020B0400000000000000" pitchFamily="34" charset="-128"/>
+              </a:rPr>
+              <a:t>S = -0.1, additive</a:t>
             </a:r>
           </a:p>
         </p:txBody>
       </p:sp>
       <p:sp>
         <p:nvSpPr>
-          <p:cNvPr id="12" name="TextBox 11">
+          <p:cNvPr id="9" name="TextBox 8">
             <a:extLst>
               <a:ext uri="{FF2B5EF4-FFF2-40B4-BE49-F238E27FC236}">
-                <a16:creationId xmlns:a16="http://schemas.microsoft.com/office/drawing/2014/main" id="{739CAF4A-BC87-4CF5-93BC-C41BC9E072DF}"/>
+                <a16:creationId xmlns:a16="http://schemas.microsoft.com/office/drawing/2014/main" id="{E815A5AA-D1B6-4CD2-B98A-3250E15EE5CD}"/>
               </a:ext>
             </a:extLst>
           </p:cNvPr>
@@ -5569,8 +5454,8 @@
         </p:nvSpPr>
         <p:spPr>
           <a:xfrm>
-            <a:off x="838200" y="1690688"/>
-            <a:ext cx="1213794" cy="369332"/>
+            <a:off x="6624484" y="1690688"/>
+            <a:ext cx="3983783" cy="369332"/>
           </a:xfrm>
           <a:prstGeom prst="rect">
             <a:avLst/>
@@ -5584,18 +5469,21 @@
           <a:lstStyle/>
           <a:p>
             <a:r>
-              <a:rPr lang="en-US" dirty="0"/>
-              <a:t>100 x 100b</a:t>
+              <a:rPr lang="en-US" dirty="0">
+                <a:latin typeface="Yu Gothic" panose="020B0400000000000000" pitchFamily="34" charset="-128"/>
+                <a:ea typeface="Yu Gothic" panose="020B0400000000000000" pitchFamily="34" charset="-128"/>
+              </a:rPr>
+              <a:t>One sided test (homozygotes &gt;= X)</a:t>
             </a:r>
           </a:p>
         </p:txBody>
       </p:sp>
       <p:sp>
         <p:nvSpPr>
-          <p:cNvPr id="14" name="TextBox 13">
+          <p:cNvPr id="10" name="TextBox 9">
             <a:extLst>
               <a:ext uri="{FF2B5EF4-FFF2-40B4-BE49-F238E27FC236}">
-                <a16:creationId xmlns:a16="http://schemas.microsoft.com/office/drawing/2014/main" id="{555761B7-F5F9-45A0-81FF-A969F76A3E5F}"/>
+                <a16:creationId xmlns:a16="http://schemas.microsoft.com/office/drawing/2014/main" id="{4FF94900-8ADF-44CB-A73B-E92AC9604E46}"/>
               </a:ext>
             </a:extLst>
           </p:cNvPr>
@@ -5604,8 +5492,8 @@
         </p:nvSpPr>
         <p:spPr>
           <a:xfrm>
-            <a:off x="6624484" y="1690688"/>
-            <a:ext cx="1096775" cy="369332"/>
+            <a:off x="838200" y="1690688"/>
+            <a:ext cx="3983783" cy="369332"/>
           </a:xfrm>
           <a:prstGeom prst="rect">
             <a:avLst/>
@@ -5619,18 +5507,21 @@
           <a:lstStyle/>
           <a:p>
             <a:r>
-              <a:rPr lang="en-US" dirty="0"/>
-              <a:t>400 x 25b</a:t>
+              <a:rPr lang="en-US" dirty="0">
+                <a:latin typeface="Yu Gothic" panose="020B0400000000000000" pitchFamily="34" charset="-128"/>
+                <a:ea typeface="Yu Gothic" panose="020B0400000000000000" pitchFamily="34" charset="-128"/>
+              </a:rPr>
+              <a:t>One sided test (homozygotes &lt;= X)</a:t>
             </a:r>
           </a:p>
         </p:txBody>
       </p:sp>
       <p:pic>
         <p:nvPicPr>
-          <p:cNvPr id="8" name="Picture 7" descr="Chart, scatter chart&#10;&#10;Description automatically generated">
+          <p:cNvPr id="4" name="Picture 3" descr="Chart&#10;&#10;Description automatically generated">
             <a:extLst>
               <a:ext uri="{FF2B5EF4-FFF2-40B4-BE49-F238E27FC236}">
-                <a16:creationId xmlns:a16="http://schemas.microsoft.com/office/drawing/2014/main" id="{D5D6C706-EF9E-48D3-A153-45CCD3C0E328}"/>
+                <a16:creationId xmlns:a16="http://schemas.microsoft.com/office/drawing/2014/main" id="{2FF0F8DF-EBE4-4A24-8BD0-0E91CBCBCFD0}"/>
               </a:ext>
             </a:extLst>
           </p:cNvPr>
@@ -5653,8 +5544,8 @@
         </p:blipFill>
         <p:spPr>
           <a:xfrm>
-            <a:off x="6204063" y="2383860"/>
-            <a:ext cx="5987937" cy="3977640"/>
+            <a:off x="6096000" y="2223303"/>
+            <a:ext cx="5919109" cy="3931920"/>
           </a:xfrm>
           <a:prstGeom prst="rect">
             <a:avLst/>
@@ -5663,10 +5554,10 @@
       </p:pic>
       <p:pic>
         <p:nvPicPr>
-          <p:cNvPr id="9" name="Picture 8" descr="Chart, scatter chart&#10;&#10;Description automatically generated">
+          <p:cNvPr id="11" name="Picture 10" descr="Chart&#10;&#10;Description automatically generated">
             <a:extLst>
               <a:ext uri="{FF2B5EF4-FFF2-40B4-BE49-F238E27FC236}">
-                <a16:creationId xmlns:a16="http://schemas.microsoft.com/office/drawing/2014/main" id="{704A26E9-14AC-4C71-A6C6-7ADFE52585B2}"/>
+                <a16:creationId xmlns:a16="http://schemas.microsoft.com/office/drawing/2014/main" id="{72507051-D16B-443D-A697-BC685257457E}"/>
               </a:ext>
             </a:extLst>
           </p:cNvPr>
@@ -5689,408 +5580,8 @@
         </p:blipFill>
         <p:spPr>
           <a:xfrm>
-            <a:off x="0" y="2383860"/>
-            <a:ext cx="5987937" cy="3977640"/>
-          </a:xfrm>
-          <a:prstGeom prst="rect">
-            <a:avLst/>
-          </a:prstGeom>
-        </p:spPr>
-      </p:pic>
-    </p:spTree>
-    <p:extLst>
-      <p:ext uri="{BB962C8B-B14F-4D97-AF65-F5344CB8AC3E}">
-        <p14:creationId xmlns:p14="http://schemas.microsoft.com/office/powerpoint/2010/main" val="206924795"/>
-      </p:ext>
-    </p:extLst>
-  </p:cSld>
-  <p:clrMapOvr>
-    <a:masterClrMapping/>
-  </p:clrMapOvr>
-</p:sld>
-</file>
-
-<file path=ppt/slides/slide15.xml><?xml version="1.0" encoding="utf-8"?>
-<p:sld xmlns:a="http://schemas.openxmlformats.org/drawingml/2006/main" xmlns:r="http://schemas.openxmlformats.org/officeDocument/2006/relationships" xmlns:p="http://schemas.openxmlformats.org/presentationml/2006/main">
-  <p:cSld>
-    <p:spTree>
-      <p:nvGrpSpPr>
-        <p:cNvPr id="1" name=""/>
-        <p:cNvGrpSpPr/>
-        <p:nvPr/>
-      </p:nvGrpSpPr>
-      <p:grpSpPr>
-        <a:xfrm>
-          <a:off x="0" y="0"/>
-          <a:ext cx="0" cy="0"/>
-          <a:chOff x="0" y="0"/>
-          <a:chExt cx="0" cy="0"/>
-        </a:xfrm>
-      </p:grpSpPr>
-      <p:sp>
-        <p:nvSpPr>
-          <p:cNvPr id="2" name="Title 1">
-            <a:extLst>
-              <a:ext uri="{FF2B5EF4-FFF2-40B4-BE49-F238E27FC236}">
-                <a16:creationId xmlns:a16="http://schemas.microsoft.com/office/drawing/2014/main" id="{9C253AD4-138A-44B1-9EB2-AE1D97513439}"/>
-              </a:ext>
-            </a:extLst>
-          </p:cNvPr>
-          <p:cNvSpPr>
-            <a:spLocks noGrp="1"/>
-          </p:cNvSpPr>
-          <p:nvPr>
-            <p:ph type="title"/>
-          </p:nvPr>
-        </p:nvSpPr>
-        <p:spPr/>
-        <p:txBody>
-          <a:bodyPr/>
-          <a:lstStyle/>
-          <a:p>
-            <a:r>
-              <a:rPr lang="en-US" dirty="0"/>
-              <a:t>S = -0.1, recessive</a:t>
-            </a:r>
-          </a:p>
-        </p:txBody>
-      </p:sp>
-      <p:sp>
-        <p:nvSpPr>
-          <p:cNvPr id="12" name="TextBox 11">
-            <a:extLst>
-              <a:ext uri="{FF2B5EF4-FFF2-40B4-BE49-F238E27FC236}">
-                <a16:creationId xmlns:a16="http://schemas.microsoft.com/office/drawing/2014/main" id="{739CAF4A-BC87-4CF5-93BC-C41BC9E072DF}"/>
-              </a:ext>
-            </a:extLst>
-          </p:cNvPr>
-          <p:cNvSpPr txBox="1"/>
-          <p:nvPr/>
-        </p:nvSpPr>
-        <p:spPr>
-          <a:xfrm>
-            <a:off x="838200" y="1690688"/>
-            <a:ext cx="1213794" cy="369332"/>
-          </a:xfrm>
-          <a:prstGeom prst="rect">
-            <a:avLst/>
-          </a:prstGeom>
-          <a:noFill/>
-        </p:spPr>
-        <p:txBody>
-          <a:bodyPr wrap="none" rtlCol="0">
-            <a:spAutoFit/>
-          </a:bodyPr>
-          <a:lstStyle/>
-          <a:p>
-            <a:r>
-              <a:rPr lang="en-US" dirty="0"/>
-              <a:t>100 x 100b</a:t>
-            </a:r>
-          </a:p>
-        </p:txBody>
-      </p:sp>
-      <p:sp>
-        <p:nvSpPr>
-          <p:cNvPr id="14" name="TextBox 13">
-            <a:extLst>
-              <a:ext uri="{FF2B5EF4-FFF2-40B4-BE49-F238E27FC236}">
-                <a16:creationId xmlns:a16="http://schemas.microsoft.com/office/drawing/2014/main" id="{555761B7-F5F9-45A0-81FF-A969F76A3E5F}"/>
-              </a:ext>
-            </a:extLst>
-          </p:cNvPr>
-          <p:cNvSpPr txBox="1"/>
-          <p:nvPr/>
-        </p:nvSpPr>
-        <p:spPr>
-          <a:xfrm>
-            <a:off x="6624484" y="1690688"/>
-            <a:ext cx="1096775" cy="369332"/>
-          </a:xfrm>
-          <a:prstGeom prst="rect">
-            <a:avLst/>
-          </a:prstGeom>
-          <a:noFill/>
-        </p:spPr>
-        <p:txBody>
-          <a:bodyPr wrap="none" rtlCol="0">
-            <a:spAutoFit/>
-          </a:bodyPr>
-          <a:lstStyle/>
-          <a:p>
-            <a:r>
-              <a:rPr lang="en-US" dirty="0"/>
-              <a:t>400 x 25b</a:t>
-            </a:r>
-          </a:p>
-        </p:txBody>
-      </p:sp>
-      <p:pic>
-        <p:nvPicPr>
-          <p:cNvPr id="5" name="Picture 4" descr="Chart, scatter chart&#10;&#10;Description automatically generated">
-            <a:extLst>
-              <a:ext uri="{FF2B5EF4-FFF2-40B4-BE49-F238E27FC236}">
-                <a16:creationId xmlns:a16="http://schemas.microsoft.com/office/drawing/2014/main" id="{6C1F0CAA-FAE9-4B74-9159-2C641C034E6D}"/>
-              </a:ext>
-            </a:extLst>
-          </p:cNvPr>
-          <p:cNvPicPr>
-            <a:picLocks noChangeAspect="1"/>
-          </p:cNvPicPr>
-          <p:nvPr/>
-        </p:nvPicPr>
-        <p:blipFill>
-          <a:blip r:embed="rId2">
-            <a:extLst>
-              <a:ext uri="{28A0092B-C50C-407E-A947-70E740481C1C}">
-                <a14:useLocalDpi xmlns:a14="http://schemas.microsoft.com/office/drawing/2010/main" val="0"/>
-              </a:ext>
-            </a:extLst>
-          </a:blip>
-          <a:stretch>
-            <a:fillRect/>
-          </a:stretch>
-        </p:blipFill>
-        <p:spPr>
-          <a:xfrm>
-            <a:off x="6096000" y="2393693"/>
-            <a:ext cx="5987937" cy="3977640"/>
-          </a:xfrm>
-          <a:prstGeom prst="rect">
-            <a:avLst/>
-          </a:prstGeom>
-        </p:spPr>
-      </p:pic>
-      <p:pic>
-        <p:nvPicPr>
-          <p:cNvPr id="7" name="Picture 6" descr="Chart, scatter chart&#10;&#10;Description automatically generated">
-            <a:extLst>
-              <a:ext uri="{FF2B5EF4-FFF2-40B4-BE49-F238E27FC236}">
-                <a16:creationId xmlns:a16="http://schemas.microsoft.com/office/drawing/2014/main" id="{98E65258-0777-4777-92B2-378C3BF51E52}"/>
-              </a:ext>
-            </a:extLst>
-          </p:cNvPr>
-          <p:cNvPicPr>
-            <a:picLocks noChangeAspect="1"/>
-          </p:cNvPicPr>
-          <p:nvPr/>
-        </p:nvPicPr>
-        <p:blipFill>
-          <a:blip r:embed="rId3">
-            <a:extLst>
-              <a:ext uri="{28A0092B-C50C-407E-A947-70E740481C1C}">
-                <a14:useLocalDpi xmlns:a14="http://schemas.microsoft.com/office/drawing/2010/main" val="0"/>
-              </a:ext>
-            </a:extLst>
-          </a:blip>
-          <a:stretch>
-            <a:fillRect/>
-          </a:stretch>
-        </p:blipFill>
-        <p:spPr>
-          <a:xfrm>
-            <a:off x="108063" y="2393693"/>
-            <a:ext cx="5987938" cy="3977640"/>
-          </a:xfrm>
-          <a:prstGeom prst="rect">
-            <a:avLst/>
-          </a:prstGeom>
-        </p:spPr>
-      </p:pic>
-    </p:spTree>
-    <p:extLst>
-      <p:ext uri="{BB962C8B-B14F-4D97-AF65-F5344CB8AC3E}">
-        <p14:creationId xmlns:p14="http://schemas.microsoft.com/office/powerpoint/2010/main" val="3931362641"/>
-      </p:ext>
-    </p:extLst>
-  </p:cSld>
-  <p:clrMapOvr>
-    <a:masterClrMapping/>
-  </p:clrMapOvr>
-</p:sld>
-</file>
-
-<file path=ppt/slides/slide16.xml><?xml version="1.0" encoding="utf-8"?>
-<p:sld xmlns:a="http://schemas.openxmlformats.org/drawingml/2006/main" xmlns:r="http://schemas.openxmlformats.org/officeDocument/2006/relationships" xmlns:p="http://schemas.openxmlformats.org/presentationml/2006/main">
-  <p:cSld>
-    <p:spTree>
-      <p:nvGrpSpPr>
-        <p:cNvPr id="1" name=""/>
-        <p:cNvGrpSpPr/>
-        <p:nvPr/>
-      </p:nvGrpSpPr>
-      <p:grpSpPr>
-        <a:xfrm>
-          <a:off x="0" y="0"/>
-          <a:ext cx="0" cy="0"/>
-          <a:chOff x="0" y="0"/>
-          <a:chExt cx="0" cy="0"/>
-        </a:xfrm>
-      </p:grpSpPr>
-      <p:sp>
-        <p:nvSpPr>
-          <p:cNvPr id="2" name="Title 1">
-            <a:extLst>
-              <a:ext uri="{FF2B5EF4-FFF2-40B4-BE49-F238E27FC236}">
-                <a16:creationId xmlns:a16="http://schemas.microsoft.com/office/drawing/2014/main" id="{9C253AD4-138A-44B1-9EB2-AE1D97513439}"/>
-              </a:ext>
-            </a:extLst>
-          </p:cNvPr>
-          <p:cNvSpPr>
-            <a:spLocks noGrp="1"/>
-          </p:cNvSpPr>
-          <p:nvPr>
-            <p:ph type="title"/>
-          </p:nvPr>
-        </p:nvSpPr>
-        <p:spPr/>
-        <p:txBody>
-          <a:bodyPr/>
-          <a:lstStyle/>
-          <a:p>
-            <a:r>
-              <a:rPr lang="en-US" dirty="0"/>
-              <a:t>S = -0.1, additive</a:t>
-            </a:r>
-          </a:p>
-        </p:txBody>
-      </p:sp>
-      <p:sp>
-        <p:nvSpPr>
-          <p:cNvPr id="12" name="TextBox 11">
-            <a:extLst>
-              <a:ext uri="{FF2B5EF4-FFF2-40B4-BE49-F238E27FC236}">
-                <a16:creationId xmlns:a16="http://schemas.microsoft.com/office/drawing/2014/main" id="{739CAF4A-BC87-4CF5-93BC-C41BC9E072DF}"/>
-              </a:ext>
-            </a:extLst>
-          </p:cNvPr>
-          <p:cNvSpPr txBox="1"/>
-          <p:nvPr/>
-        </p:nvSpPr>
-        <p:spPr>
-          <a:xfrm>
-            <a:off x="838200" y="1690688"/>
-            <a:ext cx="1213794" cy="369332"/>
-          </a:xfrm>
-          <a:prstGeom prst="rect">
-            <a:avLst/>
-          </a:prstGeom>
-          <a:noFill/>
-        </p:spPr>
-        <p:txBody>
-          <a:bodyPr wrap="none" rtlCol="0">
-            <a:spAutoFit/>
-          </a:bodyPr>
-          <a:lstStyle/>
-          <a:p>
-            <a:r>
-              <a:rPr lang="en-US" dirty="0"/>
-              <a:t>100 x 100b</a:t>
-            </a:r>
-          </a:p>
-        </p:txBody>
-      </p:sp>
-      <p:sp>
-        <p:nvSpPr>
-          <p:cNvPr id="14" name="TextBox 13">
-            <a:extLst>
-              <a:ext uri="{FF2B5EF4-FFF2-40B4-BE49-F238E27FC236}">
-                <a16:creationId xmlns:a16="http://schemas.microsoft.com/office/drawing/2014/main" id="{555761B7-F5F9-45A0-81FF-A969F76A3E5F}"/>
-              </a:ext>
-            </a:extLst>
-          </p:cNvPr>
-          <p:cNvSpPr txBox="1"/>
-          <p:nvPr/>
-        </p:nvSpPr>
-        <p:spPr>
-          <a:xfrm>
-            <a:off x="6624484" y="1690688"/>
-            <a:ext cx="1096775" cy="369332"/>
-          </a:xfrm>
-          <a:prstGeom prst="rect">
-            <a:avLst/>
-          </a:prstGeom>
-          <a:noFill/>
-        </p:spPr>
-        <p:txBody>
-          <a:bodyPr wrap="none" rtlCol="0">
-            <a:spAutoFit/>
-          </a:bodyPr>
-          <a:lstStyle/>
-          <a:p>
-            <a:r>
-              <a:rPr lang="en-US" dirty="0"/>
-              <a:t>400 x 25b</a:t>
-            </a:r>
-          </a:p>
-        </p:txBody>
-      </p:sp>
-      <p:pic>
-        <p:nvPicPr>
-          <p:cNvPr id="5" name="Picture 4" descr="Chart&#10;&#10;Description automatically generated">
-            <a:extLst>
-              <a:ext uri="{FF2B5EF4-FFF2-40B4-BE49-F238E27FC236}">
-                <a16:creationId xmlns:a16="http://schemas.microsoft.com/office/drawing/2014/main" id="{4CA8A871-11E1-4B8B-8450-9D532D6552AC}"/>
-              </a:ext>
-            </a:extLst>
-          </p:cNvPr>
-          <p:cNvPicPr>
-            <a:picLocks noChangeAspect="1"/>
-          </p:cNvPicPr>
-          <p:nvPr/>
-        </p:nvPicPr>
-        <p:blipFill>
-          <a:blip r:embed="rId2">
-            <a:extLst>
-              <a:ext uri="{28A0092B-C50C-407E-A947-70E740481C1C}">
-                <a14:useLocalDpi xmlns:a14="http://schemas.microsoft.com/office/drawing/2010/main" val="0"/>
-              </a:ext>
-            </a:extLst>
-          </a:blip>
-          <a:stretch>
-            <a:fillRect/>
-          </a:stretch>
-        </p:blipFill>
-        <p:spPr>
-          <a:xfrm>
-            <a:off x="6204063" y="2515235"/>
-            <a:ext cx="5987937" cy="3977640"/>
-          </a:xfrm>
-          <a:prstGeom prst="rect">
-            <a:avLst/>
-          </a:prstGeom>
-        </p:spPr>
-      </p:pic>
-      <p:pic>
-        <p:nvPicPr>
-          <p:cNvPr id="7" name="Picture 6" descr="Chart, line chart&#10;&#10;Description automatically generated">
-            <a:extLst>
-              <a:ext uri="{FF2B5EF4-FFF2-40B4-BE49-F238E27FC236}">
-                <a16:creationId xmlns:a16="http://schemas.microsoft.com/office/drawing/2014/main" id="{2F8BB063-C94B-444E-B508-F55DB9496B92}"/>
-              </a:ext>
-            </a:extLst>
-          </p:cNvPr>
-          <p:cNvPicPr>
-            <a:picLocks noChangeAspect="1"/>
-          </p:cNvPicPr>
-          <p:nvPr/>
-        </p:nvPicPr>
-        <p:blipFill>
-          <a:blip r:embed="rId3">
-            <a:extLst>
-              <a:ext uri="{28A0092B-C50C-407E-A947-70E740481C1C}">
-                <a14:useLocalDpi xmlns:a14="http://schemas.microsoft.com/office/drawing/2010/main" val="0"/>
-              </a:ext>
-            </a:extLst>
-          </a:blip>
-          <a:stretch>
-            <a:fillRect/>
-          </a:stretch>
-        </p:blipFill>
-        <p:spPr>
-          <a:xfrm>
-            <a:off x="108062" y="2515235"/>
-            <a:ext cx="5987938" cy="3977640"/>
+            <a:off x="176891" y="2223303"/>
+            <a:ext cx="5919109" cy="3931920"/>
           </a:xfrm>
           <a:prstGeom prst="rect">
             <a:avLst/>
@@ -6110,7 +5601,7 @@
 </p:sld>
 </file>
 
-<file path=ppt/slides/slide17.xml><?xml version="1.0" encoding="utf-8"?>
+<file path=ppt/slides/slide15.xml><?xml version="1.0" encoding="utf-8"?>
 <p:sld xmlns:a="http://schemas.openxmlformats.org/drawingml/2006/main" xmlns:r="http://schemas.openxmlformats.org/officeDocument/2006/relationships" xmlns:p="http://schemas.openxmlformats.org/presentationml/2006/main">
   <p:cSld>
     <p:spTree>
@@ -6149,7 +5640,10 @@
           <a:lstStyle/>
           <a:p>
             <a:r>
-              <a:rPr lang="en-US" dirty="0"/>
+              <a:rPr lang="en-US" dirty="0">
+                <a:latin typeface="Yu Gothic" panose="020B0400000000000000" pitchFamily="34" charset="-128"/>
+                <a:ea typeface="Yu Gothic" panose="020B0400000000000000" pitchFamily="34" charset="-128"/>
+              </a:rPr>
               <a:t>Boxplots (s = 0), Fishers</a:t>
             </a:r>
           </a:p>
@@ -6157,10 +5651,10 @@
       </p:sp>
       <p:sp>
         <p:nvSpPr>
-          <p:cNvPr id="9" name="TextBox 8">
+          <p:cNvPr id="10" name="TextBox 9">
             <a:extLst>
               <a:ext uri="{FF2B5EF4-FFF2-40B4-BE49-F238E27FC236}">
-                <a16:creationId xmlns:a16="http://schemas.microsoft.com/office/drawing/2014/main" id="{06445596-F713-409F-91C8-8323F1680345}"/>
+                <a16:creationId xmlns:a16="http://schemas.microsoft.com/office/drawing/2014/main" id="{04AA43AE-44D6-4945-98A9-9E55ED738839}"/>
               </a:ext>
             </a:extLst>
           </p:cNvPr>
@@ -6169,8 +5663,8 @@
         </p:nvSpPr>
         <p:spPr>
           <a:xfrm>
-            <a:off x="838200" y="1690688"/>
-            <a:ext cx="1213794" cy="369332"/>
+            <a:off x="6624484" y="1690688"/>
+            <a:ext cx="3983783" cy="369332"/>
           </a:xfrm>
           <a:prstGeom prst="rect">
             <a:avLst/>
@@ -6184,53 +5678,21 @@
           <a:lstStyle/>
           <a:p>
             <a:r>
-              <a:rPr lang="en-US" dirty="0"/>
-              <a:t>100 x 100b</a:t>
-            </a:r>
-          </a:p>
-        </p:txBody>
-      </p:sp>
-      <p:sp>
-        <p:nvSpPr>
-          <p:cNvPr id="11" name="TextBox 10">
-            <a:extLst>
-              <a:ext uri="{FF2B5EF4-FFF2-40B4-BE49-F238E27FC236}">
-                <a16:creationId xmlns:a16="http://schemas.microsoft.com/office/drawing/2014/main" id="{2BC3B66E-7C4A-466F-9D3A-3F33FFDB4765}"/>
-              </a:ext>
-            </a:extLst>
-          </p:cNvPr>
-          <p:cNvSpPr txBox="1"/>
-          <p:nvPr/>
-        </p:nvSpPr>
-        <p:spPr>
-          <a:xfrm>
-            <a:off x="6624484" y="1690688"/>
-            <a:ext cx="1096775" cy="369332"/>
-          </a:xfrm>
-          <a:prstGeom prst="rect">
-            <a:avLst/>
-          </a:prstGeom>
-          <a:noFill/>
-        </p:spPr>
-        <p:txBody>
-          <a:bodyPr wrap="none" rtlCol="0">
-            <a:spAutoFit/>
-          </a:bodyPr>
-          <a:lstStyle/>
-          <a:p>
-            <a:r>
-              <a:rPr lang="en-US" dirty="0"/>
-              <a:t>400 x 25b</a:t>
+              <a:rPr lang="en-US" dirty="0">
+                <a:latin typeface="Yu Gothic" panose="020B0400000000000000" pitchFamily="34" charset="-128"/>
+                <a:ea typeface="Yu Gothic" panose="020B0400000000000000" pitchFamily="34" charset="-128"/>
+              </a:rPr>
+              <a:t>One sided test (homozygotes &gt;= X)</a:t>
             </a:r>
           </a:p>
         </p:txBody>
       </p:sp>
       <p:pic>
         <p:nvPicPr>
-          <p:cNvPr id="8" name="Picture 7" descr="Chart, box and whisker chart&#10;&#10;Description automatically generated">
+          <p:cNvPr id="5" name="Picture 4" descr="Chart, box and whisker chart&#10;&#10;Description automatically generated">
             <a:extLst>
               <a:ext uri="{FF2B5EF4-FFF2-40B4-BE49-F238E27FC236}">
-                <a16:creationId xmlns:a16="http://schemas.microsoft.com/office/drawing/2014/main" id="{8CADEE50-F9CD-44E5-A884-0AA5990C1D7B}"/>
+                <a16:creationId xmlns:a16="http://schemas.microsoft.com/office/drawing/2014/main" id="{C22D1C57-5C99-4A22-B42B-F63CFA0B632D}"/>
               </a:ext>
             </a:extLst>
           </p:cNvPr>
@@ -6253,7 +5715,7 @@
         </p:blipFill>
         <p:spPr>
           <a:xfrm>
-            <a:off x="6096000" y="2060020"/>
+            <a:off x="6194235" y="2060020"/>
             <a:ext cx="5919109" cy="3931920"/>
           </a:xfrm>
           <a:prstGeom prst="rect">
@@ -6261,12 +5723,50 @@
           </a:prstGeom>
         </p:spPr>
       </p:pic>
+      <p:sp>
+        <p:nvSpPr>
+          <p:cNvPr id="13" name="TextBox 12">
+            <a:extLst>
+              <a:ext uri="{FF2B5EF4-FFF2-40B4-BE49-F238E27FC236}">
+                <a16:creationId xmlns:a16="http://schemas.microsoft.com/office/drawing/2014/main" id="{765A2DDE-1B4B-4917-8510-31330C96547B}"/>
+              </a:ext>
+            </a:extLst>
+          </p:cNvPr>
+          <p:cNvSpPr txBox="1"/>
+          <p:nvPr/>
+        </p:nvSpPr>
+        <p:spPr>
+          <a:xfrm>
+            <a:off x="838200" y="1690688"/>
+            <a:ext cx="3983783" cy="369332"/>
+          </a:xfrm>
+          <a:prstGeom prst="rect">
+            <a:avLst/>
+          </a:prstGeom>
+          <a:noFill/>
+        </p:spPr>
+        <p:txBody>
+          <a:bodyPr wrap="none" rtlCol="0">
+            <a:spAutoFit/>
+          </a:bodyPr>
+          <a:lstStyle/>
+          <a:p>
+            <a:r>
+              <a:rPr lang="en-US" dirty="0">
+                <a:latin typeface="Yu Gothic" panose="020B0400000000000000" pitchFamily="34" charset="-128"/>
+                <a:ea typeface="Yu Gothic" panose="020B0400000000000000" pitchFamily="34" charset="-128"/>
+              </a:rPr>
+              <a:t>One sided test (homozygotes &lt;= X)</a:t>
+            </a:r>
+          </a:p>
+        </p:txBody>
+      </p:sp>
       <p:pic>
         <p:nvPicPr>
-          <p:cNvPr id="3" name="Picture 2" descr="Chart, box and whisker chart&#10;&#10;Description automatically generated">
+          <p:cNvPr id="14" name="Picture 13" descr="Chart, box and whisker chart&#10;&#10;Description automatically generated">
             <a:extLst>
               <a:ext uri="{FF2B5EF4-FFF2-40B4-BE49-F238E27FC236}">
-                <a16:creationId xmlns:a16="http://schemas.microsoft.com/office/drawing/2014/main" id="{3351DB47-AC53-4228-899F-806D31C7FCC6}"/>
+                <a16:creationId xmlns:a16="http://schemas.microsoft.com/office/drawing/2014/main" id="{5911B87D-9386-433D-B5D2-855E445E055A}"/>
               </a:ext>
             </a:extLst>
           </p:cNvPr>
@@ -6289,8 +5789,8 @@
         </p:blipFill>
         <p:spPr>
           <a:xfrm>
-            <a:off x="70338" y="2069959"/>
-            <a:ext cx="5919110" cy="3931920"/>
+            <a:off x="78657" y="2089356"/>
+            <a:ext cx="5919109" cy="3931920"/>
           </a:xfrm>
           <a:prstGeom prst="rect">
             <a:avLst/>
@@ -6310,7 +5810,7 @@
 </p:sld>
 </file>
 
-<file path=ppt/slides/slide18.xml><?xml version="1.0" encoding="utf-8"?>
+<file path=ppt/slides/slide16.xml><?xml version="1.0" encoding="utf-8"?>
 <p:sld xmlns:a="http://schemas.openxmlformats.org/drawingml/2006/main" xmlns:r="http://schemas.openxmlformats.org/officeDocument/2006/relationships" xmlns:p="http://schemas.openxmlformats.org/presentationml/2006/main">
   <p:cSld>
     <p:spTree>
@@ -6349,43 +5849,11 @@
           <a:lstStyle/>
           <a:p>
             <a:r>
-              <a:rPr lang="en-US" dirty="0"/>
+              <a:rPr lang="en-US" dirty="0">
+                <a:latin typeface="Yu Gothic" panose="020B0400000000000000" pitchFamily="34" charset="-128"/>
+                <a:ea typeface="Yu Gothic" panose="020B0400000000000000" pitchFamily="34" charset="-128"/>
+              </a:rPr>
               <a:t>Boxplots (s = 0), chi</a:t>
-            </a:r>
-          </a:p>
-        </p:txBody>
-      </p:sp>
-      <p:sp>
-        <p:nvSpPr>
-          <p:cNvPr id="9" name="TextBox 8">
-            <a:extLst>
-              <a:ext uri="{FF2B5EF4-FFF2-40B4-BE49-F238E27FC236}">
-                <a16:creationId xmlns:a16="http://schemas.microsoft.com/office/drawing/2014/main" id="{242DC926-C249-48D4-9A26-232C21D7C35B}"/>
-              </a:ext>
-            </a:extLst>
-          </p:cNvPr>
-          <p:cNvSpPr txBox="1"/>
-          <p:nvPr/>
-        </p:nvSpPr>
-        <p:spPr>
-          <a:xfrm>
-            <a:off x="838200" y="1690688"/>
-            <a:ext cx="1213794" cy="369332"/>
-          </a:xfrm>
-          <a:prstGeom prst="rect">
-            <a:avLst/>
-          </a:prstGeom>
-          <a:noFill/>
-        </p:spPr>
-        <p:txBody>
-          <a:bodyPr wrap="none" rtlCol="0">
-            <a:spAutoFit/>
-          </a:bodyPr>
-          <a:lstStyle/>
-          <a:p>
-            <a:r>
-              <a:rPr lang="en-US" dirty="0"/>
-              <a:t>100 x 100b</a:t>
             </a:r>
           </a:p>
         </p:txBody>
@@ -6404,8 +5872,8 @@
         </p:nvSpPr>
         <p:spPr>
           <a:xfrm>
-            <a:off x="6624484" y="1690688"/>
-            <a:ext cx="1096775" cy="369332"/>
+            <a:off x="838200" y="1888584"/>
+            <a:ext cx="1204176" cy="369332"/>
           </a:xfrm>
           <a:prstGeom prst="rect">
             <a:avLst/>
@@ -6419,7 +5887,10 @@
           <a:lstStyle/>
           <a:p>
             <a:r>
-              <a:rPr lang="en-US" dirty="0"/>
+              <a:rPr lang="en-US" dirty="0">
+                <a:latin typeface="Yu Gothic" panose="020B0400000000000000" pitchFamily="34" charset="-128"/>
+                <a:ea typeface="Yu Gothic" panose="020B0400000000000000" pitchFamily="34" charset="-128"/>
+              </a:rPr>
               <a:t>400 x 25b</a:t>
             </a:r>
           </a:p>
@@ -6427,10 +5898,10 @@
       </p:sp>
       <p:pic>
         <p:nvPicPr>
-          <p:cNvPr id="3" name="Picture 2" descr="Chart, box and whisker chart&#10;&#10;Description automatically generated">
+          <p:cNvPr id="5" name="Picture 4" descr="Chart, box and whisker chart&#10;&#10;Description automatically generated">
             <a:extLst>
               <a:ext uri="{FF2B5EF4-FFF2-40B4-BE49-F238E27FC236}">
-                <a16:creationId xmlns:a16="http://schemas.microsoft.com/office/drawing/2014/main" id="{FA740A8B-8653-47BA-8468-98A9DA9D0532}"/>
+                <a16:creationId xmlns:a16="http://schemas.microsoft.com/office/drawing/2014/main" id="{043E1105-A02F-470B-ADF6-1CB85EE6A5C8}"/>
               </a:ext>
             </a:extLst>
           </p:cNvPr>
@@ -6453,43 +5924,7 @@
         </p:blipFill>
         <p:spPr>
           <a:xfrm>
-            <a:off x="176890" y="2386987"/>
-            <a:ext cx="5919110" cy="3931920"/>
-          </a:xfrm>
-          <a:prstGeom prst="rect">
-            <a:avLst/>
-          </a:prstGeom>
-        </p:spPr>
-      </p:pic>
-      <p:pic>
-        <p:nvPicPr>
-          <p:cNvPr id="5" name="Picture 4" descr="Chart, box and whisker chart&#10;&#10;Description automatically generated">
-            <a:extLst>
-              <a:ext uri="{FF2B5EF4-FFF2-40B4-BE49-F238E27FC236}">
-                <a16:creationId xmlns:a16="http://schemas.microsoft.com/office/drawing/2014/main" id="{043E1105-A02F-470B-ADF6-1CB85EE6A5C8}"/>
-              </a:ext>
-            </a:extLst>
-          </p:cNvPr>
-          <p:cNvPicPr>
-            <a:picLocks noChangeAspect="1"/>
-          </p:cNvPicPr>
-          <p:nvPr/>
-        </p:nvPicPr>
-        <p:blipFill>
-          <a:blip r:embed="rId3">
-            <a:extLst>
-              <a:ext uri="{28A0092B-C50C-407E-A947-70E740481C1C}">
-                <a14:useLocalDpi xmlns:a14="http://schemas.microsoft.com/office/drawing/2010/main" val="0"/>
-              </a:ext>
-            </a:extLst>
-          </a:blip>
-          <a:stretch>
-            <a:fillRect/>
-          </a:stretch>
-        </p:blipFill>
-        <p:spPr>
-          <a:xfrm>
-            <a:off x="5902732" y="2386987"/>
+            <a:off x="544151" y="2455813"/>
             <a:ext cx="5919110" cy="3931920"/>
           </a:xfrm>
           <a:prstGeom prst="rect">
@@ -6510,7 +5945,7 @@
 </p:sld>
 </file>
 
-<file path=ppt/slides/slide19.xml><?xml version="1.0" encoding="utf-8"?>
+<file path=ppt/slides/slide17.xml><?xml version="1.0" encoding="utf-8"?>
 <p:sld xmlns:a="http://schemas.openxmlformats.org/drawingml/2006/main" xmlns:r="http://schemas.openxmlformats.org/officeDocument/2006/relationships" xmlns:p="http://schemas.openxmlformats.org/presentationml/2006/main">
   <p:cSld>
     <p:spTree>
@@ -6549,8 +5984,11 @@
           <a:lstStyle/>
           <a:p>
             <a:r>
-              <a:rPr lang="en-US" dirty="0"/>
-              <a:t>s=0</a:t>
+              <a:rPr lang="en-US" dirty="0">
+                <a:latin typeface="Yu Gothic" panose="020B0400000000000000" pitchFamily="34" charset="-128"/>
+                <a:ea typeface="Yu Gothic" panose="020B0400000000000000" pitchFamily="34" charset="-128"/>
+              </a:rPr>
+              <a:t>s=0 (homozygotes &gt;= X)</a:t>
             </a:r>
           </a:p>
         </p:txBody>
@@ -6570,7 +6008,7 @@
           <p:nvPr>
             <p:extLst>
               <p:ext uri="{D42A27DB-BD31-4B8C-83A1-F6EECF244321}">
-                <p14:modId xmlns:p14="http://schemas.microsoft.com/office/powerpoint/2010/main" val="1595716508"/>
+                <p14:modId xmlns:p14="http://schemas.microsoft.com/office/powerpoint/2010/main" val="770535705"/>
               </p:ext>
             </p:extLst>
           </p:nvPr>
@@ -6755,14 +6193,11 @@
                     <a:lstStyle/>
                     <a:p>
                       <a:r>
-                        <a:rPr lang="en-US" sz="1600">
+                        <a:rPr lang="en-US" sz="1600" dirty="0">
                           <a:latin typeface="+mn-lt"/>
                         </a:rPr>
                         <a:t>Min fisher</a:t>
                       </a:r>
-                      <a:endParaRPr lang="en-US" sz="1600" dirty="0">
-                        <a:latin typeface="+mn-lt"/>
-                      </a:endParaRPr>
                     </a:p>
                   </a:txBody>
                   <a:tcPr/>
@@ -6808,7 +6243,47 @@
                           <a:effectLst/>
                           <a:latin typeface="+mn-lt"/>
                         </a:rPr>
-                        <a:t>114</a:t>
+                        <a:t>81 (114)</a:t>
+                      </a:r>
+                    </a:p>
+                  </a:txBody>
+                  <a:tcPr marL="7620" marR="7620" marT="7620" marB="0" anchor="b"/>
+                </a:tc>
+                <a:tc>
+                  <a:txBody>
+                    <a:bodyPr/>
+                    <a:lstStyle/>
+                    <a:p>
+                      <a:pPr algn="r" fontAlgn="b"/>
+                      <a:r>
+                        <a:rPr lang="en-US" sz="1600" b="0" i="0" u="none" strike="noStrike" dirty="0">
+                          <a:solidFill>
+                            <a:srgbClr val="000000"/>
+                          </a:solidFill>
+                          <a:effectLst/>
+                          <a:latin typeface="Calibri" panose="020F0502020204030204" pitchFamily="34" charset="0"/>
+                        </a:rPr>
+                        <a:t>0.024691</a:t>
+                      </a:r>
+                    </a:p>
+                  </a:txBody>
+                  <a:tcPr marL="7620" marR="7620" marT="7620" marB="0" anchor="b"/>
+                </a:tc>
+                <a:tc>
+                  <a:txBody>
+                    <a:bodyPr/>
+                    <a:lstStyle/>
+                    <a:p>
+                      <a:pPr algn="r" fontAlgn="b"/>
+                      <a:r>
+                        <a:rPr lang="en-US" sz="1600" b="0" i="0" u="none" strike="noStrike" dirty="0">
+                          <a:solidFill>
+                            <a:srgbClr val="000000"/>
+                          </a:solidFill>
+                          <a:effectLst/>
+                          <a:latin typeface="Calibri" panose="020F0502020204030204" pitchFamily="34" charset="0"/>
+                        </a:rPr>
+                        <a:t>0.160494</a:t>
                       </a:r>
                     </a:p>
                   </a:txBody>
@@ -6826,9 +6301,9 @@
                             <a:srgbClr val="000000"/>
                           </a:solidFill>
                           <a:effectLst/>
-                          <a:latin typeface="+mn-lt"/>
-                        </a:rPr>
-                        <a:t>0.017544</a:t>
+                          <a:latin typeface="Calibri" panose="020F0502020204030204" pitchFamily="34" charset="0"/>
+                        </a:rPr>
+                        <a:t>0</a:t>
                       </a:r>
                     </a:p>
                   </a:txBody>
@@ -6846,9 +6321,9 @@
                             <a:srgbClr val="000000"/>
                           </a:solidFill>
                           <a:effectLst/>
-                          <a:latin typeface="+mn-lt"/>
-                        </a:rPr>
-                        <a:t>0.140351</a:t>
+                          <a:latin typeface="Calibri" panose="020F0502020204030204" pitchFamily="34" charset="0"/>
+                        </a:rPr>
+                        <a:t>0.234568</a:t>
                       </a:r>
                     </a:p>
                   </a:txBody>
@@ -6866,47 +6341,7 @@
                             <a:srgbClr val="000000"/>
                           </a:solidFill>
                           <a:effectLst/>
-                          <a:latin typeface="+mn-lt"/>
-                        </a:rPr>
-                        <a:t>0.008772</a:t>
-                      </a:r>
-                    </a:p>
-                  </a:txBody>
-                  <a:tcPr marL="7620" marR="7620" marT="7620" marB="0" anchor="b"/>
-                </a:tc>
-                <a:tc>
-                  <a:txBody>
-                    <a:bodyPr/>
-                    <a:lstStyle/>
-                    <a:p>
-                      <a:pPr algn="r" fontAlgn="b"/>
-                      <a:r>
-                        <a:rPr lang="en-US" sz="1600" b="0" i="0" u="none" strike="noStrike">
-                          <a:solidFill>
-                            <a:srgbClr val="000000"/>
-                          </a:solidFill>
-                          <a:effectLst/>
-                          <a:latin typeface="+mn-lt"/>
-                        </a:rPr>
-                        <a:t>0.342105</a:t>
-                      </a:r>
-                    </a:p>
-                  </a:txBody>
-                  <a:tcPr marL="7620" marR="7620" marT="7620" marB="0" anchor="b"/>
-                </a:tc>
-                <a:tc>
-                  <a:txBody>
-                    <a:bodyPr/>
-                    <a:lstStyle/>
-                    <a:p>
-                      <a:pPr algn="r" fontAlgn="b"/>
-                      <a:r>
-                        <a:rPr lang="en-US" sz="1600" b="0" i="0" u="none" strike="noStrike">
-                          <a:solidFill>
-                            <a:srgbClr val="000000"/>
-                          </a:solidFill>
-                          <a:effectLst/>
-                          <a:latin typeface="+mn-lt"/>
+                          <a:latin typeface="Calibri" panose="020F0502020204030204" pitchFamily="34" charset="0"/>
                         </a:rPr>
                         <a:t>0.006738</a:t>
                       </a:r>
@@ -6926,9 +6361,9 @@
                             <a:srgbClr val="000000"/>
                           </a:solidFill>
                           <a:effectLst/>
-                          <a:latin typeface="+mn-lt"/>
-                        </a:rPr>
-                        <a:t>0.030483</a:t>
+                          <a:latin typeface="Calibri" panose="020F0502020204030204" pitchFamily="34" charset="0"/>
+                        </a:rPr>
+                        <a:t>0.052632</a:t>
                       </a:r>
                     </a:p>
                   </a:txBody>
@@ -6975,7 +6410,7 @@
                           <a:effectLst/>
                           <a:latin typeface="+mn-lt"/>
                         </a:rPr>
-                        <a:t>184</a:t>
+                        <a:t>147 (184)</a:t>
                       </a:r>
                     </a:p>
                   </a:txBody>
@@ -6993,9 +6428,9 @@
                             <a:srgbClr val="000000"/>
                           </a:solidFill>
                           <a:effectLst/>
-                          <a:latin typeface="+mn-lt"/>
-                        </a:rPr>
-                        <a:t>0.016304</a:t>
+                          <a:latin typeface="Calibri" panose="020F0502020204030204" pitchFamily="34" charset="0"/>
+                        </a:rPr>
+                        <a:t>0.020408</a:t>
                       </a:r>
                     </a:p>
                   </a:txBody>
@@ -7013,9 +6448,29 @@
                             <a:srgbClr val="000000"/>
                           </a:solidFill>
                           <a:effectLst/>
-                          <a:latin typeface="+mn-lt"/>
-                        </a:rPr>
-                        <a:t>0.206522</a:t>
+                          <a:latin typeface="Calibri" panose="020F0502020204030204" pitchFamily="34" charset="0"/>
+                        </a:rPr>
+                        <a:t>0.190476</a:t>
+                      </a:r>
+                    </a:p>
+                  </a:txBody>
+                  <a:tcPr marL="7620" marR="7620" marT="7620" marB="0" anchor="b"/>
+                </a:tc>
+                <a:tc>
+                  <a:txBody>
+                    <a:bodyPr/>
+                    <a:lstStyle/>
+                    <a:p>
+                      <a:pPr algn="r" fontAlgn="b"/>
+                      <a:r>
+                        <a:rPr lang="en-US" sz="1600" b="0" i="0" u="none" strike="noStrike" dirty="0">
+                          <a:solidFill>
+                            <a:srgbClr val="000000"/>
+                          </a:solidFill>
+                          <a:effectLst/>
+                          <a:latin typeface="Calibri" panose="020F0502020204030204" pitchFamily="34" charset="0"/>
+                        </a:rPr>
+                        <a:t>0.027211</a:t>
                       </a:r>
                     </a:p>
                   </a:txBody>
@@ -7033,9 +6488,9 @@
                             <a:srgbClr val="000000"/>
                           </a:solidFill>
                           <a:effectLst/>
-                          <a:latin typeface="+mn-lt"/>
-                        </a:rPr>
-                        <a:t>0.048913</a:t>
+                          <a:latin typeface="Calibri" panose="020F0502020204030204" pitchFamily="34" charset="0"/>
+                        </a:rPr>
+                        <a:t>0.258503</a:t>
                       </a:r>
                     </a:p>
                   </a:txBody>
@@ -7053,27 +6508,7 @@
                             <a:srgbClr val="000000"/>
                           </a:solidFill>
                           <a:effectLst/>
-                          <a:latin typeface="+mn-lt"/>
-                        </a:rPr>
-                        <a:t>0.527174</a:t>
-                      </a:r>
-                    </a:p>
-                  </a:txBody>
-                  <a:tcPr marL="7620" marR="7620" marT="7620" marB="0" anchor="b"/>
-                </a:tc>
-                <a:tc>
-                  <a:txBody>
-                    <a:bodyPr/>
-                    <a:lstStyle/>
-                    <a:p>
-                      <a:pPr algn="r" fontAlgn="b"/>
-                      <a:r>
-                        <a:rPr lang="en-US" sz="1600" b="0" i="0" u="none" strike="noStrike">
-                          <a:solidFill>
-                            <a:srgbClr val="000000"/>
-                          </a:solidFill>
-                          <a:effectLst/>
-                          <a:latin typeface="+mn-lt"/>
+                          <a:latin typeface="Calibri" panose="020F0502020204030204" pitchFamily="34" charset="0"/>
                         </a:rPr>
                         <a:t>2.10E-05</a:t>
                       </a:r>
@@ -7093,9 +6528,9 @@
                             <a:srgbClr val="000000"/>
                           </a:solidFill>
                           <a:effectLst/>
-                          <a:latin typeface="+mn-lt"/>
-                        </a:rPr>
-                        <a:t>0.008151</a:t>
+                          <a:latin typeface="Calibri" panose="020F0502020204030204" pitchFamily="34" charset="0"/>
+                        </a:rPr>
+                        <a:t>0.009892</a:t>
                       </a:r>
                     </a:p>
                   </a:txBody>
@@ -7142,27 +6577,7 @@
                           <a:effectLst/>
                           <a:latin typeface="+mn-lt"/>
                         </a:rPr>
-                        <a:t>211</a:t>
-                      </a:r>
-                    </a:p>
-                  </a:txBody>
-                  <a:tcPr marL="7620" marR="7620" marT="7620" marB="0" anchor="b"/>
-                </a:tc>
-                <a:tc>
-                  <a:txBody>
-                    <a:bodyPr/>
-                    <a:lstStyle/>
-                    <a:p>
-                      <a:pPr algn="r" fontAlgn="b"/>
-                      <a:r>
-                        <a:rPr lang="en-US" sz="1600" b="0" i="0" u="none" strike="noStrike">
-                          <a:solidFill>
-                            <a:srgbClr val="000000"/>
-                          </a:solidFill>
-                          <a:effectLst/>
-                          <a:latin typeface="+mn-lt"/>
-                        </a:rPr>
-                        <a:t>0.028436</a:t>
+                        <a:t>174 (211)</a:t>
                       </a:r>
                     </a:p>
                   </a:txBody>
@@ -7180,9 +6595,9 @@
                             <a:srgbClr val="000000"/>
                           </a:solidFill>
                           <a:effectLst/>
-                          <a:latin typeface="+mn-lt"/>
-                        </a:rPr>
-                        <a:t>0.14218</a:t>
+                          <a:latin typeface="Calibri" panose="020F0502020204030204" pitchFamily="34" charset="0"/>
+                        </a:rPr>
+                        <a:t>0.034483</a:t>
                       </a:r>
                     </a:p>
                   </a:txBody>
@@ -7200,9 +6615,9 @@
                             <a:srgbClr val="000000"/>
                           </a:solidFill>
                           <a:effectLst/>
-                          <a:latin typeface="+mn-lt"/>
-                        </a:rPr>
-                        <a:t>0.061611</a:t>
+                          <a:latin typeface="Calibri" panose="020F0502020204030204" pitchFamily="34" charset="0"/>
+                        </a:rPr>
+                        <a:t>0.143678</a:t>
                       </a:r>
                     </a:p>
                   </a:txBody>
@@ -7220,27 +6635,47 @@
                             <a:srgbClr val="000000"/>
                           </a:solidFill>
                           <a:effectLst/>
-                          <a:latin typeface="+mn-lt"/>
-                        </a:rPr>
-                        <a:t>0.563981</a:t>
-                      </a:r>
-                    </a:p>
-                  </a:txBody>
-                  <a:tcPr marL="7620" marR="7620" marT="7620" marB="0" anchor="b"/>
-                </a:tc>
-                <a:tc>
-                  <a:txBody>
-                    <a:bodyPr/>
-                    <a:lstStyle/>
-                    <a:p>
-                      <a:pPr algn="r" fontAlgn="b"/>
-                      <a:r>
-                        <a:rPr lang="en-US" sz="1600" b="0" i="0" u="none" strike="noStrike">
-                          <a:solidFill>
-                            <a:srgbClr val="000000"/>
-                          </a:solidFill>
-                          <a:effectLst/>
-                          <a:latin typeface="+mn-lt"/>
+                          <a:latin typeface="Calibri" panose="020F0502020204030204" pitchFamily="34" charset="0"/>
+                        </a:rPr>
+                        <a:t>0.04023</a:t>
+                      </a:r>
+                    </a:p>
+                  </a:txBody>
+                  <a:tcPr marL="7620" marR="7620" marT="7620" marB="0" anchor="b"/>
+                </a:tc>
+                <a:tc>
+                  <a:txBody>
+                    <a:bodyPr/>
+                    <a:lstStyle/>
+                    <a:p>
+                      <a:pPr algn="r" fontAlgn="b"/>
+                      <a:r>
+                        <a:rPr lang="en-US" sz="1600" b="0" i="0" u="none" strike="noStrike" dirty="0">
+                          <a:solidFill>
+                            <a:srgbClr val="000000"/>
+                          </a:solidFill>
+                          <a:effectLst/>
+                          <a:latin typeface="Calibri" panose="020F0502020204030204" pitchFamily="34" charset="0"/>
+                        </a:rPr>
+                        <a:t>0.201149</a:t>
+                      </a:r>
+                    </a:p>
+                  </a:txBody>
+                  <a:tcPr marL="7620" marR="7620" marT="7620" marB="0" anchor="b"/>
+                </a:tc>
+                <a:tc>
+                  <a:txBody>
+                    <a:bodyPr/>
+                    <a:lstStyle/>
+                    <a:p>
+                      <a:pPr algn="r" fontAlgn="b"/>
+                      <a:r>
+                        <a:rPr lang="en-US" sz="1600" b="0" i="0" u="none" strike="noStrike" dirty="0">
+                          <a:solidFill>
+                            <a:srgbClr val="000000"/>
+                          </a:solidFill>
+                          <a:effectLst/>
+                          <a:latin typeface="Calibri" panose="020F0502020204030204" pitchFamily="34" charset="0"/>
                         </a:rPr>
                         <a:t>6.17E-06</a:t>
                       </a:r>
@@ -7260,9 +6695,9 @@
                             <a:srgbClr val="000000"/>
                           </a:solidFill>
                           <a:effectLst/>
-                          <a:latin typeface="+mn-lt"/>
-                        </a:rPr>
-                        <a:t>0.000787</a:t>
+                          <a:latin typeface="Calibri" panose="020F0502020204030204" pitchFamily="34" charset="0"/>
+                        </a:rPr>
+                        <a:t>0.000812</a:t>
                       </a:r>
                     </a:p>
                   </a:txBody>
@@ -7309,7 +6744,7 @@
                           <a:effectLst/>
                           <a:latin typeface="+mn-lt"/>
                         </a:rPr>
-                        <a:t>258</a:t>
+                        <a:t>221 (258)</a:t>
                       </a:r>
                     </a:p>
                   </a:txBody>
@@ -7327,49 +6762,9 @@
                             <a:srgbClr val="000000"/>
                           </a:solidFill>
                           <a:effectLst/>
-                          <a:latin typeface="+mn-lt"/>
-                        </a:rPr>
-                        <a:t>0.023256</a:t>
-                      </a:r>
-                    </a:p>
-                  </a:txBody>
-                  <a:tcPr marL="7620" marR="7620" marT="7620" marB="0" anchor="b"/>
-                </a:tc>
-                <a:tc>
-                  <a:txBody>
-                    <a:bodyPr/>
-                    <a:lstStyle/>
-                    <a:p>
-                      <a:pPr algn="r" fontAlgn="b"/>
-                      <a:r>
-                        <a:rPr lang="en-US" sz="1600" b="0" i="0" u="none" strike="noStrike">
-                          <a:solidFill>
-                            <a:srgbClr val="000000"/>
-                          </a:solidFill>
-                          <a:effectLst/>
-                          <a:latin typeface="+mn-lt"/>
-                        </a:rPr>
-                        <a:t>0.170543</a:t>
-                      </a:r>
-                    </a:p>
-                  </a:txBody>
-                  <a:tcPr marL="7620" marR="7620" marT="7620" marB="0" anchor="b"/>
-                </a:tc>
-                <a:tc>
-                  <a:txBody>
-                    <a:bodyPr/>
-                    <a:lstStyle/>
-                    <a:p>
-                      <a:pPr algn="r" fontAlgn="b"/>
-                      <a:r>
-                        <a:rPr lang="en-US" sz="1600" b="0" i="0" u="none" strike="noStrike">
-                          <a:solidFill>
-                            <a:srgbClr val="000000"/>
-                          </a:solidFill>
-                          <a:effectLst/>
-                          <a:latin typeface="+mn-lt"/>
-                        </a:rPr>
-                        <a:t>0.143411</a:t>
+                          <a:latin typeface="Calibri" panose="020F0502020204030204" pitchFamily="34" charset="0"/>
+                        </a:rPr>
+                        <a:t>0.0181</a:t>
                       </a:r>
                     </a:p>
                   </a:txBody>
@@ -7387,27 +6782,67 @@
                             <a:srgbClr val="000000"/>
                           </a:solidFill>
                           <a:effectLst/>
-                          <a:latin typeface="+mn-lt"/>
-                        </a:rPr>
-                        <a:t>0.596899</a:t>
-                      </a:r>
-                    </a:p>
-                  </a:txBody>
-                  <a:tcPr marL="7620" marR="7620" marT="7620" marB="0" anchor="b"/>
-                </a:tc>
-                <a:tc>
-                  <a:txBody>
-                    <a:bodyPr/>
-                    <a:lstStyle/>
-                    <a:p>
-                      <a:pPr algn="r" fontAlgn="b"/>
-                      <a:r>
-                        <a:rPr lang="en-US" sz="1600" b="0" i="0" u="none" strike="noStrike">
-                          <a:solidFill>
-                            <a:srgbClr val="000000"/>
-                          </a:solidFill>
-                          <a:effectLst/>
-                          <a:latin typeface="+mn-lt"/>
+                          <a:latin typeface="Calibri" panose="020F0502020204030204" pitchFamily="34" charset="0"/>
+                        </a:rPr>
+                        <a:t>0.144796</a:t>
+                      </a:r>
+                    </a:p>
+                  </a:txBody>
+                  <a:tcPr marL="7620" marR="7620" marT="7620" marB="0" anchor="b"/>
+                </a:tc>
+                <a:tc>
+                  <a:txBody>
+                    <a:bodyPr/>
+                    <a:lstStyle/>
+                    <a:p>
+                      <a:pPr algn="r" fontAlgn="b"/>
+                      <a:r>
+                        <a:rPr lang="en-US" sz="1600" b="0" i="0" u="none" strike="noStrike" dirty="0">
+                          <a:solidFill>
+                            <a:srgbClr val="000000"/>
+                          </a:solidFill>
+                          <a:effectLst/>
+                          <a:latin typeface="Calibri" panose="020F0502020204030204" pitchFamily="34" charset="0"/>
+                        </a:rPr>
+                        <a:t>0.027149</a:t>
+                      </a:r>
+                    </a:p>
+                  </a:txBody>
+                  <a:tcPr marL="7620" marR="7620" marT="7620" marB="0" anchor="b"/>
+                </a:tc>
+                <a:tc>
+                  <a:txBody>
+                    <a:bodyPr/>
+                    <a:lstStyle/>
+                    <a:p>
+                      <a:pPr algn="r" fontAlgn="b"/>
+                      <a:r>
+                        <a:rPr lang="en-US" sz="1600" b="0" i="0" u="none" strike="noStrike" dirty="0">
+                          <a:solidFill>
+                            <a:srgbClr val="000000"/>
+                          </a:solidFill>
+                          <a:effectLst/>
+                          <a:latin typeface="Calibri" panose="020F0502020204030204" pitchFamily="34" charset="0"/>
+                        </a:rPr>
+                        <a:t>0.248869</a:t>
+                      </a:r>
+                    </a:p>
+                  </a:txBody>
+                  <a:tcPr marL="7620" marR="7620" marT="7620" marB="0" anchor="b"/>
+                </a:tc>
+                <a:tc>
+                  <a:txBody>
+                    <a:bodyPr/>
+                    <a:lstStyle/>
+                    <a:p>
+                      <a:pPr algn="r" fontAlgn="b"/>
+                      <a:r>
+                        <a:rPr lang="en-US" sz="1600" b="0" i="0" u="none" strike="noStrike" dirty="0">
+                          <a:solidFill>
+                            <a:srgbClr val="000000"/>
+                          </a:solidFill>
+                          <a:effectLst/>
+                          <a:latin typeface="Calibri" panose="020F0502020204030204" pitchFamily="34" charset="0"/>
                         </a:rPr>
                         <a:t>0.002567</a:t>
                       </a:r>
@@ -7427,9 +6862,9 @@
                             <a:srgbClr val="000000"/>
                           </a:solidFill>
                           <a:effectLst/>
-                          <a:latin typeface="+mn-lt"/>
-                        </a:rPr>
-                        <a:t>0.000298</a:t>
+                          <a:latin typeface="Calibri" panose="020F0502020204030204" pitchFamily="34" charset="0"/>
+                        </a:rPr>
+                        <a:t>0.002426</a:t>
                       </a:r>
                     </a:p>
                   </a:txBody>
@@ -7476,7 +6911,47 @@
                           <a:effectLst/>
                           <a:latin typeface="+mn-lt"/>
                         </a:rPr>
-                        <a:t>292</a:t>
+                        <a:t>256 (292)</a:t>
+                      </a:r>
+                    </a:p>
+                  </a:txBody>
+                  <a:tcPr marL="7620" marR="7620" marT="7620" marB="0" anchor="b"/>
+                </a:tc>
+                <a:tc>
+                  <a:txBody>
+                    <a:bodyPr/>
+                    <a:lstStyle/>
+                    <a:p>
+                      <a:pPr algn="r" fontAlgn="b"/>
+                      <a:r>
+                        <a:rPr lang="en-US" sz="1600" b="0" i="0" u="none" strike="noStrike">
+                          <a:solidFill>
+                            <a:srgbClr val="000000"/>
+                          </a:solidFill>
+                          <a:effectLst/>
+                          <a:latin typeface="Calibri" panose="020F0502020204030204" pitchFamily="34" charset="0"/>
+                        </a:rPr>
+                        <a:t>0.042969</a:t>
+                      </a:r>
+                    </a:p>
+                  </a:txBody>
+                  <a:tcPr marL="7620" marR="7620" marT="7620" marB="0" anchor="b"/>
+                </a:tc>
+                <a:tc>
+                  <a:txBody>
+                    <a:bodyPr/>
+                    <a:lstStyle/>
+                    <a:p>
+                      <a:pPr algn="r" fontAlgn="b"/>
+                      <a:r>
+                        <a:rPr lang="en-US" sz="1600" b="0" i="0" u="none" strike="noStrike">
+                          <a:solidFill>
+                            <a:srgbClr val="000000"/>
+                          </a:solidFill>
+                          <a:effectLst/>
+                          <a:latin typeface="Calibri" panose="020F0502020204030204" pitchFamily="34" charset="0"/>
+                        </a:rPr>
+                        <a:t>0.167969</a:t>
                       </a:r>
                     </a:p>
                   </a:txBody>
@@ -7494,52 +6969,9 @@
                             <a:srgbClr val="000000"/>
                           </a:solidFill>
                           <a:effectLst/>
-                          <a:highlight>
-                            <a:srgbClr val="FFFF00"/>
-                          </a:highlight>
-                          <a:latin typeface="+mn-lt"/>
-                        </a:rPr>
-                        <a:t>0.054795</a:t>
-                      </a:r>
-                    </a:p>
-                  </a:txBody>
-                  <a:tcPr marL="7620" marR="7620" marT="7620" marB="0" anchor="b"/>
-                </a:tc>
-                <a:tc>
-                  <a:txBody>
-                    <a:bodyPr/>
-                    <a:lstStyle/>
-                    <a:p>
-                      <a:pPr algn="r" fontAlgn="b"/>
-                      <a:r>
-                        <a:rPr lang="en-US" sz="1600" b="0" i="0" u="none" strike="noStrike">
-                          <a:solidFill>
-                            <a:srgbClr val="000000"/>
-                          </a:solidFill>
-                          <a:effectLst/>
-                          <a:latin typeface="+mn-lt"/>
-                        </a:rPr>
-                        <a:t>0.191781</a:t>
-                      </a:r>
-                    </a:p>
-                  </a:txBody>
-                  <a:tcPr marL="7620" marR="7620" marT="7620" marB="0" anchor="b"/>
-                </a:tc>
-                <a:tc>
-                  <a:txBody>
-                    <a:bodyPr/>
-                    <a:lstStyle/>
-                    <a:p>
-                      <a:pPr algn="r" fontAlgn="b"/>
-                      <a:r>
-                        <a:rPr lang="en-US" sz="1600" b="0" i="0" u="none" strike="noStrike">
-                          <a:solidFill>
-                            <a:srgbClr val="000000"/>
-                          </a:solidFill>
-                          <a:effectLst/>
-                          <a:latin typeface="+mn-lt"/>
-                        </a:rPr>
-                        <a:t>0.215753</a:t>
+                          <a:latin typeface="Calibri" panose="020F0502020204030204" pitchFamily="34" charset="0"/>
+                        </a:rPr>
+                        <a:t>0.050781</a:t>
                       </a:r>
                     </a:p>
                   </a:txBody>
@@ -7557,12 +6989,9 @@
                             <a:srgbClr val="000000"/>
                           </a:solidFill>
                           <a:effectLst/>
-                          <a:highlight>
-                            <a:srgbClr val="FFFF00"/>
-                          </a:highlight>
-                          <a:latin typeface="+mn-lt"/>
-                        </a:rPr>
-                        <a:t>0.547945</a:t>
+                          <a:latin typeface="Calibri" panose="020F0502020204030204" pitchFamily="34" charset="0"/>
+                        </a:rPr>
+                        <a:t>0.230469</a:t>
                       </a:r>
                     </a:p>
                   </a:txBody>
@@ -7580,7 +7009,7 @@
                             <a:srgbClr val="000000"/>
                           </a:solidFill>
                           <a:effectLst/>
-                          <a:latin typeface="+mn-lt"/>
+                          <a:latin typeface="Calibri" panose="020F0502020204030204" pitchFamily="34" charset="0"/>
                         </a:rPr>
                         <a:t>3.21E-19</a:t>
                       </a:r>
@@ -7600,9 +7029,9 @@
                             <a:srgbClr val="000000"/>
                           </a:solidFill>
                           <a:effectLst/>
-                          <a:latin typeface="+mn-lt"/>
-                        </a:rPr>
-                        <a:t>7.10E-11</a:t>
+                          <a:latin typeface="Calibri" panose="020F0502020204030204" pitchFamily="34" charset="0"/>
+                        </a:rPr>
+                        <a:t>7.62E-11</a:t>
                       </a:r>
                     </a:p>
                   </a:txBody>
@@ -7633,7 +7062,7 @@
           <p:nvPr>
             <p:extLst>
               <p:ext uri="{D42A27DB-BD31-4B8C-83A1-F6EECF244321}">
-                <p14:modId xmlns:p14="http://schemas.microsoft.com/office/powerpoint/2010/main" val="1174441426"/>
+                <p14:modId xmlns:p14="http://schemas.microsoft.com/office/powerpoint/2010/main" val="3582025274"/>
               </p:ext>
             </p:extLst>
           </p:nvPr>
@@ -7852,7 +7281,27 @@
                           <a:effectLst/>
                           <a:latin typeface="+mn-lt"/>
                         </a:rPr>
-                        <a:t>114</a:t>
+                        <a:t>81 (114)</a:t>
+                      </a:r>
+                    </a:p>
+                  </a:txBody>
+                  <a:tcPr marL="7620" marR="7620" marT="7620" marB="0" anchor="b"/>
+                </a:tc>
+                <a:tc>
+                  <a:txBody>
+                    <a:bodyPr/>
+                    <a:lstStyle/>
+                    <a:p>
+                      <a:pPr algn="r" fontAlgn="b"/>
+                      <a:r>
+                        <a:rPr lang="en-US" sz="1600" b="0" i="0" u="none" strike="noStrike" dirty="0">
+                          <a:solidFill>
+                            <a:srgbClr val="000000"/>
+                          </a:solidFill>
+                          <a:effectLst/>
+                          <a:latin typeface="Calibri" panose="020F0502020204030204" pitchFamily="34" charset="0"/>
+                        </a:rPr>
+                        <a:t>0.024691</a:t>
                       </a:r>
                     </a:p>
                   </a:txBody>
@@ -7870,9 +7319,9 @@
                             <a:srgbClr val="000000"/>
                           </a:solidFill>
                           <a:effectLst/>
-                          <a:latin typeface="+mn-lt"/>
-                        </a:rPr>
-                        <a:t>0.017544</a:t>
+                          <a:latin typeface="Calibri" panose="020F0502020204030204" pitchFamily="34" charset="0"/>
+                        </a:rPr>
+                        <a:t>0.160494</a:t>
                       </a:r>
                     </a:p>
                   </a:txBody>
@@ -7890,9 +7339,9 @@
                             <a:srgbClr val="000000"/>
                           </a:solidFill>
                           <a:effectLst/>
-                          <a:latin typeface="+mn-lt"/>
-                        </a:rPr>
-                        <a:t>0.140351</a:t>
+                          <a:latin typeface="Calibri" panose="020F0502020204030204" pitchFamily="34" charset="0"/>
+                        </a:rPr>
+                        <a:t>0</a:t>
                       </a:r>
                     </a:p>
                   </a:txBody>
@@ -7910,9 +7359,9 @@
                             <a:srgbClr val="000000"/>
                           </a:solidFill>
                           <a:effectLst/>
-                          <a:latin typeface="+mn-lt"/>
-                        </a:rPr>
-                        <a:t>0.008772</a:t>
+                          <a:latin typeface="Calibri" panose="020F0502020204030204" pitchFamily="34" charset="0"/>
+                        </a:rPr>
+                        <a:t>0.234568</a:t>
                       </a:r>
                     </a:p>
                   </a:txBody>
@@ -7930,27 +7379,7 @@
                             <a:srgbClr val="000000"/>
                           </a:solidFill>
                           <a:effectLst/>
-                          <a:latin typeface="+mn-lt"/>
-                        </a:rPr>
-                        <a:t>0.342105</a:t>
-                      </a:r>
-                    </a:p>
-                  </a:txBody>
-                  <a:tcPr marL="7620" marR="7620" marT="7620" marB="0" anchor="b"/>
-                </a:tc>
-                <a:tc>
-                  <a:txBody>
-                    <a:bodyPr/>
-                    <a:lstStyle/>
-                    <a:p>
-                      <a:pPr algn="r" fontAlgn="b"/>
-                      <a:r>
-                        <a:rPr lang="en-US" sz="1600" b="0" i="0" u="none" strike="noStrike">
-                          <a:solidFill>
-                            <a:srgbClr val="000000"/>
-                          </a:solidFill>
-                          <a:effectLst/>
-                          <a:latin typeface="+mn-lt"/>
+                          <a:latin typeface="Calibri" panose="020F0502020204030204" pitchFamily="34" charset="0"/>
                         </a:rPr>
                         <a:t>0.006738</a:t>
                       </a:r>
@@ -7970,9 +7399,9 @@
                             <a:srgbClr val="000000"/>
                           </a:solidFill>
                           <a:effectLst/>
-                          <a:latin typeface="+mn-lt"/>
-                        </a:rPr>
-                        <a:t>0.030483</a:t>
+                          <a:latin typeface="Calibri" panose="020F0502020204030204" pitchFamily="34" charset="0"/>
+                        </a:rPr>
+                        <a:t>0.052632</a:t>
                       </a:r>
                     </a:p>
                   </a:txBody>
@@ -8019,7 +7448,7 @@
                           <a:effectLst/>
                           <a:latin typeface="+mn-lt"/>
                         </a:rPr>
-                        <a:t>184</a:t>
+                        <a:t>147 (184)</a:t>
                       </a:r>
                     </a:p>
                   </a:txBody>
@@ -8037,9 +7466,9 @@
                             <a:srgbClr val="000000"/>
                           </a:solidFill>
                           <a:effectLst/>
-                          <a:latin typeface="+mn-lt"/>
-                        </a:rPr>
-                        <a:t>0.016304</a:t>
+                          <a:latin typeface="Calibri" panose="020F0502020204030204" pitchFamily="34" charset="0"/>
+                        </a:rPr>
+                        <a:t>0.020408</a:t>
                       </a:r>
                     </a:p>
                   </a:txBody>
@@ -8057,9 +7486,29 @@
                             <a:srgbClr val="000000"/>
                           </a:solidFill>
                           <a:effectLst/>
-                          <a:latin typeface="+mn-lt"/>
-                        </a:rPr>
-                        <a:t>0.206522</a:t>
+                          <a:latin typeface="Calibri" panose="020F0502020204030204" pitchFamily="34" charset="0"/>
+                        </a:rPr>
+                        <a:t>0.190476</a:t>
+                      </a:r>
+                    </a:p>
+                  </a:txBody>
+                  <a:tcPr marL="7620" marR="7620" marT="7620" marB="0" anchor="b"/>
+                </a:tc>
+                <a:tc>
+                  <a:txBody>
+                    <a:bodyPr/>
+                    <a:lstStyle/>
+                    <a:p>
+                      <a:pPr algn="r" fontAlgn="b"/>
+                      <a:r>
+                        <a:rPr lang="en-US" sz="1600" b="0" i="0" u="none" strike="noStrike" dirty="0">
+                          <a:solidFill>
+                            <a:srgbClr val="000000"/>
+                          </a:solidFill>
+                          <a:effectLst/>
+                          <a:latin typeface="Calibri" panose="020F0502020204030204" pitchFamily="34" charset="0"/>
+                        </a:rPr>
+                        <a:t>0.027211</a:t>
                       </a:r>
                     </a:p>
                   </a:txBody>
@@ -8077,9 +7526,9 @@
                             <a:srgbClr val="000000"/>
                           </a:solidFill>
                           <a:effectLst/>
-                          <a:latin typeface="+mn-lt"/>
-                        </a:rPr>
-                        <a:t>0.048913</a:t>
+                          <a:latin typeface="Calibri" panose="020F0502020204030204" pitchFamily="34" charset="0"/>
+                        </a:rPr>
+                        <a:t>0.258503</a:t>
                       </a:r>
                     </a:p>
                   </a:txBody>
@@ -8097,27 +7546,7 @@
                             <a:srgbClr val="000000"/>
                           </a:solidFill>
                           <a:effectLst/>
-                          <a:latin typeface="+mn-lt"/>
-                        </a:rPr>
-                        <a:t>0.527174</a:t>
-                      </a:r>
-                    </a:p>
-                  </a:txBody>
-                  <a:tcPr marL="7620" marR="7620" marT="7620" marB="0" anchor="b"/>
-                </a:tc>
-                <a:tc>
-                  <a:txBody>
-                    <a:bodyPr/>
-                    <a:lstStyle/>
-                    <a:p>
-                      <a:pPr algn="r" fontAlgn="b"/>
-                      <a:r>
-                        <a:rPr lang="en-US" sz="1600" b="0" i="0" u="none" strike="noStrike">
-                          <a:solidFill>
-                            <a:srgbClr val="000000"/>
-                          </a:solidFill>
-                          <a:effectLst/>
-                          <a:latin typeface="+mn-lt"/>
+                          <a:latin typeface="Calibri" panose="020F0502020204030204" pitchFamily="34" charset="0"/>
                         </a:rPr>
                         <a:t>2.10E-05</a:t>
                       </a:r>
@@ -8137,9 +7566,9 @@
                             <a:srgbClr val="000000"/>
                           </a:solidFill>
                           <a:effectLst/>
-                          <a:latin typeface="+mn-lt"/>
-                        </a:rPr>
-                        <a:t>0.008151</a:t>
+                          <a:latin typeface="Calibri" panose="020F0502020204030204" pitchFamily="34" charset="0"/>
+                        </a:rPr>
+                        <a:t>0.009892</a:t>
                       </a:r>
                     </a:p>
                   </a:txBody>
@@ -8186,27 +7615,7 @@
                           <a:effectLst/>
                           <a:latin typeface="+mn-lt"/>
                         </a:rPr>
-                        <a:t>211</a:t>
-                      </a:r>
-                    </a:p>
-                  </a:txBody>
-                  <a:tcPr marL="7620" marR="7620" marT="7620" marB="0" anchor="b"/>
-                </a:tc>
-                <a:tc>
-                  <a:txBody>
-                    <a:bodyPr/>
-                    <a:lstStyle/>
-                    <a:p>
-                      <a:pPr algn="r" fontAlgn="b"/>
-                      <a:r>
-                        <a:rPr lang="en-US" sz="1600" b="0" i="0" u="none" strike="noStrike">
-                          <a:solidFill>
-                            <a:srgbClr val="000000"/>
-                          </a:solidFill>
-                          <a:effectLst/>
-                          <a:latin typeface="+mn-lt"/>
-                        </a:rPr>
-                        <a:t>0.028436</a:t>
+                        <a:t>174 (211)</a:t>
                       </a:r>
                     </a:p>
                   </a:txBody>
@@ -8224,9 +7633,9 @@
                             <a:srgbClr val="000000"/>
                           </a:solidFill>
                           <a:effectLst/>
-                          <a:latin typeface="+mn-lt"/>
-                        </a:rPr>
-                        <a:t>0.14218</a:t>
+                          <a:latin typeface="Calibri" panose="020F0502020204030204" pitchFamily="34" charset="0"/>
+                        </a:rPr>
+                        <a:t>0.034483</a:t>
                       </a:r>
                     </a:p>
                   </a:txBody>
@@ -8244,9 +7653,9 @@
                             <a:srgbClr val="000000"/>
                           </a:solidFill>
                           <a:effectLst/>
-                          <a:latin typeface="+mn-lt"/>
-                        </a:rPr>
-                        <a:t>0.061611</a:t>
+                          <a:latin typeface="Calibri" panose="020F0502020204030204" pitchFamily="34" charset="0"/>
+                        </a:rPr>
+                        <a:t>0.143678</a:t>
                       </a:r>
                     </a:p>
                   </a:txBody>
@@ -8264,27 +7673,47 @@
                             <a:srgbClr val="000000"/>
                           </a:solidFill>
                           <a:effectLst/>
-                          <a:latin typeface="+mn-lt"/>
-                        </a:rPr>
-                        <a:t>0.563981</a:t>
-                      </a:r>
-                    </a:p>
-                  </a:txBody>
-                  <a:tcPr marL="7620" marR="7620" marT="7620" marB="0" anchor="b"/>
-                </a:tc>
-                <a:tc>
-                  <a:txBody>
-                    <a:bodyPr/>
-                    <a:lstStyle/>
-                    <a:p>
-                      <a:pPr algn="r" fontAlgn="b"/>
-                      <a:r>
-                        <a:rPr lang="en-US" sz="1600" b="0" i="0" u="none" strike="noStrike">
-                          <a:solidFill>
-                            <a:srgbClr val="000000"/>
-                          </a:solidFill>
-                          <a:effectLst/>
-                          <a:latin typeface="+mn-lt"/>
+                          <a:latin typeface="Calibri" panose="020F0502020204030204" pitchFamily="34" charset="0"/>
+                        </a:rPr>
+                        <a:t>0.04023</a:t>
+                      </a:r>
+                    </a:p>
+                  </a:txBody>
+                  <a:tcPr marL="7620" marR="7620" marT="7620" marB="0" anchor="b"/>
+                </a:tc>
+                <a:tc>
+                  <a:txBody>
+                    <a:bodyPr/>
+                    <a:lstStyle/>
+                    <a:p>
+                      <a:pPr algn="r" fontAlgn="b"/>
+                      <a:r>
+                        <a:rPr lang="en-US" sz="1600" b="0" i="0" u="none" strike="noStrike" dirty="0">
+                          <a:solidFill>
+                            <a:srgbClr val="000000"/>
+                          </a:solidFill>
+                          <a:effectLst/>
+                          <a:latin typeface="Calibri" panose="020F0502020204030204" pitchFamily="34" charset="0"/>
+                        </a:rPr>
+                        <a:t>0.201149</a:t>
+                      </a:r>
+                    </a:p>
+                  </a:txBody>
+                  <a:tcPr marL="7620" marR="7620" marT="7620" marB="0" anchor="b"/>
+                </a:tc>
+                <a:tc>
+                  <a:txBody>
+                    <a:bodyPr/>
+                    <a:lstStyle/>
+                    <a:p>
+                      <a:pPr algn="r" fontAlgn="b"/>
+                      <a:r>
+                        <a:rPr lang="en-US" sz="1600" b="0" i="0" u="none" strike="noStrike" dirty="0">
+                          <a:solidFill>
+                            <a:srgbClr val="000000"/>
+                          </a:solidFill>
+                          <a:effectLst/>
+                          <a:latin typeface="Calibri" panose="020F0502020204030204" pitchFamily="34" charset="0"/>
                         </a:rPr>
                         <a:t>6.17E-06</a:t>
                       </a:r>
@@ -8304,9 +7733,9 @@
                             <a:srgbClr val="000000"/>
                           </a:solidFill>
                           <a:effectLst/>
-                          <a:latin typeface="+mn-lt"/>
-                        </a:rPr>
-                        <a:t>0.000787</a:t>
+                          <a:latin typeface="Calibri" panose="020F0502020204030204" pitchFamily="34" charset="0"/>
+                        </a:rPr>
+                        <a:t>0.000812</a:t>
                       </a:r>
                     </a:p>
                   </a:txBody>
@@ -8353,7 +7782,7 @@
                           <a:effectLst/>
                           <a:latin typeface="+mn-lt"/>
                         </a:rPr>
-                        <a:t>258</a:t>
+                        <a:t>221 (258)</a:t>
                       </a:r>
                     </a:p>
                   </a:txBody>
@@ -8371,49 +7800,9 @@
                             <a:srgbClr val="000000"/>
                           </a:solidFill>
                           <a:effectLst/>
-                          <a:latin typeface="+mn-lt"/>
-                        </a:rPr>
-                        <a:t>0.023256</a:t>
-                      </a:r>
-                    </a:p>
-                  </a:txBody>
-                  <a:tcPr marL="7620" marR="7620" marT="7620" marB="0" anchor="b"/>
-                </a:tc>
-                <a:tc>
-                  <a:txBody>
-                    <a:bodyPr/>
-                    <a:lstStyle/>
-                    <a:p>
-                      <a:pPr algn="r" fontAlgn="b"/>
-                      <a:r>
-                        <a:rPr lang="en-US" sz="1600" b="0" i="0" u="none" strike="noStrike">
-                          <a:solidFill>
-                            <a:srgbClr val="000000"/>
-                          </a:solidFill>
-                          <a:effectLst/>
-                          <a:latin typeface="+mn-lt"/>
-                        </a:rPr>
-                        <a:t>0.170543</a:t>
-                      </a:r>
-                    </a:p>
-                  </a:txBody>
-                  <a:tcPr marL="7620" marR="7620" marT="7620" marB="0" anchor="b"/>
-                </a:tc>
-                <a:tc>
-                  <a:txBody>
-                    <a:bodyPr/>
-                    <a:lstStyle/>
-                    <a:p>
-                      <a:pPr algn="r" fontAlgn="b"/>
-                      <a:r>
-                        <a:rPr lang="en-US" sz="1600" b="0" i="0" u="none" strike="noStrike">
-                          <a:solidFill>
-                            <a:srgbClr val="000000"/>
-                          </a:solidFill>
-                          <a:effectLst/>
-                          <a:latin typeface="+mn-lt"/>
-                        </a:rPr>
-                        <a:t>0.143411</a:t>
+                          <a:latin typeface="Calibri" panose="020F0502020204030204" pitchFamily="34" charset="0"/>
+                        </a:rPr>
+                        <a:t>0.0181</a:t>
                       </a:r>
                     </a:p>
                   </a:txBody>
@@ -8431,27 +7820,67 @@
                             <a:srgbClr val="000000"/>
                           </a:solidFill>
                           <a:effectLst/>
-                          <a:latin typeface="+mn-lt"/>
-                        </a:rPr>
-                        <a:t>0.596899</a:t>
-                      </a:r>
-                    </a:p>
-                  </a:txBody>
-                  <a:tcPr marL="7620" marR="7620" marT="7620" marB="0" anchor="b"/>
-                </a:tc>
-                <a:tc>
-                  <a:txBody>
-                    <a:bodyPr/>
-                    <a:lstStyle/>
-                    <a:p>
-                      <a:pPr algn="r" fontAlgn="b"/>
-                      <a:r>
-                        <a:rPr lang="en-US" sz="1600" b="0" i="0" u="none" strike="noStrike">
-                          <a:solidFill>
-                            <a:srgbClr val="000000"/>
-                          </a:solidFill>
-                          <a:effectLst/>
-                          <a:latin typeface="+mn-lt"/>
+                          <a:latin typeface="Calibri" panose="020F0502020204030204" pitchFamily="34" charset="0"/>
+                        </a:rPr>
+                        <a:t>0.144796</a:t>
+                      </a:r>
+                    </a:p>
+                  </a:txBody>
+                  <a:tcPr marL="7620" marR="7620" marT="7620" marB="0" anchor="b"/>
+                </a:tc>
+                <a:tc>
+                  <a:txBody>
+                    <a:bodyPr/>
+                    <a:lstStyle/>
+                    <a:p>
+                      <a:pPr algn="r" fontAlgn="b"/>
+                      <a:r>
+                        <a:rPr lang="en-US" sz="1600" b="0" i="0" u="none" strike="noStrike" dirty="0">
+                          <a:solidFill>
+                            <a:srgbClr val="000000"/>
+                          </a:solidFill>
+                          <a:effectLst/>
+                          <a:latin typeface="Calibri" panose="020F0502020204030204" pitchFamily="34" charset="0"/>
+                        </a:rPr>
+                        <a:t>0.027149</a:t>
+                      </a:r>
+                    </a:p>
+                  </a:txBody>
+                  <a:tcPr marL="7620" marR="7620" marT="7620" marB="0" anchor="b"/>
+                </a:tc>
+                <a:tc>
+                  <a:txBody>
+                    <a:bodyPr/>
+                    <a:lstStyle/>
+                    <a:p>
+                      <a:pPr algn="r" fontAlgn="b"/>
+                      <a:r>
+                        <a:rPr lang="en-US" sz="1600" b="0" i="0" u="none" strike="noStrike" dirty="0">
+                          <a:solidFill>
+                            <a:srgbClr val="000000"/>
+                          </a:solidFill>
+                          <a:effectLst/>
+                          <a:latin typeface="Calibri" panose="020F0502020204030204" pitchFamily="34" charset="0"/>
+                        </a:rPr>
+                        <a:t>0.248869</a:t>
+                      </a:r>
+                    </a:p>
+                  </a:txBody>
+                  <a:tcPr marL="7620" marR="7620" marT="7620" marB="0" anchor="b"/>
+                </a:tc>
+                <a:tc>
+                  <a:txBody>
+                    <a:bodyPr/>
+                    <a:lstStyle/>
+                    <a:p>
+                      <a:pPr algn="r" fontAlgn="b"/>
+                      <a:r>
+                        <a:rPr lang="en-US" sz="1600" b="0" i="0" u="none" strike="noStrike" dirty="0">
+                          <a:solidFill>
+                            <a:srgbClr val="000000"/>
+                          </a:solidFill>
+                          <a:effectLst/>
+                          <a:latin typeface="Calibri" panose="020F0502020204030204" pitchFamily="34" charset="0"/>
                         </a:rPr>
                         <a:t>0.002567</a:t>
                       </a:r>
@@ -8471,9 +7900,9 @@
                             <a:srgbClr val="000000"/>
                           </a:solidFill>
                           <a:effectLst/>
-                          <a:latin typeface="+mn-lt"/>
-                        </a:rPr>
-                        <a:t>0.000298</a:t>
+                          <a:latin typeface="Calibri" panose="020F0502020204030204" pitchFamily="34" charset="0"/>
+                        </a:rPr>
+                        <a:t>0.002426</a:t>
                       </a:r>
                     </a:p>
                   </a:txBody>
@@ -8520,7 +7949,47 @@
                           <a:effectLst/>
                           <a:latin typeface="+mn-lt"/>
                         </a:rPr>
-                        <a:t>292</a:t>
+                        <a:t>256 (292)</a:t>
+                      </a:r>
+                    </a:p>
+                  </a:txBody>
+                  <a:tcPr marL="7620" marR="7620" marT="7620" marB="0" anchor="b"/>
+                </a:tc>
+                <a:tc>
+                  <a:txBody>
+                    <a:bodyPr/>
+                    <a:lstStyle/>
+                    <a:p>
+                      <a:pPr algn="r" fontAlgn="b"/>
+                      <a:r>
+                        <a:rPr lang="en-US" sz="1600" b="0" i="0" u="none" strike="noStrike">
+                          <a:solidFill>
+                            <a:srgbClr val="000000"/>
+                          </a:solidFill>
+                          <a:effectLst/>
+                          <a:latin typeface="Calibri" panose="020F0502020204030204" pitchFamily="34" charset="0"/>
+                        </a:rPr>
+                        <a:t>0.042969</a:t>
+                      </a:r>
+                    </a:p>
+                  </a:txBody>
+                  <a:tcPr marL="7620" marR="7620" marT="7620" marB="0" anchor="b"/>
+                </a:tc>
+                <a:tc>
+                  <a:txBody>
+                    <a:bodyPr/>
+                    <a:lstStyle/>
+                    <a:p>
+                      <a:pPr algn="r" fontAlgn="b"/>
+                      <a:r>
+                        <a:rPr lang="en-US" sz="1600" b="0" i="0" u="none" strike="noStrike">
+                          <a:solidFill>
+                            <a:srgbClr val="000000"/>
+                          </a:solidFill>
+                          <a:effectLst/>
+                          <a:latin typeface="Calibri" panose="020F0502020204030204" pitchFamily="34" charset="0"/>
+                        </a:rPr>
+                        <a:t>0.167969</a:t>
                       </a:r>
                     </a:p>
                   </a:txBody>
@@ -8538,52 +8007,9 @@
                             <a:srgbClr val="000000"/>
                           </a:solidFill>
                           <a:effectLst/>
-                          <a:highlight>
-                            <a:srgbClr val="FFFF00"/>
-                          </a:highlight>
-                          <a:latin typeface="+mn-lt"/>
-                        </a:rPr>
-                        <a:t>0.054795</a:t>
-                      </a:r>
-                    </a:p>
-                  </a:txBody>
-                  <a:tcPr marL="7620" marR="7620" marT="7620" marB="0" anchor="b"/>
-                </a:tc>
-                <a:tc>
-                  <a:txBody>
-                    <a:bodyPr/>
-                    <a:lstStyle/>
-                    <a:p>
-                      <a:pPr algn="r" fontAlgn="b"/>
-                      <a:r>
-                        <a:rPr lang="en-US" sz="1600" b="0" i="0" u="none" strike="noStrike">
-                          <a:solidFill>
-                            <a:srgbClr val="000000"/>
-                          </a:solidFill>
-                          <a:effectLst/>
-                          <a:latin typeface="+mn-lt"/>
-                        </a:rPr>
-                        <a:t>0.191781</a:t>
-                      </a:r>
-                    </a:p>
-                  </a:txBody>
-                  <a:tcPr marL="7620" marR="7620" marT="7620" marB="0" anchor="b"/>
-                </a:tc>
-                <a:tc>
-                  <a:txBody>
-                    <a:bodyPr/>
-                    <a:lstStyle/>
-                    <a:p>
-                      <a:pPr algn="r" fontAlgn="b"/>
-                      <a:r>
-                        <a:rPr lang="en-US" sz="1600" b="0" i="0" u="none" strike="noStrike">
-                          <a:solidFill>
-                            <a:srgbClr val="000000"/>
-                          </a:solidFill>
-                          <a:effectLst/>
-                          <a:latin typeface="+mn-lt"/>
-                        </a:rPr>
-                        <a:t>0.215753</a:t>
+                          <a:latin typeface="Calibri" panose="020F0502020204030204" pitchFamily="34" charset="0"/>
+                        </a:rPr>
+                        <a:t>0.050781</a:t>
                       </a:r>
                     </a:p>
                   </a:txBody>
@@ -8601,12 +8027,9 @@
                             <a:srgbClr val="000000"/>
                           </a:solidFill>
                           <a:effectLst/>
-                          <a:highlight>
-                            <a:srgbClr val="FFFF00"/>
-                          </a:highlight>
-                          <a:latin typeface="+mn-lt"/>
-                        </a:rPr>
-                        <a:t>0.547945</a:t>
+                          <a:latin typeface="Calibri" panose="020F0502020204030204" pitchFamily="34" charset="0"/>
+                        </a:rPr>
+                        <a:t>0.230469</a:t>
                       </a:r>
                     </a:p>
                   </a:txBody>
@@ -8624,7 +8047,7 @@
                             <a:srgbClr val="000000"/>
                           </a:solidFill>
                           <a:effectLst/>
-                          <a:latin typeface="+mn-lt"/>
+                          <a:latin typeface="Calibri" panose="020F0502020204030204" pitchFamily="34" charset="0"/>
                         </a:rPr>
                         <a:t>3.21E-19</a:t>
                       </a:r>
@@ -8644,9 +8067,9 @@
                             <a:srgbClr val="000000"/>
                           </a:solidFill>
                           <a:effectLst/>
-                          <a:latin typeface="+mn-lt"/>
-                        </a:rPr>
-                        <a:t>7.10E-11</a:t>
+                          <a:latin typeface="Calibri" panose="020F0502020204030204" pitchFamily="34" charset="0"/>
+                        </a:rPr>
+                        <a:t>7.62E-11</a:t>
                       </a:r>
                     </a:p>
                   </a:txBody>
@@ -8677,7 +8100,7 @@
         <p:spPr>
           <a:xfrm>
             <a:off x="838200" y="1321356"/>
-            <a:ext cx="1084079" cy="369332"/>
+            <a:ext cx="1249060" cy="369332"/>
           </a:xfrm>
           <a:prstGeom prst="rect">
             <a:avLst/>
@@ -8691,7 +8114,10 @@
           <a:lstStyle/>
           <a:p>
             <a:r>
-              <a:rPr lang="en-US" dirty="0"/>
+              <a:rPr lang="en-US" dirty="0">
+                <a:latin typeface="Yu Gothic" panose="020B0400000000000000" pitchFamily="34" charset="-128"/>
+                <a:ea typeface="Yu Gothic" panose="020B0400000000000000" pitchFamily="34" charset="-128"/>
+              </a:rPr>
               <a:t>Recessive</a:t>
             </a:r>
           </a:p>
@@ -8712,7 +8138,7 @@
         <p:spPr>
           <a:xfrm>
             <a:off x="838199" y="4109884"/>
-            <a:ext cx="4123886" cy="369332"/>
+            <a:ext cx="4767652" cy="369332"/>
           </a:xfrm>
           <a:prstGeom prst="rect">
             <a:avLst/>
@@ -8726,7 +8152,10 @@
           <a:lstStyle/>
           <a:p>
             <a:r>
-              <a:rPr lang="en-US" dirty="0"/>
+              <a:rPr lang="en-US" dirty="0">
+                <a:latin typeface="Yu Gothic" panose="020B0400000000000000" pitchFamily="34" charset="-128"/>
+                <a:ea typeface="Yu Gothic" panose="020B0400000000000000" pitchFamily="34" charset="-128"/>
+              </a:rPr>
               <a:t>Additive (identical to recessive since s = 0)</a:t>
             </a:r>
           </a:p>
@@ -8745,99 +8174,7 @@
 </p:sld>
 </file>
 
-<file path=ppt/slides/slide2.xml><?xml version="1.0" encoding="utf-8"?>
-<p:sld xmlns:a="http://schemas.openxmlformats.org/drawingml/2006/main" xmlns:r="http://schemas.openxmlformats.org/officeDocument/2006/relationships" xmlns:p="http://schemas.openxmlformats.org/presentationml/2006/main">
-  <p:cSld>
-    <p:spTree>
-      <p:nvGrpSpPr>
-        <p:cNvPr id="1" name=""/>
-        <p:cNvGrpSpPr/>
-        <p:nvPr/>
-      </p:nvGrpSpPr>
-      <p:grpSpPr>
-        <a:xfrm>
-          <a:off x="0" y="0"/>
-          <a:ext cx="0" cy="0"/>
-          <a:chOff x="0" y="0"/>
-          <a:chExt cx="0" cy="0"/>
-        </a:xfrm>
-      </p:grpSpPr>
-      <p:sp>
-        <p:nvSpPr>
-          <p:cNvPr id="2" name="Title 1">
-            <a:extLst>
-              <a:ext uri="{FF2B5EF4-FFF2-40B4-BE49-F238E27FC236}">
-                <a16:creationId xmlns:a16="http://schemas.microsoft.com/office/drawing/2014/main" id="{E4746A5C-B80D-4DA8-82DF-70D29930F31E}"/>
-              </a:ext>
-            </a:extLst>
-          </p:cNvPr>
-          <p:cNvSpPr>
-            <a:spLocks noGrp="1"/>
-          </p:cNvSpPr>
-          <p:nvPr>
-            <p:ph type="title"/>
-          </p:nvPr>
-        </p:nvSpPr>
-        <p:spPr/>
-        <p:txBody>
-          <a:bodyPr/>
-          <a:lstStyle/>
-          <a:p>
-            <a:r>
-              <a:rPr lang="en-US" dirty="0">
-                <a:latin typeface="Yu Gothic" panose="020B0400000000000000" pitchFamily="34" charset="-128"/>
-                <a:ea typeface="Yu Gothic" panose="020B0400000000000000" pitchFamily="34" charset="-128"/>
-              </a:rPr>
-              <a:t>Logistics	</a:t>
-            </a:r>
-          </a:p>
-        </p:txBody>
-      </p:sp>
-      <p:sp>
-        <p:nvSpPr>
-          <p:cNvPr id="3" name="Content Placeholder 2">
-            <a:extLst>
-              <a:ext uri="{FF2B5EF4-FFF2-40B4-BE49-F238E27FC236}">
-                <a16:creationId xmlns:a16="http://schemas.microsoft.com/office/drawing/2014/main" id="{3A0F4140-6E41-44AB-A78E-4CF1EDDC0892}"/>
-              </a:ext>
-            </a:extLst>
-          </p:cNvPr>
-          <p:cNvSpPr>
-            <a:spLocks noGrp="1"/>
-          </p:cNvSpPr>
-          <p:nvPr>
-            <p:ph idx="1"/>
-          </p:nvPr>
-        </p:nvSpPr>
-        <p:spPr/>
-        <p:txBody>
-          <a:bodyPr/>
-          <a:lstStyle/>
-          <a:p>
-            <a:r>
-              <a:rPr lang="en-US" dirty="0">
-                <a:latin typeface="Yu Gothic" panose="020B0400000000000000" pitchFamily="34" charset="-128"/>
-                <a:ea typeface="Yu Gothic" panose="020B0400000000000000" pitchFamily="34" charset="-128"/>
-              </a:rPr>
-              <a:t>N/A</a:t>
-            </a:r>
-          </a:p>
-        </p:txBody>
-      </p:sp>
-    </p:spTree>
-    <p:extLst>
-      <p:ext uri="{BB962C8B-B14F-4D97-AF65-F5344CB8AC3E}">
-        <p14:creationId xmlns:p14="http://schemas.microsoft.com/office/powerpoint/2010/main" val="1443621890"/>
-      </p:ext>
-    </p:extLst>
-  </p:cSld>
-  <p:clrMapOvr>
-    <a:masterClrMapping/>
-  </p:clrMapOvr>
-</p:sld>
-</file>
-
-<file path=ppt/slides/slide20.xml><?xml version="1.0" encoding="utf-8"?>
+<file path=ppt/slides/slide18.xml><?xml version="1.0" encoding="utf-8"?>
 <p:sld xmlns:a="http://schemas.openxmlformats.org/drawingml/2006/main" xmlns:r="http://schemas.openxmlformats.org/officeDocument/2006/relationships" xmlns:p="http://schemas.openxmlformats.org/presentationml/2006/main">
   <p:cSld>
     <p:spTree>
@@ -8876,8 +8213,11 @@
           <a:lstStyle/>
           <a:p>
             <a:r>
-              <a:rPr lang="en-US" dirty="0"/>
-              <a:t>s=-0.001</a:t>
+              <a:rPr lang="en-US" dirty="0">
+                <a:latin typeface="Yu Gothic" panose="020B0400000000000000" pitchFamily="34" charset="-128"/>
+                <a:ea typeface="Yu Gothic" panose="020B0400000000000000" pitchFamily="34" charset="-128"/>
+              </a:rPr>
+              <a:t>s=-0.001 (homozygotes &gt;= X)</a:t>
             </a:r>
           </a:p>
         </p:txBody>
@@ -8897,7 +8237,7 @@
           <p:nvPr>
             <p:extLst>
               <p:ext uri="{D42A27DB-BD31-4B8C-83A1-F6EECF244321}">
-                <p14:modId xmlns:p14="http://schemas.microsoft.com/office/powerpoint/2010/main" val="4058928960"/>
+                <p14:modId xmlns:p14="http://schemas.microsoft.com/office/powerpoint/2010/main" val="1031604123"/>
               </p:ext>
             </p:extLst>
           </p:nvPr>
@@ -9116,7 +8456,47 @@
                           <a:effectLst/>
                           <a:latin typeface="Calibri" panose="020F0502020204030204" pitchFamily="34" charset="0"/>
                         </a:rPr>
-                        <a:t>110</a:t>
+                        <a:t>95 (110)</a:t>
+                      </a:r>
+                    </a:p>
+                  </a:txBody>
+                  <a:tcPr marL="7620" marR="7620" marT="7620" marB="0" anchor="b"/>
+                </a:tc>
+                <a:tc>
+                  <a:txBody>
+                    <a:bodyPr/>
+                    <a:lstStyle/>
+                    <a:p>
+                      <a:pPr algn="r" fontAlgn="b"/>
+                      <a:r>
+                        <a:rPr lang="en-US" sz="1600" b="0" i="0" u="none" strike="noStrike">
+                          <a:solidFill>
+                            <a:srgbClr val="000000"/>
+                          </a:solidFill>
+                          <a:effectLst/>
+                          <a:latin typeface="Calibri" panose="020F0502020204030204" pitchFamily="34" charset="0"/>
+                        </a:rPr>
+                        <a:t>0.010526</a:t>
+                      </a:r>
+                    </a:p>
+                  </a:txBody>
+                  <a:tcPr marL="7620" marR="7620" marT="7620" marB="0" anchor="b"/>
+                </a:tc>
+                <a:tc>
+                  <a:txBody>
+                    <a:bodyPr/>
+                    <a:lstStyle/>
+                    <a:p>
+                      <a:pPr algn="r" fontAlgn="b"/>
+                      <a:r>
+                        <a:rPr lang="en-US" sz="1600" b="0" i="0" u="none" strike="noStrike">
+                          <a:solidFill>
+                            <a:srgbClr val="000000"/>
+                          </a:solidFill>
+                          <a:effectLst/>
+                          <a:latin typeface="Calibri" panose="020F0502020204030204" pitchFamily="34" charset="0"/>
+                        </a:rPr>
+                        <a:t>0.136842</a:t>
                       </a:r>
                     </a:p>
                   </a:txBody>
@@ -9136,7 +8516,27 @@
                           <a:effectLst/>
                           <a:latin typeface="Calibri" panose="020F0502020204030204" pitchFamily="34" charset="0"/>
                         </a:rPr>
-                        <a:t>0.009091</a:t>
+                        <a:t>0.010526</a:t>
+                      </a:r>
+                    </a:p>
+                  </a:txBody>
+                  <a:tcPr marL="7620" marR="7620" marT="7620" marB="0" anchor="b"/>
+                </a:tc>
+                <a:tc>
+                  <a:txBody>
+                    <a:bodyPr/>
+                    <a:lstStyle/>
+                    <a:p>
+                      <a:pPr algn="r" fontAlgn="b"/>
+                      <a:r>
+                        <a:rPr lang="en-US" sz="1600" b="0" i="0" u="none" strike="noStrike" dirty="0">
+                          <a:solidFill>
+                            <a:srgbClr val="000000"/>
+                          </a:solidFill>
+                          <a:effectLst/>
+                          <a:latin typeface="Calibri" panose="020F0502020204030204" pitchFamily="34" charset="0"/>
+                        </a:rPr>
+                        <a:t>0.2</a:t>
                       </a:r>
                     </a:p>
                   </a:txBody>
@@ -9156,66 +8556,6 @@
                           <a:effectLst/>
                           <a:latin typeface="Calibri" panose="020F0502020204030204" pitchFamily="34" charset="0"/>
                         </a:rPr>
-                        <a:t>0.163636</a:t>
-                      </a:r>
-                    </a:p>
-                  </a:txBody>
-                  <a:tcPr marL="7620" marR="7620" marT="7620" marB="0" anchor="b"/>
-                </a:tc>
-                <a:tc>
-                  <a:txBody>
-                    <a:bodyPr/>
-                    <a:lstStyle/>
-                    <a:p>
-                      <a:pPr algn="r" fontAlgn="b"/>
-                      <a:r>
-                        <a:rPr lang="en-US" sz="1600" b="0" i="0" u="none" strike="noStrike">
-                          <a:solidFill>
-                            <a:srgbClr val="000000"/>
-                          </a:solidFill>
-                          <a:effectLst/>
-                          <a:latin typeface="Calibri" panose="020F0502020204030204" pitchFamily="34" charset="0"/>
-                        </a:rPr>
-                        <a:t>0.018182</a:t>
-                      </a:r>
-                    </a:p>
-                  </a:txBody>
-                  <a:tcPr marL="7620" marR="7620" marT="7620" marB="0" anchor="b"/>
-                </a:tc>
-                <a:tc>
-                  <a:txBody>
-                    <a:bodyPr/>
-                    <a:lstStyle/>
-                    <a:p>
-                      <a:pPr algn="r" fontAlgn="b"/>
-                      <a:r>
-                        <a:rPr lang="en-US" sz="1600" b="0" i="0" u="none" strike="noStrike">
-                          <a:solidFill>
-                            <a:srgbClr val="000000"/>
-                          </a:solidFill>
-                          <a:effectLst/>
-                          <a:latin typeface="Calibri" panose="020F0502020204030204" pitchFamily="34" charset="0"/>
-                        </a:rPr>
-                        <a:t>0.363636</a:t>
-                      </a:r>
-                    </a:p>
-                  </a:txBody>
-                  <a:tcPr marL="7620" marR="7620" marT="7620" marB="0" anchor="b"/>
-                </a:tc>
-                <a:tc>
-                  <a:txBody>
-                    <a:bodyPr/>
-                    <a:lstStyle/>
-                    <a:p>
-                      <a:pPr algn="r" fontAlgn="b"/>
-                      <a:r>
-                        <a:rPr lang="en-US" sz="1600" b="0" i="0" u="none" strike="noStrike">
-                          <a:solidFill>
-                            <a:srgbClr val="000000"/>
-                          </a:solidFill>
-                          <a:effectLst/>
-                          <a:latin typeface="Calibri" panose="020F0502020204030204" pitchFamily="34" charset="0"/>
-                        </a:rPr>
                         <a:t>0.035186</a:t>
                       </a:r>
                     </a:p>
@@ -9236,7 +8576,7 @@
                           <a:effectLst/>
                           <a:latin typeface="Calibri" panose="020F0502020204030204" pitchFamily="34" charset="0"/>
                         </a:rPr>
-                        <a:t>0.030483</a:t>
+                        <a:t>0.04644</a:t>
                       </a:r>
                     </a:p>
                   </a:txBody>
@@ -9283,7 +8623,27 @@
                           <a:effectLst/>
                           <a:latin typeface="Calibri" panose="020F0502020204030204" pitchFamily="34" charset="0"/>
                         </a:rPr>
-                        <a:t>175</a:t>
+                        <a:t>159 (175)</a:t>
+                      </a:r>
+                    </a:p>
+                  </a:txBody>
+                  <a:tcPr marL="7620" marR="7620" marT="7620" marB="0" anchor="b"/>
+                </a:tc>
+                <a:tc>
+                  <a:txBody>
+                    <a:bodyPr/>
+                    <a:lstStyle/>
+                    <a:p>
+                      <a:pPr algn="r" fontAlgn="b"/>
+                      <a:r>
+                        <a:rPr lang="en-US" sz="1600" b="0" i="0" u="none" strike="noStrike" dirty="0">
+                          <a:solidFill>
+                            <a:srgbClr val="000000"/>
+                          </a:solidFill>
+                          <a:effectLst/>
+                          <a:latin typeface="Calibri" panose="020F0502020204030204" pitchFamily="34" charset="0"/>
+                        </a:rPr>
+                        <a:t>0.037736</a:t>
                       </a:r>
                     </a:p>
                   </a:txBody>
@@ -9303,7 +8663,47 @@
                           <a:effectLst/>
                           <a:latin typeface="Calibri" panose="020F0502020204030204" pitchFamily="34" charset="0"/>
                         </a:rPr>
-                        <a:t>0.034286</a:t>
+                        <a:t>0.150943</a:t>
+                      </a:r>
+                    </a:p>
+                  </a:txBody>
+                  <a:tcPr marL="7620" marR="7620" marT="7620" marB="0" anchor="b"/>
+                </a:tc>
+                <a:tc>
+                  <a:txBody>
+                    <a:bodyPr/>
+                    <a:lstStyle/>
+                    <a:p>
+                      <a:pPr algn="r" fontAlgn="b"/>
+                      <a:r>
+                        <a:rPr lang="en-US" sz="1600" b="0" i="0" u="none" strike="noStrike" dirty="0">
+                          <a:solidFill>
+                            <a:srgbClr val="000000"/>
+                          </a:solidFill>
+                          <a:effectLst/>
+                          <a:latin typeface="Calibri" panose="020F0502020204030204" pitchFamily="34" charset="0"/>
+                        </a:rPr>
+                        <a:t>0.031447</a:t>
+                      </a:r>
+                    </a:p>
+                  </a:txBody>
+                  <a:tcPr marL="7620" marR="7620" marT="7620" marB="0" anchor="b"/>
+                </a:tc>
+                <a:tc>
+                  <a:txBody>
+                    <a:bodyPr/>
+                    <a:lstStyle/>
+                    <a:p>
+                      <a:pPr algn="r" fontAlgn="b"/>
+                      <a:r>
+                        <a:rPr lang="en-US" sz="1600" b="0" i="0" u="none" strike="noStrike" dirty="0">
+                          <a:solidFill>
+                            <a:srgbClr val="000000"/>
+                          </a:solidFill>
+                          <a:effectLst/>
+                          <a:latin typeface="Calibri" panose="020F0502020204030204" pitchFamily="34" charset="0"/>
+                        </a:rPr>
+                        <a:t>0.157233</a:t>
                       </a:r>
                     </a:p>
                   </a:txBody>
@@ -9323,66 +8723,6 @@
                           <a:effectLst/>
                           <a:latin typeface="Calibri" panose="020F0502020204030204" pitchFamily="34" charset="0"/>
                         </a:rPr>
-                        <a:t>0.165714</a:t>
-                      </a:r>
-                    </a:p>
-                  </a:txBody>
-                  <a:tcPr marL="7620" marR="7620" marT="7620" marB="0" anchor="b"/>
-                </a:tc>
-                <a:tc>
-                  <a:txBody>
-                    <a:bodyPr/>
-                    <a:lstStyle/>
-                    <a:p>
-                      <a:pPr algn="r" fontAlgn="b"/>
-                      <a:r>
-                        <a:rPr lang="en-US" sz="1600" b="0" i="0" u="none" strike="noStrike">
-                          <a:solidFill>
-                            <a:srgbClr val="000000"/>
-                          </a:solidFill>
-                          <a:effectLst/>
-                          <a:latin typeface="Calibri" panose="020F0502020204030204" pitchFamily="34" charset="0"/>
-                        </a:rPr>
-                        <a:t>0.04</a:t>
-                      </a:r>
-                    </a:p>
-                  </a:txBody>
-                  <a:tcPr marL="7620" marR="7620" marT="7620" marB="0" anchor="b"/>
-                </a:tc>
-                <a:tc>
-                  <a:txBody>
-                    <a:bodyPr/>
-                    <a:lstStyle/>
-                    <a:p>
-                      <a:pPr algn="r" fontAlgn="b"/>
-                      <a:r>
-                        <a:rPr lang="en-US" sz="1600" b="0" i="0" u="none" strike="noStrike">
-                          <a:solidFill>
-                            <a:srgbClr val="000000"/>
-                          </a:solidFill>
-                          <a:effectLst/>
-                          <a:latin typeface="Calibri" panose="020F0502020204030204" pitchFamily="34" charset="0"/>
-                        </a:rPr>
-                        <a:t>0.565714</a:t>
-                      </a:r>
-                    </a:p>
-                  </a:txBody>
-                  <a:tcPr marL="7620" marR="7620" marT="7620" marB="0" anchor="b"/>
-                </a:tc>
-                <a:tc>
-                  <a:txBody>
-                    <a:bodyPr/>
-                    <a:lstStyle/>
-                    <a:p>
-                      <a:pPr algn="r" fontAlgn="b"/>
-                      <a:r>
-                        <a:rPr lang="en-US" sz="1600" b="0" i="0" u="none" strike="noStrike">
-                          <a:solidFill>
-                            <a:srgbClr val="000000"/>
-                          </a:solidFill>
-                          <a:effectLst/>
-                          <a:latin typeface="Calibri" panose="020F0502020204030204" pitchFamily="34" charset="0"/>
-                        </a:rPr>
                         <a:t>2.10E-05</a:t>
                       </a:r>
                     </a:p>
@@ -9403,7 +8743,7 @@
                           <a:effectLst/>
                           <a:latin typeface="Calibri" panose="020F0502020204030204" pitchFamily="34" charset="0"/>
                         </a:rPr>
-                        <a:t>0.00421</a:t>
+                        <a:t>0.010704</a:t>
                       </a:r>
                     </a:p>
                   </a:txBody>
@@ -9450,7 +8790,7 @@
                           <a:effectLst/>
                           <a:latin typeface="Calibri" panose="020F0502020204030204" pitchFamily="34" charset="0"/>
                         </a:rPr>
-                        <a:t>213</a:t>
+                        <a:t>196 (213)</a:t>
                       </a:r>
                     </a:p>
                   </a:txBody>
@@ -9470,7 +8810,7 @@
                           <a:effectLst/>
                           <a:latin typeface="Calibri" panose="020F0502020204030204" pitchFamily="34" charset="0"/>
                         </a:rPr>
-                        <a:t>0.014085</a:t>
+                        <a:t>0.015306</a:t>
                       </a:r>
                     </a:p>
                   </a:txBody>
@@ -9490,7 +8830,47 @@
                           <a:effectLst/>
                           <a:latin typeface="Calibri" panose="020F0502020204030204" pitchFamily="34" charset="0"/>
                         </a:rPr>
-                        <a:t>0.117371</a:t>
+                        <a:t>0.112245</a:t>
+                      </a:r>
+                    </a:p>
+                  </a:txBody>
+                  <a:tcPr marL="7620" marR="7620" marT="7620" marB="0" anchor="b"/>
+                </a:tc>
+                <a:tc>
+                  <a:txBody>
+                    <a:bodyPr/>
+                    <a:lstStyle/>
+                    <a:p>
+                      <a:pPr algn="r" fontAlgn="b"/>
+                      <a:r>
+                        <a:rPr lang="en-US" sz="1600" b="0" i="0" u="none" strike="noStrike" dirty="0">
+                          <a:solidFill>
+                            <a:srgbClr val="000000"/>
+                          </a:solidFill>
+                          <a:effectLst/>
+                          <a:latin typeface="Calibri" panose="020F0502020204030204" pitchFamily="34" charset="0"/>
+                        </a:rPr>
+                        <a:t>0.030612</a:t>
+                      </a:r>
+                    </a:p>
+                  </a:txBody>
+                  <a:tcPr marL="7620" marR="7620" marT="7620" marB="0" anchor="b"/>
+                </a:tc>
+                <a:tc>
+                  <a:txBody>
+                    <a:bodyPr/>
+                    <a:lstStyle/>
+                    <a:p>
+                      <a:pPr algn="r" fontAlgn="b"/>
+                      <a:r>
+                        <a:rPr lang="en-US" sz="1600" b="0" i="0" u="none" strike="noStrike" dirty="0">
+                          <a:solidFill>
+                            <a:srgbClr val="000000"/>
+                          </a:solidFill>
+                          <a:effectLst/>
+                          <a:latin typeface="Calibri" panose="020F0502020204030204" pitchFamily="34" charset="0"/>
+                        </a:rPr>
+                        <a:t>0.163265</a:t>
                       </a:r>
                     </a:p>
                   </a:txBody>
@@ -9510,46 +8890,6 @@
                           <a:effectLst/>
                           <a:latin typeface="Calibri" panose="020F0502020204030204" pitchFamily="34" charset="0"/>
                         </a:rPr>
-                        <a:t>0.075117</a:t>
-                      </a:r>
-                    </a:p>
-                  </a:txBody>
-                  <a:tcPr marL="7620" marR="7620" marT="7620" marB="0" anchor="b"/>
-                </a:tc>
-                <a:tc>
-                  <a:txBody>
-                    <a:bodyPr/>
-                    <a:lstStyle/>
-                    <a:p>
-                      <a:pPr algn="r" fontAlgn="b"/>
-                      <a:r>
-                        <a:rPr lang="en-US" sz="1600" b="0" i="0" u="none" strike="noStrike">
-                          <a:solidFill>
-                            <a:srgbClr val="000000"/>
-                          </a:solidFill>
-                          <a:effectLst/>
-                          <a:latin typeface="Calibri" panose="020F0502020204030204" pitchFamily="34" charset="0"/>
-                        </a:rPr>
-                        <a:t>0.511737</a:t>
-                      </a:r>
-                    </a:p>
-                  </a:txBody>
-                  <a:tcPr marL="7620" marR="7620" marT="7620" marB="0" anchor="b"/>
-                </a:tc>
-                <a:tc>
-                  <a:txBody>
-                    <a:bodyPr/>
-                    <a:lstStyle/>
-                    <a:p>
-                      <a:pPr algn="r" fontAlgn="b"/>
-                      <a:r>
-                        <a:rPr lang="en-US" sz="1600" b="0" i="0" u="none" strike="noStrike">
-                          <a:solidFill>
-                            <a:srgbClr val="000000"/>
-                          </a:solidFill>
-                          <a:effectLst/>
-                          <a:latin typeface="Calibri" panose="020F0502020204030204" pitchFamily="34" charset="0"/>
-                        </a:rPr>
                         <a:t>6.17E-06</a:t>
                       </a:r>
                     </a:p>
@@ -9570,7 +8910,7 @@
                           <a:effectLst/>
                           <a:latin typeface="Calibri" panose="020F0502020204030204" pitchFamily="34" charset="0"/>
                         </a:rPr>
-                        <a:t>0.005192</a:t>
+                        <a:t>0.005247</a:t>
                       </a:r>
                     </a:p>
                   </a:txBody>
@@ -9590,6 +8930,46 @@
                     <a:p>
                       <a:pPr algn="r" fontAlgn="b"/>
                       <a:r>
+                        <a:rPr lang="en-US" sz="1600" b="0" i="0" u="none" strike="noStrike" dirty="0">
+                          <a:solidFill>
+                            <a:srgbClr val="000000"/>
+                          </a:solidFill>
+                          <a:effectLst/>
+                          <a:latin typeface="Calibri" panose="020F0502020204030204" pitchFamily="34" charset="0"/>
+                        </a:rPr>
+                        <a:t>500</a:t>
+                      </a:r>
+                    </a:p>
+                  </a:txBody>
+                  <a:tcPr marL="7620" marR="7620" marT="7620" marB="0" anchor="b"/>
+                </a:tc>
+                <a:tc>
+                  <a:txBody>
+                    <a:bodyPr/>
+                    <a:lstStyle/>
+                    <a:p>
+                      <a:pPr algn="r" fontAlgn="b"/>
+                      <a:r>
+                        <a:rPr lang="en-US" sz="1600" b="0" i="0" u="none" strike="noStrike" dirty="0">
+                          <a:solidFill>
+                            <a:srgbClr val="000000"/>
+                          </a:solidFill>
+                          <a:effectLst/>
+                          <a:latin typeface="Calibri" panose="020F0502020204030204" pitchFamily="34" charset="0"/>
+                        </a:rPr>
+                        <a:t>258 (276)</a:t>
+                      </a:r>
+                    </a:p>
+                  </a:txBody>
+                  <a:tcPr marL="7620" marR="7620" marT="7620" marB="0" anchor="b"/>
+                </a:tc>
+                <a:tc>
+                  <a:txBody>
+                    <a:bodyPr/>
+                    <a:lstStyle/>
+                    <a:p>
+                      <a:pPr algn="r" fontAlgn="b"/>
+                      <a:r>
                         <a:rPr lang="en-US" sz="1600" b="0" i="0" u="none" strike="noStrike">
                           <a:solidFill>
                             <a:srgbClr val="000000"/>
@@ -9597,7 +8977,27 @@
                           <a:effectLst/>
                           <a:latin typeface="Calibri" panose="020F0502020204030204" pitchFamily="34" charset="0"/>
                         </a:rPr>
-                        <a:t>500</a:t>
+                        <a:t>0.031008</a:t>
+                      </a:r>
+                    </a:p>
+                  </a:txBody>
+                  <a:tcPr marL="7620" marR="7620" marT="7620" marB="0" anchor="b"/>
+                </a:tc>
+                <a:tc>
+                  <a:txBody>
+                    <a:bodyPr/>
+                    <a:lstStyle/>
+                    <a:p>
+                      <a:pPr algn="r" fontAlgn="b"/>
+                      <a:r>
+                        <a:rPr lang="en-US" sz="1600" b="0" i="0" u="none" strike="noStrike">
+                          <a:solidFill>
+                            <a:srgbClr val="000000"/>
+                          </a:solidFill>
+                          <a:effectLst/>
+                          <a:latin typeface="Calibri" panose="020F0502020204030204" pitchFamily="34" charset="0"/>
+                        </a:rPr>
+                        <a:t>0.158915</a:t>
                       </a:r>
                     </a:p>
                   </a:txBody>
@@ -9617,7 +9017,27 @@
                           <a:effectLst/>
                           <a:latin typeface="Calibri" panose="020F0502020204030204" pitchFamily="34" charset="0"/>
                         </a:rPr>
-                        <a:t>276</a:t>
+                        <a:t>0.027132</a:t>
+                      </a:r>
+                    </a:p>
+                  </a:txBody>
+                  <a:tcPr marL="7620" marR="7620" marT="7620" marB="0" anchor="b"/>
+                </a:tc>
+                <a:tc>
+                  <a:txBody>
+                    <a:bodyPr/>
+                    <a:lstStyle/>
+                    <a:p>
+                      <a:pPr algn="r" fontAlgn="b"/>
+                      <a:r>
+                        <a:rPr lang="en-US" sz="1600" b="0" i="0" u="none" strike="noStrike" dirty="0">
+                          <a:solidFill>
+                            <a:srgbClr val="000000"/>
+                          </a:solidFill>
+                          <a:effectLst/>
+                          <a:latin typeface="Calibri" panose="020F0502020204030204" pitchFamily="34" charset="0"/>
+                        </a:rPr>
+                        <a:t>0.193798</a:t>
                       </a:r>
                     </a:p>
                   </a:txBody>
@@ -9637,86 +9057,6 @@
                           <a:effectLst/>
                           <a:latin typeface="Calibri" panose="020F0502020204030204" pitchFamily="34" charset="0"/>
                         </a:rPr>
-                        <a:t>0.032609</a:t>
-                      </a:r>
-                    </a:p>
-                  </a:txBody>
-                  <a:tcPr marL="7620" marR="7620" marT="7620" marB="0" anchor="b"/>
-                </a:tc>
-                <a:tc>
-                  <a:txBody>
-                    <a:bodyPr/>
-                    <a:lstStyle/>
-                    <a:p>
-                      <a:pPr algn="r" fontAlgn="b"/>
-                      <a:r>
-                        <a:rPr lang="en-US" sz="1600" b="0" i="0" u="none" strike="noStrike">
-                          <a:solidFill>
-                            <a:srgbClr val="000000"/>
-                          </a:solidFill>
-                          <a:effectLst/>
-                          <a:latin typeface="Calibri" panose="020F0502020204030204" pitchFamily="34" charset="0"/>
-                        </a:rPr>
-                        <a:t>0.177536</a:t>
-                      </a:r>
-                    </a:p>
-                  </a:txBody>
-                  <a:tcPr marL="7620" marR="7620" marT="7620" marB="0" anchor="b"/>
-                </a:tc>
-                <a:tc>
-                  <a:txBody>
-                    <a:bodyPr/>
-                    <a:lstStyle/>
-                    <a:p>
-                      <a:pPr algn="r" fontAlgn="b"/>
-                      <a:r>
-                        <a:rPr lang="en-US" sz="1600" b="0" i="0" u="none" strike="noStrike">
-                          <a:solidFill>
-                            <a:srgbClr val="000000"/>
-                          </a:solidFill>
-                          <a:effectLst/>
-                          <a:latin typeface="Calibri" panose="020F0502020204030204" pitchFamily="34" charset="0"/>
-                        </a:rPr>
-                        <a:t>0.144928</a:t>
-                      </a:r>
-                    </a:p>
-                  </a:txBody>
-                  <a:tcPr marL="7620" marR="7620" marT="7620" marB="0" anchor="b"/>
-                </a:tc>
-                <a:tc>
-                  <a:txBody>
-                    <a:bodyPr/>
-                    <a:lstStyle/>
-                    <a:p>
-                      <a:pPr algn="r" fontAlgn="b"/>
-                      <a:r>
-                        <a:rPr lang="en-US" sz="1600" b="0" i="0" u="none" strike="noStrike">
-                          <a:solidFill>
-                            <a:srgbClr val="000000"/>
-                          </a:solidFill>
-                          <a:effectLst/>
-                          <a:latin typeface="Calibri" panose="020F0502020204030204" pitchFamily="34" charset="0"/>
-                        </a:rPr>
-                        <a:t>0.518116</a:t>
-                      </a:r>
-                    </a:p>
-                  </a:txBody>
-                  <a:tcPr marL="7620" marR="7620" marT="7620" marB="0" anchor="b"/>
-                </a:tc>
-                <a:tc>
-                  <a:txBody>
-                    <a:bodyPr/>
-                    <a:lstStyle/>
-                    <a:p>
-                      <a:pPr algn="r" fontAlgn="b"/>
-                      <a:r>
-                        <a:rPr lang="en-US" sz="1600" b="0" i="0" u="none" strike="noStrike">
-                          <a:solidFill>
-                            <a:srgbClr val="000000"/>
-                          </a:solidFill>
-                          <a:effectLst/>
-                          <a:latin typeface="Calibri" panose="020F0502020204030204" pitchFamily="34" charset="0"/>
-                        </a:rPr>
                         <a:t>5.25E-06</a:t>
                       </a:r>
                     </a:p>
@@ -9737,7 +9077,7 @@
                           <a:effectLst/>
                           <a:latin typeface="Calibri" panose="020F0502020204030204" pitchFamily="34" charset="0"/>
                         </a:rPr>
-                        <a:t>5.88E-06</a:t>
+                        <a:t>0.002353</a:t>
                       </a:r>
                     </a:p>
                   </a:txBody>
@@ -9784,7 +9124,7 @@
                           <a:effectLst/>
                           <a:latin typeface="Calibri" panose="020F0502020204030204" pitchFamily="34" charset="0"/>
                         </a:rPr>
-                        <a:t>308</a:t>
+                        <a:t>291 (308)</a:t>
                       </a:r>
                     </a:p>
                   </a:txBody>
@@ -9804,7 +9144,7 @@
                           <a:effectLst/>
                           <a:latin typeface="Calibri" panose="020F0502020204030204" pitchFamily="34" charset="0"/>
                         </a:rPr>
-                        <a:t>0.038961</a:t>
+                        <a:t>0.034364</a:t>
                       </a:r>
                     </a:p>
                   </a:txBody>
@@ -9824,7 +9164,47 @@
                           <a:effectLst/>
                           <a:latin typeface="Calibri" panose="020F0502020204030204" pitchFamily="34" charset="0"/>
                         </a:rPr>
-                        <a:t>0.224026</a:t>
+                        <a:t>0.216495</a:t>
+                      </a:r>
+                    </a:p>
+                  </a:txBody>
+                  <a:tcPr marL="7620" marR="7620" marT="7620" marB="0" anchor="b"/>
+                </a:tc>
+                <a:tc>
+                  <a:txBody>
+                    <a:bodyPr/>
+                    <a:lstStyle/>
+                    <a:p>
+                      <a:pPr algn="r" fontAlgn="b"/>
+                      <a:r>
+                        <a:rPr lang="en-US" sz="1600" b="0" i="0" u="none" strike="noStrike" dirty="0">
+                          <a:solidFill>
+                            <a:srgbClr val="000000"/>
+                          </a:solidFill>
+                          <a:effectLst/>
+                          <a:latin typeface="Calibri" panose="020F0502020204030204" pitchFamily="34" charset="0"/>
+                        </a:rPr>
+                        <a:t>0.04811</a:t>
+                      </a:r>
+                    </a:p>
+                  </a:txBody>
+                  <a:tcPr marL="7620" marR="7620" marT="7620" marB="0" anchor="b"/>
+                </a:tc>
+                <a:tc>
+                  <a:txBody>
+                    <a:bodyPr/>
+                    <a:lstStyle/>
+                    <a:p>
+                      <a:pPr algn="r" fontAlgn="b"/>
+                      <a:r>
+                        <a:rPr lang="en-US" sz="1600" b="0" i="0" u="none" strike="noStrike" dirty="0">
+                          <a:solidFill>
+                            <a:srgbClr val="000000"/>
+                          </a:solidFill>
+                          <a:effectLst/>
+                          <a:latin typeface="Calibri" panose="020F0502020204030204" pitchFamily="34" charset="0"/>
+                        </a:rPr>
+                        <a:t>0.182131</a:t>
                       </a:r>
                     </a:p>
                   </a:txBody>
@@ -9844,47 +9224,7 @@
                           <a:effectLst/>
                           <a:latin typeface="Calibri" panose="020F0502020204030204" pitchFamily="34" charset="0"/>
                         </a:rPr>
-                        <a:t>0.194805</a:t>
-                      </a:r>
-                    </a:p>
-                  </a:txBody>
-                  <a:tcPr marL="7620" marR="7620" marT="7620" marB="0" anchor="b"/>
-                </a:tc>
-                <a:tc>
-                  <a:txBody>
-                    <a:bodyPr/>
-                    <a:lstStyle/>
-                    <a:p>
-                      <a:pPr algn="r" fontAlgn="b"/>
-                      <a:r>
-                        <a:rPr lang="en-US" sz="1600" b="0" i="0" u="none" strike="noStrike">
-                          <a:solidFill>
-                            <a:srgbClr val="000000"/>
-                          </a:solidFill>
-                          <a:effectLst/>
-                          <a:latin typeface="Calibri" panose="020F0502020204030204" pitchFamily="34" charset="0"/>
-                        </a:rPr>
-                        <a:t>0.512987</a:t>
-                      </a:r>
-                    </a:p>
-                  </a:txBody>
-                  <a:tcPr marL="7620" marR="7620" marT="7620" marB="0" anchor="b"/>
-                </a:tc>
-                <a:tc>
-                  <a:txBody>
-                    <a:bodyPr/>
-                    <a:lstStyle/>
-                    <a:p>
-                      <a:pPr algn="r" fontAlgn="b"/>
-                      <a:r>
-                        <a:rPr lang="en-US" sz="1600" b="0" i="0" u="none" strike="noStrike">
-                          <a:solidFill>
-                            <a:srgbClr val="000000"/>
-                          </a:solidFill>
-                          <a:effectLst/>
-                          <a:latin typeface="Calibri" panose="020F0502020204030204" pitchFamily="34" charset="0"/>
-                        </a:rPr>
-                        <a:t>1.66E-05</a:t>
+                        <a:t>1.67E-05</a:t>
                       </a:r>
                     </a:p>
                   </a:txBody>
@@ -9904,7 +9244,7 @@
                           <a:effectLst/>
                           <a:latin typeface="Calibri" panose="020F0502020204030204" pitchFamily="34" charset="0"/>
                         </a:rPr>
-                        <a:t>8.44E-07</a:t>
+                        <a:t>0.000938</a:t>
                       </a:r>
                     </a:p>
                   </a:txBody>
@@ -9935,7 +9275,7 @@
           <p:nvPr>
             <p:extLst>
               <p:ext uri="{D42A27DB-BD31-4B8C-83A1-F6EECF244321}">
-                <p14:modId xmlns:p14="http://schemas.microsoft.com/office/powerpoint/2010/main" val="4127680158"/>
+                <p14:modId xmlns:p14="http://schemas.microsoft.com/office/powerpoint/2010/main" val="1692775550"/>
               </p:ext>
             </p:extLst>
           </p:nvPr>
@@ -10154,7 +9494,7 @@
                           <a:effectLst/>
                           <a:latin typeface="Calibri" panose="020F0502020204030204" pitchFamily="34" charset="0"/>
                         </a:rPr>
-                        <a:t>88</a:t>
+                        <a:t>76 (88)</a:t>
                       </a:r>
                     </a:p>
                   </a:txBody>
@@ -10174,7 +9514,7 @@
                           <a:effectLst/>
                           <a:latin typeface="Calibri" panose="020F0502020204030204" pitchFamily="34" charset="0"/>
                         </a:rPr>
-                        <a:t>0.011364</a:t>
+                        <a:t>0.013158</a:t>
                       </a:r>
                     </a:p>
                   </a:txBody>
@@ -10194,7 +9534,7 @@
                           <a:effectLst/>
                           <a:latin typeface="Calibri" panose="020F0502020204030204" pitchFamily="34" charset="0"/>
                         </a:rPr>
-                        <a:t>0.068182</a:t>
+                        <a:t>0.078947</a:t>
                       </a:r>
                     </a:p>
                   </a:txBody>
@@ -10214,7 +9554,27 @@
                           <a:effectLst/>
                           <a:latin typeface="Calibri" panose="020F0502020204030204" pitchFamily="34" charset="0"/>
                         </a:rPr>
-                        <a:t>0.011364</a:t>
+                        <a:t>0</a:t>
+                      </a:r>
+                    </a:p>
+                  </a:txBody>
+                  <a:tcPr marL="7620" marR="7620" marT="7620" marB="0" anchor="b"/>
+                </a:tc>
+                <a:tc>
+                  <a:txBody>
+                    <a:bodyPr/>
+                    <a:lstStyle/>
+                    <a:p>
+                      <a:pPr algn="r" fontAlgn="b"/>
+                      <a:r>
+                        <a:rPr lang="en-US" sz="1600" b="0" i="0" u="none" strike="noStrike" dirty="0">
+                          <a:solidFill>
+                            <a:srgbClr val="000000"/>
+                          </a:solidFill>
+                          <a:effectLst/>
+                          <a:latin typeface="Calibri" panose="020F0502020204030204" pitchFamily="34" charset="0"/>
+                        </a:rPr>
+                        <a:t>0.092105</a:t>
                       </a:r>
                     </a:p>
                   </a:txBody>
@@ -10234,26 +9594,6 @@
                           <a:effectLst/>
                           <a:latin typeface="Calibri" panose="020F0502020204030204" pitchFamily="34" charset="0"/>
                         </a:rPr>
-                        <a:t>0.193182</a:t>
-                      </a:r>
-                    </a:p>
-                  </a:txBody>
-                  <a:tcPr marL="7620" marR="7620" marT="7620" marB="0" anchor="b"/>
-                </a:tc>
-                <a:tc>
-                  <a:txBody>
-                    <a:bodyPr/>
-                    <a:lstStyle/>
-                    <a:p>
-                      <a:pPr algn="r" fontAlgn="b"/>
-                      <a:r>
-                        <a:rPr lang="en-US" sz="1600" b="0" i="0" u="none" strike="noStrike">
-                          <a:solidFill>
-                            <a:srgbClr val="000000"/>
-                          </a:solidFill>
-                          <a:effectLst/>
-                          <a:latin typeface="Calibri" panose="020F0502020204030204" pitchFamily="34" charset="0"/>
-                        </a:rPr>
                         <a:t>0.035186</a:t>
                       </a:r>
                     </a:p>
@@ -10274,7 +9614,7 @@
                           <a:effectLst/>
                           <a:latin typeface="Calibri" panose="020F0502020204030204" pitchFamily="34" charset="0"/>
                         </a:rPr>
-                        <a:t>0.030483</a:t>
+                        <a:t>0.157895</a:t>
                       </a:r>
                     </a:p>
                   </a:txBody>
@@ -10321,7 +9661,27 @@
                           <a:effectLst/>
                           <a:latin typeface="Calibri" panose="020F0502020204030204" pitchFamily="34" charset="0"/>
                         </a:rPr>
-                        <a:t>151</a:t>
+                        <a:t>140 (151)</a:t>
+                      </a:r>
+                    </a:p>
+                  </a:txBody>
+                  <a:tcPr marL="7620" marR="7620" marT="7620" marB="0" anchor="b"/>
+                </a:tc>
+                <a:tc>
+                  <a:txBody>
+                    <a:bodyPr/>
+                    <a:lstStyle/>
+                    <a:p>
+                      <a:pPr algn="r" fontAlgn="b"/>
+                      <a:r>
+                        <a:rPr lang="en-US" sz="1600" b="0" i="0" u="none" strike="noStrike" dirty="0">
+                          <a:solidFill>
+                            <a:srgbClr val="000000"/>
+                          </a:solidFill>
+                          <a:effectLst/>
+                          <a:latin typeface="Calibri" panose="020F0502020204030204" pitchFamily="34" charset="0"/>
+                        </a:rPr>
+                        <a:t>0.05</a:t>
                       </a:r>
                     </a:p>
                   </a:txBody>
@@ -10341,7 +9701,7 @@
                           <a:effectLst/>
                           <a:latin typeface="Calibri" panose="020F0502020204030204" pitchFamily="34" charset="0"/>
                         </a:rPr>
-                        <a:t>0.046358</a:t>
+                        <a:t>0.171429</a:t>
                       </a:r>
                     </a:p>
                   </a:txBody>
@@ -10361,7 +9721,27 @@
                           <a:effectLst/>
                           <a:latin typeface="Calibri" panose="020F0502020204030204" pitchFamily="34" charset="0"/>
                         </a:rPr>
-                        <a:t>0.15894</a:t>
+                        <a:t>0.028571</a:t>
+                      </a:r>
+                    </a:p>
+                  </a:txBody>
+                  <a:tcPr marL="7620" marR="7620" marT="7620" marB="0" anchor="b"/>
+                </a:tc>
+                <a:tc>
+                  <a:txBody>
+                    <a:bodyPr/>
+                    <a:lstStyle/>
+                    <a:p>
+                      <a:pPr algn="r" fontAlgn="b"/>
+                      <a:r>
+                        <a:rPr lang="en-US" sz="1600" b="0" i="0" u="none" strike="noStrike" dirty="0">
+                          <a:solidFill>
+                            <a:srgbClr val="000000"/>
+                          </a:solidFill>
+                          <a:effectLst/>
+                          <a:latin typeface="Calibri" panose="020F0502020204030204" pitchFamily="34" charset="0"/>
+                        </a:rPr>
+                        <a:t>0.242857</a:t>
                       </a:r>
                     </a:p>
                   </a:txBody>
@@ -10381,46 +9761,6 @@
                           <a:effectLst/>
                           <a:latin typeface="Calibri" panose="020F0502020204030204" pitchFamily="34" charset="0"/>
                         </a:rPr>
-                        <a:t>0.02649</a:t>
-                      </a:r>
-                    </a:p>
-                  </a:txBody>
-                  <a:tcPr marL="7620" marR="7620" marT="7620" marB="0" anchor="b"/>
-                </a:tc>
-                <a:tc>
-                  <a:txBody>
-                    <a:bodyPr/>
-                    <a:lstStyle/>
-                    <a:p>
-                      <a:pPr algn="r" fontAlgn="b"/>
-                      <a:r>
-                        <a:rPr lang="en-US" sz="1600" b="0" i="0" u="none" strike="noStrike">
-                          <a:solidFill>
-                            <a:srgbClr val="000000"/>
-                          </a:solidFill>
-                          <a:effectLst/>
-                          <a:latin typeface="Calibri" panose="020F0502020204030204" pitchFamily="34" charset="0"/>
-                        </a:rPr>
-                        <a:t>0.523179</a:t>
-                      </a:r>
-                    </a:p>
-                  </a:txBody>
-                  <a:tcPr marL="7620" marR="7620" marT="7620" marB="0" anchor="b"/>
-                </a:tc>
-                <a:tc>
-                  <a:txBody>
-                    <a:bodyPr/>
-                    <a:lstStyle/>
-                    <a:p>
-                      <a:pPr algn="r" fontAlgn="b"/>
-                      <a:r>
-                        <a:rPr lang="en-US" sz="1600" b="0" i="0" u="none" strike="noStrike">
-                          <a:solidFill>
-                            <a:srgbClr val="000000"/>
-                          </a:solidFill>
-                          <a:effectLst/>
-                          <a:latin typeface="Calibri" panose="020F0502020204030204" pitchFamily="34" charset="0"/>
-                        </a:rPr>
                         <a:t>2.10E-05</a:t>
                       </a:r>
                     </a:p>
@@ -10441,7 +9781,7 @@
                           <a:effectLst/>
                           <a:latin typeface="Calibri" panose="020F0502020204030204" pitchFamily="34" charset="0"/>
                         </a:rPr>
-                        <a:t>0.027867</a:t>
+                        <a:t>0.030303</a:t>
                       </a:r>
                     </a:p>
                   </a:txBody>
@@ -10461,6 +9801,46 @@
                     <a:p>
                       <a:pPr algn="r" fontAlgn="b"/>
                       <a:r>
+                        <a:rPr lang="en-US" sz="1600" b="0" i="0" u="none" strike="noStrike" dirty="0">
+                          <a:solidFill>
+                            <a:srgbClr val="000000"/>
+                          </a:solidFill>
+                          <a:effectLst/>
+                          <a:latin typeface="Calibri" panose="020F0502020204030204" pitchFamily="34" charset="0"/>
+                        </a:rPr>
+                        <a:t>100</a:t>
+                      </a:r>
+                    </a:p>
+                  </a:txBody>
+                  <a:tcPr marL="7620" marR="7620" marT="7620" marB="0" anchor="b"/>
+                </a:tc>
+                <a:tc>
+                  <a:txBody>
+                    <a:bodyPr/>
+                    <a:lstStyle/>
+                    <a:p>
+                      <a:pPr algn="r" fontAlgn="b"/>
+                      <a:r>
+                        <a:rPr lang="en-US" sz="1600" b="0" i="0" u="none" strike="noStrike" dirty="0">
+                          <a:solidFill>
+                            <a:srgbClr val="000000"/>
+                          </a:solidFill>
+                          <a:effectLst/>
+                          <a:latin typeface="Calibri" panose="020F0502020204030204" pitchFamily="34" charset="0"/>
+                        </a:rPr>
+                        <a:t>177 (188)</a:t>
+                      </a:r>
+                    </a:p>
+                  </a:txBody>
+                  <a:tcPr marL="7620" marR="7620" marT="7620" marB="0" anchor="b"/>
+                </a:tc>
+                <a:tc>
+                  <a:txBody>
+                    <a:bodyPr/>
+                    <a:lstStyle/>
+                    <a:p>
+                      <a:pPr algn="r" fontAlgn="b"/>
+                      <a:r>
                         <a:rPr lang="en-US" sz="1600" b="0" i="0" u="none" strike="noStrike">
                           <a:solidFill>
                             <a:srgbClr val="000000"/>
@@ -10468,7 +9848,47 @@
                           <a:effectLst/>
                           <a:latin typeface="Calibri" panose="020F0502020204030204" pitchFamily="34" charset="0"/>
                         </a:rPr>
-                        <a:t>100</a:t>
+                        <a:t>0.016949</a:t>
+                      </a:r>
+                    </a:p>
+                  </a:txBody>
+                  <a:tcPr marL="7620" marR="7620" marT="7620" marB="0" anchor="b"/>
+                </a:tc>
+                <a:tc>
+                  <a:txBody>
+                    <a:bodyPr/>
+                    <a:lstStyle/>
+                    <a:p>
+                      <a:pPr algn="r" fontAlgn="b"/>
+                      <a:r>
+                        <a:rPr lang="en-US" sz="1600" b="0" i="0" u="none" strike="noStrike">
+                          <a:solidFill>
+                            <a:srgbClr val="000000"/>
+                          </a:solidFill>
+                          <a:effectLst/>
+                          <a:latin typeface="Calibri" panose="020F0502020204030204" pitchFamily="34" charset="0"/>
+                        </a:rPr>
+                        <a:t>0.096045</a:t>
+                      </a:r>
+                    </a:p>
+                  </a:txBody>
+                  <a:tcPr marL="7620" marR="7620" marT="7620" marB="0" anchor="b"/>
+                </a:tc>
+                <a:tc>
+                  <a:txBody>
+                    <a:bodyPr/>
+                    <a:lstStyle/>
+                    <a:p>
+                      <a:pPr algn="r" fontAlgn="b"/>
+                      <a:r>
+                        <a:rPr lang="en-US" sz="1600" b="0" i="0" u="none" strike="noStrike">
+                          <a:solidFill>
+                            <a:srgbClr val="000000"/>
+                          </a:solidFill>
+                          <a:effectLst/>
+                          <a:latin typeface="Calibri" panose="020F0502020204030204" pitchFamily="34" charset="0"/>
+                        </a:rPr>
+                        <a:t>0.028249</a:t>
                       </a:r>
                     </a:p>
                   </a:txBody>
@@ -10488,7 +9908,7 @@
                           <a:effectLst/>
                           <a:latin typeface="Calibri" panose="020F0502020204030204" pitchFamily="34" charset="0"/>
                         </a:rPr>
-                        <a:t>188</a:t>
+                        <a:t>0.186441</a:t>
                       </a:r>
                     </a:p>
                   </a:txBody>
@@ -10508,86 +9928,6 @@
                           <a:effectLst/>
                           <a:latin typeface="Calibri" panose="020F0502020204030204" pitchFamily="34" charset="0"/>
                         </a:rPr>
-                        <a:t>0.015957</a:t>
-                      </a:r>
-                    </a:p>
-                  </a:txBody>
-                  <a:tcPr marL="7620" marR="7620" marT="7620" marB="0" anchor="b"/>
-                </a:tc>
-                <a:tc>
-                  <a:txBody>
-                    <a:bodyPr/>
-                    <a:lstStyle/>
-                    <a:p>
-                      <a:pPr algn="r" fontAlgn="b"/>
-                      <a:r>
-                        <a:rPr lang="en-US" sz="1600" b="0" i="0" u="none" strike="noStrike">
-                          <a:solidFill>
-                            <a:srgbClr val="000000"/>
-                          </a:solidFill>
-                          <a:effectLst/>
-                          <a:latin typeface="Calibri" panose="020F0502020204030204" pitchFamily="34" charset="0"/>
-                        </a:rPr>
-                        <a:t>0.101064</a:t>
-                      </a:r>
-                    </a:p>
-                  </a:txBody>
-                  <a:tcPr marL="7620" marR="7620" marT="7620" marB="0" anchor="b"/>
-                </a:tc>
-                <a:tc>
-                  <a:txBody>
-                    <a:bodyPr/>
-                    <a:lstStyle/>
-                    <a:p>
-                      <a:pPr algn="r" fontAlgn="b"/>
-                      <a:r>
-                        <a:rPr lang="en-US" sz="1600" b="0" i="0" u="none" strike="noStrike">
-                          <a:solidFill>
-                            <a:srgbClr val="000000"/>
-                          </a:solidFill>
-                          <a:effectLst/>
-                          <a:latin typeface="Calibri" panose="020F0502020204030204" pitchFamily="34" charset="0"/>
-                        </a:rPr>
-                        <a:t>0.031915</a:t>
-                      </a:r>
-                    </a:p>
-                  </a:txBody>
-                  <a:tcPr marL="7620" marR="7620" marT="7620" marB="0" anchor="b"/>
-                </a:tc>
-                <a:tc>
-                  <a:txBody>
-                    <a:bodyPr/>
-                    <a:lstStyle/>
-                    <a:p>
-                      <a:pPr algn="r" fontAlgn="b"/>
-                      <a:r>
-                        <a:rPr lang="en-US" sz="1600" b="0" i="0" u="none" strike="noStrike">
-                          <a:solidFill>
-                            <a:srgbClr val="000000"/>
-                          </a:solidFill>
-                          <a:effectLst/>
-                          <a:latin typeface="Calibri" panose="020F0502020204030204" pitchFamily="34" charset="0"/>
-                        </a:rPr>
-                        <a:t>0.452128</a:t>
-                      </a:r>
-                    </a:p>
-                  </a:txBody>
-                  <a:tcPr marL="7620" marR="7620" marT="7620" marB="0" anchor="b"/>
-                </a:tc>
-                <a:tc>
-                  <a:txBody>
-                    <a:bodyPr/>
-                    <a:lstStyle/>
-                    <a:p>
-                      <a:pPr algn="r" fontAlgn="b"/>
-                      <a:r>
-                        <a:rPr lang="en-US" sz="1600" b="0" i="0" u="none" strike="noStrike">
-                          <a:solidFill>
-                            <a:srgbClr val="000000"/>
-                          </a:solidFill>
-                          <a:effectLst/>
-                          <a:latin typeface="Calibri" panose="020F0502020204030204" pitchFamily="34" charset="0"/>
-                        </a:rPr>
                         <a:t>6.17E-06</a:t>
                       </a:r>
                     </a:p>
@@ -10608,7 +9948,7 @@
                           <a:effectLst/>
                           <a:latin typeface="Calibri" panose="020F0502020204030204" pitchFamily="34" charset="0"/>
                         </a:rPr>
-                        <a:t>0.003994</a:t>
+                        <a:t>0.004624</a:t>
                       </a:r>
                     </a:p>
                   </a:txBody>
@@ -10655,7 +9995,7 @@
                           <a:effectLst/>
                           <a:latin typeface="Calibri" panose="020F0502020204030204" pitchFamily="34" charset="0"/>
                         </a:rPr>
-                        <a:t>251</a:t>
+                        <a:t>239 (251)</a:t>
                       </a:r>
                     </a:p>
                   </a:txBody>
@@ -10675,7 +10015,7 @@
                           <a:effectLst/>
                           <a:latin typeface="Calibri" panose="020F0502020204030204" pitchFamily="34" charset="0"/>
                         </a:rPr>
-                        <a:t>0.035857</a:t>
+                        <a:t>0.037657</a:t>
                       </a:r>
                     </a:p>
                   </a:txBody>
@@ -10695,7 +10035,7 @@
                           <a:effectLst/>
                           <a:latin typeface="Calibri" panose="020F0502020204030204" pitchFamily="34" charset="0"/>
                         </a:rPr>
-                        <a:t>0.163347</a:t>
+                        <a:t>0.16318</a:t>
                       </a:r>
                     </a:p>
                   </a:txBody>
@@ -10715,7 +10055,27 @@
                           <a:effectLst/>
                           <a:latin typeface="Calibri" panose="020F0502020204030204" pitchFamily="34" charset="0"/>
                         </a:rPr>
-                        <a:t>0.115538</a:t>
+                        <a:t>0.037657</a:t>
+                      </a:r>
+                    </a:p>
+                  </a:txBody>
+                  <a:tcPr marL="7620" marR="7620" marT="7620" marB="0" anchor="b"/>
+                </a:tc>
+                <a:tc>
+                  <a:txBody>
+                    <a:bodyPr/>
+                    <a:lstStyle/>
+                    <a:p>
+                      <a:pPr algn="r" fontAlgn="b"/>
+                      <a:r>
+                        <a:rPr lang="en-US" sz="1600" b="0" i="0" u="none" strike="noStrike" dirty="0">
+                          <a:solidFill>
+                            <a:srgbClr val="000000"/>
+                          </a:solidFill>
+                          <a:effectLst/>
+                          <a:latin typeface="Calibri" panose="020F0502020204030204" pitchFamily="34" charset="0"/>
+                        </a:rPr>
+                        <a:t>0.209205</a:t>
                       </a:r>
                     </a:p>
                   </a:txBody>
@@ -10735,26 +10095,6 @@
                           <a:effectLst/>
                           <a:latin typeface="Calibri" panose="020F0502020204030204" pitchFamily="34" charset="0"/>
                         </a:rPr>
-                        <a:t>0.486056</a:t>
-                      </a:r>
-                    </a:p>
-                  </a:txBody>
-                  <a:tcPr marL="7620" marR="7620" marT="7620" marB="0" anchor="b"/>
-                </a:tc>
-                <a:tc>
-                  <a:txBody>
-                    <a:bodyPr/>
-                    <a:lstStyle/>
-                    <a:p>
-                      <a:pPr algn="r" fontAlgn="b"/>
-                      <a:r>
-                        <a:rPr lang="en-US" sz="1600" b="0" i="0" u="none" strike="noStrike">
-                          <a:solidFill>
-                            <a:srgbClr val="000000"/>
-                          </a:solidFill>
-                          <a:effectLst/>
-                          <a:latin typeface="Calibri" panose="020F0502020204030204" pitchFamily="34" charset="0"/>
-                        </a:rPr>
                         <a:t>1.68E-12</a:t>
                       </a:r>
                     </a:p>
@@ -10775,7 +10115,7 @@
                           <a:effectLst/>
                           <a:latin typeface="Calibri" panose="020F0502020204030204" pitchFamily="34" charset="0"/>
                         </a:rPr>
-                        <a:t>0.001624</a:t>
+                        <a:t>0.002353</a:t>
                       </a:r>
                     </a:p>
                   </a:txBody>
@@ -10822,7 +10162,7 @@
                           <a:effectLst/>
                           <a:latin typeface="Calibri" panose="020F0502020204030204" pitchFamily="34" charset="0"/>
                         </a:rPr>
-                        <a:t>282</a:t>
+                        <a:t>271 (282)</a:t>
                       </a:r>
                     </a:p>
                   </a:txBody>
@@ -10842,7 +10182,7 @@
                           <a:effectLst/>
                           <a:latin typeface="Calibri" panose="020F0502020204030204" pitchFamily="34" charset="0"/>
                         </a:rPr>
-                        <a:t>0.046099</a:t>
+                        <a:t>0.04428</a:t>
                       </a:r>
                     </a:p>
                   </a:txBody>
@@ -10862,7 +10202,7 @@
                           <a:effectLst/>
                           <a:latin typeface="Calibri" panose="020F0502020204030204" pitchFamily="34" charset="0"/>
                         </a:rPr>
-                        <a:t>0.187943</a:t>
+                        <a:t>0.177122</a:t>
                       </a:r>
                     </a:p>
                   </a:txBody>
@@ -10882,7 +10222,27 @@
                           <a:effectLst/>
                           <a:latin typeface="Calibri" panose="020F0502020204030204" pitchFamily="34" charset="0"/>
                         </a:rPr>
-                        <a:t>0.177305</a:t>
+                        <a:t>0.04797</a:t>
+                      </a:r>
+                    </a:p>
+                  </a:txBody>
+                  <a:tcPr marL="7620" marR="7620" marT="7620" marB="0" anchor="b"/>
+                </a:tc>
+                <a:tc>
+                  <a:txBody>
+                    <a:bodyPr/>
+                    <a:lstStyle/>
+                    <a:p>
+                      <a:pPr algn="r" fontAlgn="b"/>
+                      <a:r>
+                        <a:rPr lang="en-US" sz="1600" b="0" i="0" u="none" strike="noStrike" dirty="0">
+                          <a:solidFill>
+                            <a:srgbClr val="000000"/>
+                          </a:solidFill>
+                          <a:effectLst/>
+                          <a:latin typeface="Calibri" panose="020F0502020204030204" pitchFamily="34" charset="0"/>
+                        </a:rPr>
+                        <a:t>0.195572</a:t>
                       </a:r>
                     </a:p>
                   </a:txBody>
@@ -10902,26 +10262,6 @@
                           <a:effectLst/>
                           <a:latin typeface="Calibri" panose="020F0502020204030204" pitchFamily="34" charset="0"/>
                         </a:rPr>
-                        <a:t>0.48227</a:t>
-                      </a:r>
-                    </a:p>
-                  </a:txBody>
-                  <a:tcPr marL="7620" marR="7620" marT="7620" marB="0" anchor="b"/>
-                </a:tc>
-                <a:tc>
-                  <a:txBody>
-                    <a:bodyPr/>
-                    <a:lstStyle/>
-                    <a:p>
-                      <a:pPr algn="r" fontAlgn="b"/>
-                      <a:r>
-                        <a:rPr lang="en-US" sz="1600" b="0" i="0" u="none" strike="noStrike">
-                          <a:solidFill>
-                            <a:srgbClr val="000000"/>
-                          </a:solidFill>
-                          <a:effectLst/>
-                          <a:latin typeface="Calibri" panose="020F0502020204030204" pitchFamily="34" charset="0"/>
-                        </a:rPr>
                         <a:t>4.10E-11</a:t>
                       </a:r>
                     </a:p>
@@ -10942,7 +10282,7 @@
                           <a:effectLst/>
                           <a:latin typeface="Calibri" panose="020F0502020204030204" pitchFamily="34" charset="0"/>
                         </a:rPr>
-                        <a:t>0.000131</a:t>
+                        <a:t>0.000246</a:t>
                       </a:r>
                     </a:p>
                   </a:txBody>
@@ -10973,7 +10313,7 @@
         <p:spPr>
           <a:xfrm>
             <a:off x="838200" y="1321356"/>
-            <a:ext cx="1084079" cy="369332"/>
+            <a:ext cx="1249060" cy="369332"/>
           </a:xfrm>
           <a:prstGeom prst="rect">
             <a:avLst/>
@@ -10987,7 +10327,10 @@
           <a:lstStyle/>
           <a:p>
             <a:r>
-              <a:rPr lang="en-US" dirty="0"/>
+              <a:rPr lang="en-US" dirty="0">
+                <a:latin typeface="Yu Gothic" panose="020B0400000000000000" pitchFamily="34" charset="-128"/>
+                <a:ea typeface="Yu Gothic" panose="020B0400000000000000" pitchFamily="34" charset="-128"/>
+              </a:rPr>
               <a:t>Recessive</a:t>
             </a:r>
           </a:p>
@@ -11008,7 +10351,7 @@
         <p:spPr>
           <a:xfrm>
             <a:off x="838199" y="4109884"/>
-            <a:ext cx="961482" cy="369332"/>
+            <a:ext cx="1043876" cy="369332"/>
           </a:xfrm>
           <a:prstGeom prst="rect">
             <a:avLst/>
@@ -11022,7 +10365,10 @@
           <a:lstStyle/>
           <a:p>
             <a:r>
-              <a:rPr lang="en-US" dirty="0"/>
+              <a:rPr lang="en-US" dirty="0">
+                <a:latin typeface="Yu Gothic" panose="020B0400000000000000" pitchFamily="34" charset="-128"/>
+                <a:ea typeface="Yu Gothic" panose="020B0400000000000000" pitchFamily="34" charset="-128"/>
+              </a:rPr>
               <a:t>Additive</a:t>
             </a:r>
           </a:p>
@@ -11041,7 +10387,7 @@
 </p:sld>
 </file>
 
-<file path=ppt/slides/slide21.xml><?xml version="1.0" encoding="utf-8"?>
+<file path=ppt/slides/slide19.xml><?xml version="1.0" encoding="utf-8"?>
 <p:sld xmlns:a="http://schemas.openxmlformats.org/drawingml/2006/main" xmlns:r="http://schemas.openxmlformats.org/officeDocument/2006/relationships" xmlns:p="http://schemas.openxmlformats.org/presentationml/2006/main">
   <p:cSld>
     <p:spTree>
@@ -11080,8 +10426,11 @@
           <a:lstStyle/>
           <a:p>
             <a:r>
-              <a:rPr lang="en-US" dirty="0"/>
-              <a:t>s=-0.01</a:t>
+              <a:rPr lang="en-US" dirty="0">
+                <a:latin typeface="Yu Gothic" panose="020B0400000000000000" pitchFamily="34" charset="-128"/>
+                <a:ea typeface="Yu Gothic" panose="020B0400000000000000" pitchFamily="34" charset="-128"/>
+              </a:rPr>
+              <a:t>s=-0.01 (homozygotes &gt;= X)</a:t>
             </a:r>
           </a:p>
         </p:txBody>
@@ -11101,7 +10450,7 @@
           <p:nvPr>
             <p:extLst>
               <p:ext uri="{D42A27DB-BD31-4B8C-83A1-F6EECF244321}">
-                <p14:modId xmlns:p14="http://schemas.microsoft.com/office/powerpoint/2010/main" val="658896426"/>
+                <p14:modId xmlns:p14="http://schemas.microsoft.com/office/powerpoint/2010/main" val="3827232997"/>
               </p:ext>
             </p:extLst>
           </p:nvPr>
@@ -11320,7 +10669,7 @@
                           <a:effectLst/>
                           <a:latin typeface="Calibri" panose="020F0502020204030204" pitchFamily="34" charset="0"/>
                         </a:rPr>
-                        <a:t>54</a:t>
+                        <a:t>54 (54)</a:t>
                       </a:r>
                     </a:p>
                   </a:txBody>
@@ -11373,6 +10722,46 @@
                     <a:p>
                       <a:pPr algn="r" fontAlgn="b"/>
                       <a:r>
+                        <a:rPr lang="en-US" sz="1600" b="0" i="0" u="none" strike="noStrike" dirty="0">
+                          <a:solidFill>
+                            <a:srgbClr val="000000"/>
+                          </a:solidFill>
+                          <a:effectLst/>
+                          <a:latin typeface="Calibri" panose="020F0502020204030204" pitchFamily="34" charset="0"/>
+                        </a:rPr>
+                        <a:t>0</a:t>
+                      </a:r>
+                    </a:p>
+                  </a:txBody>
+                  <a:tcPr marL="7620" marR="7620" marT="7620" marB="0" anchor="b"/>
+                </a:tc>
+                <a:tc>
+                  <a:txBody>
+                    <a:bodyPr/>
+                    <a:lstStyle/>
+                    <a:p>
+                      <a:pPr algn="r" fontAlgn="b"/>
+                      <a:r>
+                        <a:rPr lang="en-US" sz="1600" b="0" i="0" u="none" strike="noStrike" dirty="0">
+                          <a:solidFill>
+                            <a:srgbClr val="000000"/>
+                          </a:solidFill>
+                          <a:effectLst/>
+                          <a:latin typeface="Calibri" panose="020F0502020204030204" pitchFamily="34" charset="0"/>
+                        </a:rPr>
+                        <a:t>0.074074</a:t>
+                      </a:r>
+                    </a:p>
+                  </a:txBody>
+                  <a:tcPr marL="7620" marR="7620" marT="7620" marB="0" anchor="b"/>
+                </a:tc>
+                <a:tc>
+                  <a:txBody>
+                    <a:bodyPr/>
+                    <a:lstStyle/>
+                    <a:p>
+                      <a:pPr algn="r" fontAlgn="b"/>
+                      <a:r>
                         <a:rPr lang="en-US" sz="1600" b="0" i="0" u="none" strike="noStrike">
                           <a:solidFill>
                             <a:srgbClr val="000000"/>
@@ -11380,46 +10769,6 @@
                           <a:effectLst/>
                           <a:latin typeface="Calibri" panose="020F0502020204030204" pitchFamily="34" charset="0"/>
                         </a:rPr>
-                        <a:t>0</a:t>
-                      </a:r>
-                    </a:p>
-                  </a:txBody>
-                  <a:tcPr marL="7620" marR="7620" marT="7620" marB="0" anchor="b"/>
-                </a:tc>
-                <a:tc>
-                  <a:txBody>
-                    <a:bodyPr/>
-                    <a:lstStyle/>
-                    <a:p>
-                      <a:pPr algn="r" fontAlgn="b"/>
-                      <a:r>
-                        <a:rPr lang="en-US" sz="1600" b="0" i="0" u="none" strike="noStrike">
-                          <a:solidFill>
-                            <a:srgbClr val="000000"/>
-                          </a:solidFill>
-                          <a:effectLst/>
-                          <a:latin typeface="Calibri" panose="020F0502020204030204" pitchFamily="34" charset="0"/>
-                        </a:rPr>
-                        <a:t>0.111111</a:t>
-                      </a:r>
-                    </a:p>
-                  </a:txBody>
-                  <a:tcPr marL="7620" marR="7620" marT="7620" marB="0" anchor="b"/>
-                </a:tc>
-                <a:tc>
-                  <a:txBody>
-                    <a:bodyPr/>
-                    <a:lstStyle/>
-                    <a:p>
-                      <a:pPr algn="r" fontAlgn="b"/>
-                      <a:r>
-                        <a:rPr lang="en-US" sz="1600" b="0" i="0" u="none" strike="noStrike">
-                          <a:solidFill>
-                            <a:srgbClr val="000000"/>
-                          </a:solidFill>
-                          <a:effectLst/>
-                          <a:latin typeface="Calibri" panose="020F0502020204030204" pitchFamily="34" charset="0"/>
-                        </a:rPr>
                         <a:t>0.39917</a:t>
                       </a:r>
                     </a:p>
@@ -11440,7 +10789,7 @@
                           <a:effectLst/>
                           <a:latin typeface="Calibri" panose="020F0502020204030204" pitchFamily="34" charset="0"/>
                         </a:rPr>
-                        <a:t>0.260062</a:t>
+                        <a:t>0.281734</a:t>
                       </a:r>
                     </a:p>
                   </a:txBody>
@@ -11487,7 +10836,47 @@
                           <a:effectLst/>
                           <a:latin typeface="Calibri" panose="020F0502020204030204" pitchFamily="34" charset="0"/>
                         </a:rPr>
-                        <a:t>119</a:t>
+                        <a:t>119 (119)</a:t>
+                      </a:r>
+                    </a:p>
+                  </a:txBody>
+                  <a:tcPr marL="7620" marR="7620" marT="7620" marB="0" anchor="b"/>
+                </a:tc>
+                <a:tc>
+                  <a:txBody>
+                    <a:bodyPr/>
+                    <a:lstStyle/>
+                    <a:p>
+                      <a:pPr algn="r" fontAlgn="b"/>
+                      <a:r>
+                        <a:rPr lang="en-US" sz="1600" b="0" i="0" u="none" strike="noStrike">
+                          <a:solidFill>
+                            <a:srgbClr val="000000"/>
+                          </a:solidFill>
+                          <a:effectLst/>
+                          <a:latin typeface="Calibri" panose="020F0502020204030204" pitchFamily="34" charset="0"/>
+                        </a:rPr>
+                        <a:t>0.033613</a:t>
+                      </a:r>
+                    </a:p>
+                  </a:txBody>
+                  <a:tcPr marL="7620" marR="7620" marT="7620" marB="0" anchor="b"/>
+                </a:tc>
+                <a:tc>
+                  <a:txBody>
+                    <a:bodyPr/>
+                    <a:lstStyle/>
+                    <a:p>
+                      <a:pPr algn="r" fontAlgn="b"/>
+                      <a:r>
+                        <a:rPr lang="en-US" sz="1600" b="0" i="0" u="none" strike="noStrike">
+                          <a:solidFill>
+                            <a:srgbClr val="000000"/>
+                          </a:solidFill>
+                          <a:effectLst/>
+                          <a:latin typeface="Calibri" panose="020F0502020204030204" pitchFamily="34" charset="0"/>
+                        </a:rPr>
+                        <a:t>0.12605</a:t>
                       </a:r>
                     </a:p>
                   </a:txBody>
@@ -11507,46 +10896,6 @@
                           <a:effectLst/>
                           <a:latin typeface="Calibri" panose="020F0502020204030204" pitchFamily="34" charset="0"/>
                         </a:rPr>
-                        <a:t>0.033613</a:t>
-                      </a:r>
-                    </a:p>
-                  </a:txBody>
-                  <a:tcPr marL="7620" marR="7620" marT="7620" marB="0" anchor="b"/>
-                </a:tc>
-                <a:tc>
-                  <a:txBody>
-                    <a:bodyPr/>
-                    <a:lstStyle/>
-                    <a:p>
-                      <a:pPr algn="r" fontAlgn="b"/>
-                      <a:r>
-                        <a:rPr lang="en-US" sz="1600" b="0" i="0" u="none" strike="noStrike">
-                          <a:solidFill>
-                            <a:srgbClr val="000000"/>
-                          </a:solidFill>
-                          <a:effectLst/>
-                          <a:latin typeface="Calibri" panose="020F0502020204030204" pitchFamily="34" charset="0"/>
-                        </a:rPr>
-                        <a:t>0.12605</a:t>
-                      </a:r>
-                    </a:p>
-                  </a:txBody>
-                  <a:tcPr marL="7620" marR="7620" marT="7620" marB="0" anchor="b"/>
-                </a:tc>
-                <a:tc>
-                  <a:txBody>
-                    <a:bodyPr/>
-                    <a:lstStyle/>
-                    <a:p>
-                      <a:pPr algn="r" fontAlgn="b"/>
-                      <a:r>
-                        <a:rPr lang="en-US" sz="1600" b="0" i="0" u="none" strike="noStrike">
-                          <a:solidFill>
-                            <a:srgbClr val="000000"/>
-                          </a:solidFill>
-                          <a:effectLst/>
-                          <a:latin typeface="Calibri" panose="020F0502020204030204" pitchFamily="34" charset="0"/>
-                        </a:rPr>
                         <a:t>0.02521</a:t>
                       </a:r>
                     </a:p>
@@ -11560,14 +10909,14 @@
                     <a:p>
                       <a:pPr algn="r" fontAlgn="b"/>
                       <a:r>
-                        <a:rPr lang="en-US" sz="1600" b="0" i="0" u="none" strike="noStrike">
-                          <a:solidFill>
-                            <a:srgbClr val="000000"/>
-                          </a:solidFill>
-                          <a:effectLst/>
-                          <a:latin typeface="Calibri" panose="020F0502020204030204" pitchFamily="34" charset="0"/>
-                        </a:rPr>
-                        <a:t>0.361345</a:t>
+                        <a:rPr lang="en-US" sz="1600" b="0" i="0" u="none" strike="noStrike" dirty="0">
+                          <a:solidFill>
+                            <a:srgbClr val="000000"/>
+                          </a:solidFill>
+                          <a:effectLst/>
+                          <a:latin typeface="Calibri" panose="020F0502020204030204" pitchFamily="34" charset="0"/>
+                        </a:rPr>
+                        <a:t>0.176471</a:t>
                       </a:r>
                     </a:p>
                   </a:txBody>
@@ -11654,7 +11003,7 @@
                           <a:effectLst/>
                           <a:latin typeface="Calibri" panose="020F0502020204030204" pitchFamily="34" charset="0"/>
                         </a:rPr>
-                        <a:t>155</a:t>
+                        <a:t>155 (155)</a:t>
                       </a:r>
                     </a:p>
                   </a:txBody>
@@ -11707,6 +11056,46 @@
                     <a:p>
                       <a:pPr algn="r" fontAlgn="b"/>
                       <a:r>
+                        <a:rPr lang="en-US" sz="1600" b="0" i="0" u="none" strike="noStrike" dirty="0">
+                          <a:solidFill>
+                            <a:srgbClr val="000000"/>
+                          </a:solidFill>
+                          <a:effectLst/>
+                          <a:latin typeface="Calibri" panose="020F0502020204030204" pitchFamily="34" charset="0"/>
+                        </a:rPr>
+                        <a:t>0.025806</a:t>
+                      </a:r>
+                    </a:p>
+                  </a:txBody>
+                  <a:tcPr marL="7620" marR="7620" marT="7620" marB="0" anchor="b"/>
+                </a:tc>
+                <a:tc>
+                  <a:txBody>
+                    <a:bodyPr/>
+                    <a:lstStyle/>
+                    <a:p>
+                      <a:pPr algn="r" fontAlgn="b"/>
+                      <a:r>
+                        <a:rPr lang="en-US" sz="1600" b="0" i="0" u="none" strike="noStrike" dirty="0">
+                          <a:solidFill>
+                            <a:srgbClr val="000000"/>
+                          </a:solidFill>
+                          <a:effectLst/>
+                          <a:latin typeface="Calibri" panose="020F0502020204030204" pitchFamily="34" charset="0"/>
+                        </a:rPr>
+                        <a:t>0.2</a:t>
+                      </a:r>
+                    </a:p>
+                  </a:txBody>
+                  <a:tcPr marL="7620" marR="7620" marT="7620" marB="0" anchor="b"/>
+                </a:tc>
+                <a:tc>
+                  <a:txBody>
+                    <a:bodyPr/>
+                    <a:lstStyle/>
+                    <a:p>
+                      <a:pPr algn="r" fontAlgn="b"/>
+                      <a:r>
                         <a:rPr lang="en-US" sz="1600" b="0" i="0" u="none" strike="noStrike">
                           <a:solidFill>
                             <a:srgbClr val="000000"/>
@@ -11714,46 +11103,6 @@
                           <a:effectLst/>
                           <a:latin typeface="Calibri" panose="020F0502020204030204" pitchFamily="34" charset="0"/>
                         </a:rPr>
-                        <a:t>0.025806</a:t>
-                      </a:r>
-                    </a:p>
-                  </a:txBody>
-                  <a:tcPr marL="7620" marR="7620" marT="7620" marB="0" anchor="b"/>
-                </a:tc>
-                <a:tc>
-                  <a:txBody>
-                    <a:bodyPr/>
-                    <a:lstStyle/>
-                    <a:p>
-                      <a:pPr algn="r" fontAlgn="b"/>
-                      <a:r>
-                        <a:rPr lang="en-US" sz="1600" b="0" i="0" u="none" strike="noStrike">
-                          <a:solidFill>
-                            <a:srgbClr val="000000"/>
-                          </a:solidFill>
-                          <a:effectLst/>
-                          <a:latin typeface="Calibri" panose="020F0502020204030204" pitchFamily="34" charset="0"/>
-                        </a:rPr>
-                        <a:t>0.406452</a:t>
-                      </a:r>
-                    </a:p>
-                  </a:txBody>
-                  <a:tcPr marL="7620" marR="7620" marT="7620" marB="0" anchor="b"/>
-                </a:tc>
-                <a:tc>
-                  <a:txBody>
-                    <a:bodyPr/>
-                    <a:lstStyle/>
-                    <a:p>
-                      <a:pPr algn="r" fontAlgn="b"/>
-                      <a:r>
-                        <a:rPr lang="en-US" sz="1600" b="0" i="0" u="none" strike="noStrike">
-                          <a:solidFill>
-                            <a:srgbClr val="000000"/>
-                          </a:solidFill>
-                          <a:effectLst/>
-                          <a:latin typeface="Calibri" panose="020F0502020204030204" pitchFamily="34" charset="0"/>
-                        </a:rPr>
                         <a:t>6.17E-06</a:t>
                       </a:r>
                     </a:p>
@@ -11774,7 +11123,7 @@
                           <a:effectLst/>
                           <a:latin typeface="Calibri" panose="020F0502020204030204" pitchFamily="34" charset="0"/>
                         </a:rPr>
-                        <a:t>0.014853</a:t>
+                        <a:t>0.015256</a:t>
                       </a:r>
                     </a:p>
                   </a:txBody>
@@ -11821,7 +11170,7 @@
                           <a:effectLst/>
                           <a:latin typeface="Calibri" panose="020F0502020204030204" pitchFamily="34" charset="0"/>
                         </a:rPr>
-                        <a:t>218</a:t>
+                        <a:t>218 (218)</a:t>
                       </a:r>
                     </a:p>
                   </a:txBody>
@@ -11874,6 +11223,46 @@
                     <a:p>
                       <a:pPr algn="r" fontAlgn="b"/>
                       <a:r>
+                        <a:rPr lang="en-US" sz="1600" b="0" i="0" u="none" strike="noStrike" dirty="0">
+                          <a:solidFill>
+                            <a:srgbClr val="000000"/>
+                          </a:solidFill>
+                          <a:effectLst/>
+                          <a:latin typeface="Calibri" panose="020F0502020204030204" pitchFamily="34" charset="0"/>
+                        </a:rPr>
+                        <a:t>0.027523</a:t>
+                      </a:r>
+                    </a:p>
+                  </a:txBody>
+                  <a:tcPr marL="7620" marR="7620" marT="7620" marB="0" anchor="b"/>
+                </a:tc>
+                <a:tc>
+                  <a:txBody>
+                    <a:bodyPr/>
+                    <a:lstStyle/>
+                    <a:p>
+                      <a:pPr algn="r" fontAlgn="b"/>
+                      <a:r>
+                        <a:rPr lang="en-US" sz="1600" b="0" i="0" u="none" strike="noStrike" dirty="0">
+                          <a:solidFill>
+                            <a:srgbClr val="000000"/>
+                          </a:solidFill>
+                          <a:effectLst/>
+                          <a:latin typeface="Calibri" panose="020F0502020204030204" pitchFamily="34" charset="0"/>
+                        </a:rPr>
+                        <a:t>0.206422</a:t>
+                      </a:r>
+                    </a:p>
+                  </a:txBody>
+                  <a:tcPr marL="7620" marR="7620" marT="7620" marB="0" anchor="b"/>
+                </a:tc>
+                <a:tc>
+                  <a:txBody>
+                    <a:bodyPr/>
+                    <a:lstStyle/>
+                    <a:p>
+                      <a:pPr algn="r" fontAlgn="b"/>
+                      <a:r>
                         <a:rPr lang="en-US" sz="1600" b="0" i="0" u="none" strike="noStrike">
                           <a:solidFill>
                             <a:srgbClr val="000000"/>
@@ -11881,46 +11270,6 @@
                           <a:effectLst/>
                           <a:latin typeface="Calibri" panose="020F0502020204030204" pitchFamily="34" charset="0"/>
                         </a:rPr>
-                        <a:t>0.077982</a:t>
-                      </a:r>
-                    </a:p>
-                  </a:txBody>
-                  <a:tcPr marL="7620" marR="7620" marT="7620" marB="0" anchor="b"/>
-                </a:tc>
-                <a:tc>
-                  <a:txBody>
-                    <a:bodyPr/>
-                    <a:lstStyle/>
-                    <a:p>
-                      <a:pPr algn="r" fontAlgn="b"/>
-                      <a:r>
-                        <a:rPr lang="en-US" sz="1600" b="0" i="0" u="none" strike="noStrike">
-                          <a:solidFill>
-                            <a:srgbClr val="000000"/>
-                          </a:solidFill>
-                          <a:effectLst/>
-                          <a:latin typeface="Calibri" panose="020F0502020204030204" pitchFamily="34" charset="0"/>
-                        </a:rPr>
-                        <a:t>0.422018</a:t>
-                      </a:r>
-                    </a:p>
-                  </a:txBody>
-                  <a:tcPr marL="7620" marR="7620" marT="7620" marB="0" anchor="b"/>
-                </a:tc>
-                <a:tc>
-                  <a:txBody>
-                    <a:bodyPr/>
-                    <a:lstStyle/>
-                    <a:p>
-                      <a:pPr algn="r" fontAlgn="b"/>
-                      <a:r>
-                        <a:rPr lang="en-US" sz="1600" b="0" i="0" u="none" strike="noStrike">
-                          <a:solidFill>
-                            <a:srgbClr val="000000"/>
-                          </a:solidFill>
-                          <a:effectLst/>
-                          <a:latin typeface="Calibri" panose="020F0502020204030204" pitchFamily="34" charset="0"/>
-                        </a:rPr>
                         <a:t>0.000558</a:t>
                       </a:r>
                     </a:p>
@@ -11941,7 +11290,7 @@
                           <a:effectLst/>
                           <a:latin typeface="Calibri" panose="020F0502020204030204" pitchFamily="34" charset="0"/>
                         </a:rPr>
-                        <a:t>0.004714</a:t>
+                        <a:t>0.00634</a:t>
                       </a:r>
                     </a:p>
                   </a:txBody>
@@ -11988,7 +11337,7 @@
                           <a:effectLst/>
                           <a:latin typeface="Calibri" panose="020F0502020204030204" pitchFamily="34" charset="0"/>
                         </a:rPr>
-                        <a:t>251</a:t>
+                        <a:t>251 (251)</a:t>
                       </a:r>
                     </a:p>
                   </a:txBody>
@@ -12041,6 +11390,46 @@
                     <a:p>
                       <a:pPr algn="r" fontAlgn="b"/>
                       <a:r>
+                        <a:rPr lang="en-US" sz="1600" b="0" i="0" u="none" strike="noStrike" dirty="0">
+                          <a:solidFill>
+                            <a:srgbClr val="000000"/>
+                          </a:solidFill>
+                          <a:effectLst/>
+                          <a:latin typeface="Calibri" panose="020F0502020204030204" pitchFamily="34" charset="0"/>
+                        </a:rPr>
+                        <a:t>0.035857</a:t>
+                      </a:r>
+                    </a:p>
+                  </a:txBody>
+                  <a:tcPr marL="7620" marR="7620" marT="7620" marB="0" anchor="b"/>
+                </a:tc>
+                <a:tc>
+                  <a:txBody>
+                    <a:bodyPr/>
+                    <a:lstStyle/>
+                    <a:p>
+                      <a:pPr algn="r" fontAlgn="b"/>
+                      <a:r>
+                        <a:rPr lang="en-US" sz="1600" b="0" i="0" u="none" strike="noStrike" dirty="0">
+                          <a:solidFill>
+                            <a:srgbClr val="000000"/>
+                          </a:solidFill>
+                          <a:effectLst/>
+                          <a:latin typeface="Calibri" panose="020F0502020204030204" pitchFamily="34" charset="0"/>
+                        </a:rPr>
+                        <a:t>0.183267</a:t>
+                      </a:r>
+                    </a:p>
+                  </a:txBody>
+                  <a:tcPr marL="7620" marR="7620" marT="7620" marB="0" anchor="b"/>
+                </a:tc>
+                <a:tc>
+                  <a:txBody>
+                    <a:bodyPr/>
+                    <a:lstStyle/>
+                    <a:p>
+                      <a:pPr algn="r" fontAlgn="b"/>
+                      <a:r>
                         <a:rPr lang="en-US" sz="1600" b="0" i="0" u="none" strike="noStrike">
                           <a:solidFill>
                             <a:srgbClr val="000000"/>
@@ -12048,46 +11437,6 @@
                           <a:effectLst/>
                           <a:latin typeface="Calibri" panose="020F0502020204030204" pitchFamily="34" charset="0"/>
                         </a:rPr>
-                        <a:t>0.115538</a:t>
-                      </a:r>
-                    </a:p>
-                  </a:txBody>
-                  <a:tcPr marL="7620" marR="7620" marT="7620" marB="0" anchor="b"/>
-                </a:tc>
-                <a:tc>
-                  <a:txBody>
-                    <a:bodyPr/>
-                    <a:lstStyle/>
-                    <a:p>
-                      <a:pPr algn="r" fontAlgn="b"/>
-                      <a:r>
-                        <a:rPr lang="en-US" sz="1600" b="0" i="0" u="none" strike="noStrike">
-                          <a:solidFill>
-                            <a:srgbClr val="000000"/>
-                          </a:solidFill>
-                          <a:effectLst/>
-                          <a:latin typeface="Calibri" panose="020F0502020204030204" pitchFamily="34" charset="0"/>
-                        </a:rPr>
-                        <a:t>0.434263</a:t>
-                      </a:r>
-                    </a:p>
-                  </a:txBody>
-                  <a:tcPr marL="7620" marR="7620" marT="7620" marB="0" anchor="b"/>
-                </a:tc>
-                <a:tc>
-                  <a:txBody>
-                    <a:bodyPr/>
-                    <a:lstStyle/>
-                    <a:p>
-                      <a:pPr algn="r" fontAlgn="b"/>
-                      <a:r>
-                        <a:rPr lang="en-US" sz="1600" b="0" i="0" u="none" strike="noStrike">
-                          <a:solidFill>
-                            <a:srgbClr val="000000"/>
-                          </a:solidFill>
-                          <a:effectLst/>
-                          <a:latin typeface="Calibri" panose="020F0502020204030204" pitchFamily="34" charset="0"/>
-                        </a:rPr>
                         <a:t>4.48E-07</a:t>
                       </a:r>
                     </a:p>
@@ -12108,7 +11457,7 @@
                           <a:effectLst/>
                           <a:latin typeface="Calibri" panose="020F0502020204030204" pitchFamily="34" charset="0"/>
                         </a:rPr>
-                        <a:t>2.62E-05</a:t>
+                        <a:t>3.69E-05</a:t>
                       </a:r>
                     </a:p>
                   </a:txBody>
@@ -12139,7 +11488,7 @@
           <p:nvPr>
             <p:extLst>
               <p:ext uri="{D42A27DB-BD31-4B8C-83A1-F6EECF244321}">
-                <p14:modId xmlns:p14="http://schemas.microsoft.com/office/powerpoint/2010/main" val="3399485137"/>
+                <p14:modId xmlns:p14="http://schemas.microsoft.com/office/powerpoint/2010/main" val="311326410"/>
               </p:ext>
             </p:extLst>
           </p:nvPr>
@@ -12358,20 +11707,20 @@
                           <a:effectLst/>
                           <a:latin typeface="Calibri" panose="020F0502020204030204" pitchFamily="34" charset="0"/>
                         </a:rPr>
-                        <a:t>15</a:t>
-                      </a:r>
-                    </a:p>
-                  </a:txBody>
-                  <a:tcPr marL="7620" marR="7620" marT="7620" marB="0" anchor="b"/>
-                </a:tc>
-                <a:tc>
-                  <a:txBody>
-                    <a:bodyPr/>
-                    <a:lstStyle/>
-                    <a:p>
-                      <a:pPr algn="r" fontAlgn="b"/>
-                      <a:r>
-                        <a:rPr lang="en-US" sz="1600" b="0" i="0" u="none" strike="noStrike">
+                        <a:t>15 (15)</a:t>
+                      </a:r>
+                    </a:p>
+                  </a:txBody>
+                  <a:tcPr marL="7620" marR="7620" marT="7620" marB="0" anchor="b"/>
+                </a:tc>
+                <a:tc>
+                  <a:txBody>
+                    <a:bodyPr/>
+                    <a:lstStyle/>
+                    <a:p>
+                      <a:pPr algn="r" fontAlgn="b"/>
+                      <a:r>
+                        <a:rPr lang="en-US" sz="1600" b="0" i="0" u="none" strike="noStrike" dirty="0">
                           <a:solidFill>
                             <a:srgbClr val="000000"/>
                           </a:solidFill>
@@ -12525,7 +11874,7 @@
                           <a:effectLst/>
                           <a:latin typeface="Calibri" panose="020F0502020204030204" pitchFamily="34" charset="0"/>
                         </a:rPr>
-                        <a:t>53</a:t>
+                        <a:t>53 (53)</a:t>
                       </a:r>
                     </a:p>
                   </a:txBody>
@@ -12605,7 +11954,7 @@
                           <a:effectLst/>
                           <a:latin typeface="Calibri" panose="020F0502020204030204" pitchFamily="34" charset="0"/>
                         </a:rPr>
-                        <a:t>0.207547</a:t>
+                        <a:t>0.150943</a:t>
                       </a:r>
                     </a:p>
                   </a:txBody>
@@ -12645,7 +11994,7 @@
                           <a:effectLst/>
                           <a:latin typeface="Calibri" panose="020F0502020204030204" pitchFamily="34" charset="0"/>
                         </a:rPr>
-                        <a:t>0.020494</a:t>
+                        <a:t>0.020951</a:t>
                       </a:r>
                     </a:p>
                   </a:txBody>
@@ -12692,7 +12041,107 @@
                           <a:effectLst/>
                           <a:latin typeface="Calibri" panose="020F0502020204030204" pitchFamily="34" charset="0"/>
                         </a:rPr>
-                        <a:t>86</a:t>
+                        <a:t>86 (86)</a:t>
+                      </a:r>
+                    </a:p>
+                  </a:txBody>
+                  <a:tcPr marL="7620" marR="7620" marT="7620" marB="0" anchor="b"/>
+                </a:tc>
+                <a:tc>
+                  <a:txBody>
+                    <a:bodyPr/>
+                    <a:lstStyle/>
+                    <a:p>
+                      <a:pPr algn="r" fontAlgn="b"/>
+                      <a:r>
+                        <a:rPr lang="en-US" sz="1600" b="0" i="0" u="none" strike="noStrike">
+                          <a:solidFill>
+                            <a:srgbClr val="000000"/>
+                          </a:solidFill>
+                          <a:effectLst/>
+                          <a:latin typeface="Calibri" panose="020F0502020204030204" pitchFamily="34" charset="0"/>
+                        </a:rPr>
+                        <a:t>0</a:t>
+                      </a:r>
+                    </a:p>
+                  </a:txBody>
+                  <a:tcPr marL="7620" marR="7620" marT="7620" marB="0" anchor="b"/>
+                </a:tc>
+                <a:tc>
+                  <a:txBody>
+                    <a:bodyPr/>
+                    <a:lstStyle/>
+                    <a:p>
+                      <a:pPr algn="r" fontAlgn="b"/>
+                      <a:r>
+                        <a:rPr lang="en-US" sz="1600" b="0" i="0" u="none" strike="noStrike">
+                          <a:solidFill>
+                            <a:srgbClr val="000000"/>
+                          </a:solidFill>
+                          <a:effectLst/>
+                          <a:latin typeface="Calibri" panose="020F0502020204030204" pitchFamily="34" charset="0"/>
+                        </a:rPr>
+                        <a:t>0.046512</a:t>
+                      </a:r>
+                    </a:p>
+                  </a:txBody>
+                  <a:tcPr marL="7620" marR="7620" marT="7620" marB="0" anchor="b"/>
+                </a:tc>
+                <a:tc>
+                  <a:txBody>
+                    <a:bodyPr/>
+                    <a:lstStyle/>
+                    <a:p>
+                      <a:pPr algn="r" fontAlgn="b"/>
+                      <a:r>
+                        <a:rPr lang="en-US" sz="1600" b="0" i="0" u="none" strike="noStrike">
+                          <a:solidFill>
+                            <a:srgbClr val="000000"/>
+                          </a:solidFill>
+                          <a:effectLst/>
+                          <a:latin typeface="Calibri" panose="020F0502020204030204" pitchFamily="34" charset="0"/>
+                        </a:rPr>
+                        <a:t>0</a:t>
+                      </a:r>
+                    </a:p>
+                  </a:txBody>
+                  <a:tcPr marL="7620" marR="7620" marT="7620" marB="0" anchor="b"/>
+                </a:tc>
+                <a:tc>
+                  <a:txBody>
+                    <a:bodyPr/>
+                    <a:lstStyle/>
+                    <a:p>
+                      <a:pPr algn="r" fontAlgn="b"/>
+                      <a:r>
+                        <a:rPr lang="en-US" sz="1600" b="0" i="0" u="none" strike="noStrike">
+                          <a:solidFill>
+                            <a:srgbClr val="000000"/>
+                          </a:solidFill>
+                          <a:effectLst/>
+                          <a:latin typeface="Calibri" panose="020F0502020204030204" pitchFamily="34" charset="0"/>
+                        </a:rPr>
+                        <a:t>0.069767</a:t>
+                      </a:r>
+                    </a:p>
+                  </a:txBody>
+                  <a:tcPr marL="7620" marR="7620" marT="7620" marB="0" anchor="b"/>
+                </a:tc>
+                <a:tc>
+                  <a:txBody>
+                    <a:bodyPr/>
+                    <a:lstStyle/>
+                    <a:p>
+                      <a:pPr algn="r" fontAlgn="b"/>
+                      <a:r>
+                        <a:rPr lang="en-US" sz="1600" b="0" i="0" u="none" strike="noStrike">
+                          <a:solidFill>
+                            <a:srgbClr val="000000"/>
+                          </a:solidFill>
+                          <a:effectLst/>
+                          <a:latin typeface="Calibri" panose="020F0502020204030204" pitchFamily="34" charset="0"/>
+                        </a:rPr>
+                        <a:t>0.116864</a:t>
                       </a:r>
                     </a:p>
                   </a:txBody>
@@ -12712,107 +12161,7 @@
                           <a:effectLst/>
                           <a:latin typeface="Calibri" panose="020F0502020204030204" pitchFamily="34" charset="0"/>
                         </a:rPr>
-                        <a:t>0</a:t>
-                      </a:r>
-                    </a:p>
-                  </a:txBody>
-                  <a:tcPr marL="7620" marR="7620" marT="7620" marB="0" anchor="b"/>
-                </a:tc>
-                <a:tc>
-                  <a:txBody>
-                    <a:bodyPr/>
-                    <a:lstStyle/>
-                    <a:p>
-                      <a:pPr algn="r" fontAlgn="b"/>
-                      <a:r>
-                        <a:rPr lang="en-US" sz="1600" b="0" i="0" u="none" strike="noStrike">
-                          <a:solidFill>
-                            <a:srgbClr val="000000"/>
-                          </a:solidFill>
-                          <a:effectLst/>
-                          <a:latin typeface="Calibri" panose="020F0502020204030204" pitchFamily="34" charset="0"/>
-                        </a:rPr>
-                        <a:t>0.046512</a:t>
-                      </a:r>
-                    </a:p>
-                  </a:txBody>
-                  <a:tcPr marL="7620" marR="7620" marT="7620" marB="0" anchor="b"/>
-                </a:tc>
-                <a:tc>
-                  <a:txBody>
-                    <a:bodyPr/>
-                    <a:lstStyle/>
-                    <a:p>
-                      <a:pPr algn="r" fontAlgn="b"/>
-                      <a:r>
-                        <a:rPr lang="en-US" sz="1600" b="0" i="0" u="none" strike="noStrike">
-                          <a:solidFill>
-                            <a:srgbClr val="000000"/>
-                          </a:solidFill>
-                          <a:effectLst/>
-                          <a:latin typeface="Calibri" panose="020F0502020204030204" pitchFamily="34" charset="0"/>
-                        </a:rPr>
-                        <a:t>0.011628</a:t>
-                      </a:r>
-                    </a:p>
-                  </a:txBody>
-                  <a:tcPr marL="7620" marR="7620" marT="7620" marB="0" anchor="b"/>
-                </a:tc>
-                <a:tc>
-                  <a:txBody>
-                    <a:bodyPr/>
-                    <a:lstStyle/>
-                    <a:p>
-                      <a:pPr algn="r" fontAlgn="b"/>
-                      <a:r>
-                        <a:rPr lang="en-US" sz="1600" b="0" i="0" u="none" strike="noStrike">
-                          <a:solidFill>
-                            <a:srgbClr val="000000"/>
-                          </a:solidFill>
-                          <a:effectLst/>
-                          <a:latin typeface="Calibri" panose="020F0502020204030204" pitchFamily="34" charset="0"/>
-                        </a:rPr>
-                        <a:t>0.093023</a:t>
-                      </a:r>
-                    </a:p>
-                  </a:txBody>
-                  <a:tcPr marL="7620" marR="7620" marT="7620" marB="0" anchor="b"/>
-                </a:tc>
-                <a:tc>
-                  <a:txBody>
-                    <a:bodyPr/>
-                    <a:lstStyle/>
-                    <a:p>
-                      <a:pPr algn="r" fontAlgn="b"/>
-                      <a:r>
-                        <a:rPr lang="en-US" sz="1600" b="0" i="0" u="none" strike="noStrike">
-                          <a:solidFill>
-                            <a:srgbClr val="000000"/>
-                          </a:solidFill>
-                          <a:effectLst/>
-                          <a:latin typeface="Calibri" panose="020F0502020204030204" pitchFamily="34" charset="0"/>
-                        </a:rPr>
-                        <a:t>0.116864</a:t>
-                      </a:r>
-                    </a:p>
-                  </a:txBody>
-                  <a:tcPr marL="7620" marR="7620" marT="7620" marB="0" anchor="b"/>
-                </a:tc>
-                <a:tc>
-                  <a:txBody>
-                    <a:bodyPr/>
-                    <a:lstStyle/>
-                    <a:p>
-                      <a:pPr algn="r" fontAlgn="b"/>
-                      <a:r>
-                        <a:rPr lang="en-US" sz="1600" b="0" i="0" u="none" strike="noStrike" dirty="0">
-                          <a:solidFill>
-                            <a:srgbClr val="000000"/>
-                          </a:solidFill>
-                          <a:effectLst/>
-                          <a:latin typeface="Calibri" panose="020F0502020204030204" pitchFamily="34" charset="0"/>
-                        </a:rPr>
-                        <a:t>0.041908</a:t>
+                        <a:t>0.086149</a:t>
                       </a:r>
                     </a:p>
                   </a:txBody>
@@ -12859,7 +12208,7 @@
                           <a:effectLst/>
                           <a:latin typeface="Calibri" panose="020F0502020204030204" pitchFamily="34" charset="0"/>
                         </a:rPr>
-                        <a:t>145</a:t>
+                        <a:t>145 (145)</a:t>
                       </a:r>
                     </a:p>
                   </a:txBody>
@@ -12919,7 +12268,7 @@
                           <a:effectLst/>
                           <a:latin typeface="Calibri" panose="020F0502020204030204" pitchFamily="34" charset="0"/>
                         </a:rPr>
-                        <a:t>0.041379</a:t>
+                        <a:t>0.034483</a:t>
                       </a:r>
                     </a:p>
                   </a:txBody>
@@ -12939,7 +12288,7 @@
                           <a:effectLst/>
                           <a:latin typeface="Calibri" panose="020F0502020204030204" pitchFamily="34" charset="0"/>
                         </a:rPr>
-                        <a:t>0.227586</a:t>
+                        <a:t>0.137931</a:t>
                       </a:r>
                     </a:p>
                   </a:txBody>
@@ -12979,7 +12328,7 @@
                           <a:effectLst/>
                           <a:latin typeface="Calibri" panose="020F0502020204030204" pitchFamily="34" charset="0"/>
                         </a:rPr>
-                        <a:t>0.00225</a:t>
+                        <a:t>0.002353</a:t>
                       </a:r>
                     </a:p>
                   </a:txBody>
@@ -13026,7 +12375,7 @@
                           <a:effectLst/>
                           <a:latin typeface="Calibri" panose="020F0502020204030204" pitchFamily="34" charset="0"/>
                         </a:rPr>
-                        <a:t>173</a:t>
+                        <a:t>173 (173)</a:t>
                       </a:r>
                     </a:p>
                   </a:txBody>
@@ -13086,7 +12435,7 @@
                           <a:effectLst/>
                           <a:latin typeface="Calibri" panose="020F0502020204030204" pitchFamily="34" charset="0"/>
                         </a:rPr>
-                        <a:t>0.063584</a:t>
+                        <a:t>0.040462</a:t>
                       </a:r>
                     </a:p>
                   </a:txBody>
@@ -13106,7 +12455,7 @@
                           <a:effectLst/>
                           <a:latin typeface="Calibri" panose="020F0502020204030204" pitchFamily="34" charset="0"/>
                         </a:rPr>
-                        <a:t>0.248555</a:t>
+                        <a:t>0.138728</a:t>
                       </a:r>
                     </a:p>
                   </a:txBody>
@@ -13146,7 +12495,7 @@
                           <a:effectLst/>
                           <a:latin typeface="Calibri" panose="020F0502020204030204" pitchFamily="34" charset="0"/>
                         </a:rPr>
-                        <a:t>0.00011</a:t>
+                        <a:t>0.000117</a:t>
                       </a:r>
                     </a:p>
                   </a:txBody>
@@ -13177,7 +12526,7 @@
         <p:spPr>
           <a:xfrm>
             <a:off x="838200" y="1321356"/>
-            <a:ext cx="1084079" cy="369332"/>
+            <a:ext cx="1249060" cy="369332"/>
           </a:xfrm>
           <a:prstGeom prst="rect">
             <a:avLst/>
@@ -13191,7 +12540,10 @@
           <a:lstStyle/>
           <a:p>
             <a:r>
-              <a:rPr lang="en-US" dirty="0"/>
+              <a:rPr lang="en-US" dirty="0">
+                <a:latin typeface="Yu Gothic" panose="020B0400000000000000" pitchFamily="34" charset="-128"/>
+                <a:ea typeface="Yu Gothic" panose="020B0400000000000000" pitchFamily="34" charset="-128"/>
+              </a:rPr>
               <a:t>Recessive</a:t>
             </a:r>
           </a:p>
@@ -13212,7 +12564,7 @@
         <p:spPr>
           <a:xfrm>
             <a:off x="838199" y="4109884"/>
-            <a:ext cx="961482" cy="369332"/>
+            <a:ext cx="1043876" cy="369332"/>
           </a:xfrm>
           <a:prstGeom prst="rect">
             <a:avLst/>
@@ -13226,7 +12578,10 @@
           <a:lstStyle/>
           <a:p>
             <a:r>
-              <a:rPr lang="en-US" dirty="0"/>
+              <a:rPr lang="en-US" dirty="0">
+                <a:latin typeface="Yu Gothic" panose="020B0400000000000000" pitchFamily="34" charset="-128"/>
+                <a:ea typeface="Yu Gothic" panose="020B0400000000000000" pitchFamily="34" charset="-128"/>
+              </a:rPr>
               <a:t>Additive</a:t>
             </a:r>
           </a:p>
@@ -13245,7 +12600,99 @@
 </p:sld>
 </file>
 
-<file path=ppt/slides/slide22.xml><?xml version="1.0" encoding="utf-8"?>
+<file path=ppt/slides/slide2.xml><?xml version="1.0" encoding="utf-8"?>
+<p:sld xmlns:a="http://schemas.openxmlformats.org/drawingml/2006/main" xmlns:r="http://schemas.openxmlformats.org/officeDocument/2006/relationships" xmlns:p="http://schemas.openxmlformats.org/presentationml/2006/main">
+  <p:cSld>
+    <p:spTree>
+      <p:nvGrpSpPr>
+        <p:cNvPr id="1" name=""/>
+        <p:cNvGrpSpPr/>
+        <p:nvPr/>
+      </p:nvGrpSpPr>
+      <p:grpSpPr>
+        <a:xfrm>
+          <a:off x="0" y="0"/>
+          <a:ext cx="0" cy="0"/>
+          <a:chOff x="0" y="0"/>
+          <a:chExt cx="0" cy="0"/>
+        </a:xfrm>
+      </p:grpSpPr>
+      <p:sp>
+        <p:nvSpPr>
+          <p:cNvPr id="2" name="Title 1">
+            <a:extLst>
+              <a:ext uri="{FF2B5EF4-FFF2-40B4-BE49-F238E27FC236}">
+                <a16:creationId xmlns:a16="http://schemas.microsoft.com/office/drawing/2014/main" id="{E4746A5C-B80D-4DA8-82DF-70D29930F31E}"/>
+              </a:ext>
+            </a:extLst>
+          </p:cNvPr>
+          <p:cNvSpPr>
+            <a:spLocks noGrp="1"/>
+          </p:cNvSpPr>
+          <p:nvPr>
+            <p:ph type="title"/>
+          </p:nvPr>
+        </p:nvSpPr>
+        <p:spPr/>
+        <p:txBody>
+          <a:bodyPr/>
+          <a:lstStyle/>
+          <a:p>
+            <a:r>
+              <a:rPr lang="en-US" dirty="0">
+                <a:latin typeface="Yu Gothic" panose="020B0400000000000000" pitchFamily="34" charset="-128"/>
+                <a:ea typeface="Yu Gothic" panose="020B0400000000000000" pitchFamily="34" charset="-128"/>
+              </a:rPr>
+              <a:t>Logistics	</a:t>
+            </a:r>
+          </a:p>
+        </p:txBody>
+      </p:sp>
+      <p:sp>
+        <p:nvSpPr>
+          <p:cNvPr id="3" name="Content Placeholder 2">
+            <a:extLst>
+              <a:ext uri="{FF2B5EF4-FFF2-40B4-BE49-F238E27FC236}">
+                <a16:creationId xmlns:a16="http://schemas.microsoft.com/office/drawing/2014/main" id="{3A0F4140-6E41-44AB-A78E-4CF1EDDC0892}"/>
+              </a:ext>
+            </a:extLst>
+          </p:cNvPr>
+          <p:cNvSpPr>
+            <a:spLocks noGrp="1"/>
+          </p:cNvSpPr>
+          <p:nvPr>
+            <p:ph idx="1"/>
+          </p:nvPr>
+        </p:nvSpPr>
+        <p:spPr/>
+        <p:txBody>
+          <a:bodyPr/>
+          <a:lstStyle/>
+          <a:p>
+            <a:r>
+              <a:rPr lang="en-US" dirty="0">
+                <a:latin typeface="Yu Gothic" panose="020B0400000000000000" pitchFamily="34" charset="-128"/>
+                <a:ea typeface="Yu Gothic" panose="020B0400000000000000" pitchFamily="34" charset="-128"/>
+              </a:rPr>
+              <a:t>Have a nice Thanksgiving!</a:t>
+            </a:r>
+          </a:p>
+        </p:txBody>
+      </p:sp>
+    </p:spTree>
+    <p:extLst>
+      <p:ext uri="{BB962C8B-B14F-4D97-AF65-F5344CB8AC3E}">
+        <p14:creationId xmlns:p14="http://schemas.microsoft.com/office/powerpoint/2010/main" val="1443621890"/>
+      </p:ext>
+    </p:extLst>
+  </p:cSld>
+  <p:clrMapOvr>
+    <a:masterClrMapping/>
+  </p:clrMapOvr>
+</p:sld>
+</file>
+
+<file path=ppt/slides/slide20.xml><?xml version="1.0" encoding="utf-8"?>
 <p:sld xmlns:a="http://schemas.openxmlformats.org/drawingml/2006/main" xmlns:r="http://schemas.openxmlformats.org/officeDocument/2006/relationships" xmlns:p="http://schemas.openxmlformats.org/presentationml/2006/main">
   <p:cSld>
     <p:spTree>
@@ -13284,8 +12731,11 @@
           <a:lstStyle/>
           <a:p>
             <a:r>
-              <a:rPr lang="en-US" dirty="0"/>
-              <a:t>s=-0.1</a:t>
+              <a:rPr lang="en-US" dirty="0">
+                <a:latin typeface="Yu Gothic" panose="020B0400000000000000" pitchFamily="34" charset="-128"/>
+                <a:ea typeface="Yu Gothic" panose="020B0400000000000000" pitchFamily="34" charset="-128"/>
+              </a:rPr>
+              <a:t>s=-0.1 (homozygotes &gt;= X)</a:t>
             </a:r>
           </a:p>
         </p:txBody>
@@ -13305,7 +12755,7 @@
           <p:nvPr>
             <p:extLst>
               <p:ext uri="{D42A27DB-BD31-4B8C-83A1-F6EECF244321}">
-                <p14:modId xmlns:p14="http://schemas.microsoft.com/office/powerpoint/2010/main" val="3426195522"/>
+                <p14:modId xmlns:p14="http://schemas.microsoft.com/office/powerpoint/2010/main" val="1436610668"/>
               </p:ext>
             </p:extLst>
           </p:nvPr>
@@ -13524,7 +12974,7 @@
                           <a:effectLst/>
                           <a:latin typeface="Calibri" panose="020F0502020204030204" pitchFamily="34" charset="0"/>
                         </a:rPr>
-                        <a:t>21</a:t>
+                        <a:t>21 (21)</a:t>
                       </a:r>
                     </a:p>
                   </a:txBody>
@@ -13691,7 +13141,7 @@
                           <a:effectLst/>
                           <a:latin typeface="Calibri" panose="020F0502020204030204" pitchFamily="34" charset="0"/>
                         </a:rPr>
-                        <a:t>62</a:t>
+                        <a:t>62 (62)</a:t>
                       </a:r>
                     </a:p>
                   </a:txBody>
@@ -13771,7 +13221,7 @@
                           <a:effectLst/>
                           <a:latin typeface="Calibri" panose="020F0502020204030204" pitchFamily="34" charset="0"/>
                         </a:rPr>
-                        <a:t>0.145161</a:t>
+                        <a:t>0.096774</a:t>
                       </a:r>
                     </a:p>
                   </a:txBody>
@@ -13811,7 +13261,7 @@
                           <a:effectLst/>
                           <a:latin typeface="Calibri" panose="020F0502020204030204" pitchFamily="34" charset="0"/>
                         </a:rPr>
-                        <a:t>0.105131</a:t>
+                        <a:t>0.12606</a:t>
                       </a:r>
                     </a:p>
                   </a:txBody>
@@ -13858,7 +13308,7 @@
                           <a:effectLst/>
                           <a:latin typeface="Calibri" panose="020F0502020204030204" pitchFamily="34" charset="0"/>
                         </a:rPr>
-                        <a:t>88</a:t>
+                        <a:t>88 (88)</a:t>
                       </a:r>
                     </a:p>
                   </a:txBody>
@@ -13938,7 +13388,7 @@
                           <a:effectLst/>
                           <a:latin typeface="Calibri" panose="020F0502020204030204" pitchFamily="34" charset="0"/>
                         </a:rPr>
-                        <a:t>0.159091</a:t>
+                        <a:t>0.125</a:t>
                       </a:r>
                     </a:p>
                   </a:txBody>
@@ -13978,7 +13428,7 @@
                           <a:effectLst/>
                           <a:latin typeface="Calibri" panose="020F0502020204030204" pitchFamily="34" charset="0"/>
                         </a:rPr>
-                        <a:t>0.009375</a:t>
+                        <a:t>0.010293</a:t>
                       </a:r>
                     </a:p>
                   </a:txBody>
@@ -14025,7 +13475,7 @@
                           <a:effectLst/>
                           <a:latin typeface="Calibri" panose="020F0502020204030204" pitchFamily="34" charset="0"/>
                         </a:rPr>
-                        <a:t>153</a:t>
+                        <a:t>153 (153)</a:t>
                       </a:r>
                     </a:p>
                   </a:txBody>
@@ -14105,7 +13555,7 @@
                           <a:effectLst/>
                           <a:latin typeface="Calibri" panose="020F0502020204030204" pitchFamily="34" charset="0"/>
                         </a:rPr>
-                        <a:t>0.248366</a:t>
+                        <a:t>0.137255</a:t>
                       </a:r>
                     </a:p>
                   </a:txBody>
@@ -14145,7 +13595,7 @@
                           <a:effectLst/>
                           <a:latin typeface="Calibri" panose="020F0502020204030204" pitchFamily="34" charset="0"/>
                         </a:rPr>
-                        <a:t>0.002867</a:t>
+                        <a:t>0.003015</a:t>
                       </a:r>
                     </a:p>
                   </a:txBody>
@@ -14192,7 +13642,7 @@
                           <a:effectLst/>
                           <a:latin typeface="Calibri" panose="020F0502020204030204" pitchFamily="34" charset="0"/>
                         </a:rPr>
-                        <a:t>185</a:t>
+                        <a:t>185 (185)</a:t>
                       </a:r>
                     </a:p>
                   </a:txBody>
@@ -14245,6 +13695,26 @@
                     <a:p>
                       <a:pPr algn="r" fontAlgn="b"/>
                       <a:r>
+                        <a:rPr lang="en-US" sz="1600" b="0" i="0" u="none" strike="noStrike" dirty="0">
+                          <a:solidFill>
+                            <a:srgbClr val="000000"/>
+                          </a:solidFill>
+                          <a:effectLst/>
+                          <a:latin typeface="Calibri" panose="020F0502020204030204" pitchFamily="34" charset="0"/>
+                        </a:rPr>
+                        <a:t>0.027027</a:t>
+                      </a:r>
+                    </a:p>
+                  </a:txBody>
+                  <a:tcPr marL="7620" marR="7620" marT="7620" marB="0" anchor="b"/>
+                </a:tc>
+                <a:tc>
+                  <a:txBody>
+                    <a:bodyPr/>
+                    <a:lstStyle/>
+                    <a:p>
+                      <a:pPr algn="r" fontAlgn="b"/>
+                      <a:r>
                         <a:rPr lang="en-US" sz="1600" b="0" i="0" u="none" strike="noStrike">
                           <a:solidFill>
                             <a:srgbClr val="000000"/>
@@ -14252,7 +13722,7 @@
                           <a:effectLst/>
                           <a:latin typeface="Calibri" panose="020F0502020204030204" pitchFamily="34" charset="0"/>
                         </a:rPr>
-                        <a:t>0.064865</a:t>
+                        <a:t>0.118919</a:t>
                       </a:r>
                     </a:p>
                   </a:txBody>
@@ -14272,26 +13742,6 @@
                           <a:effectLst/>
                           <a:latin typeface="Calibri" panose="020F0502020204030204" pitchFamily="34" charset="0"/>
                         </a:rPr>
-                        <a:t>0.275676</a:t>
-                      </a:r>
-                    </a:p>
-                  </a:txBody>
-                  <a:tcPr marL="7620" marR="7620" marT="7620" marB="0" anchor="b"/>
-                </a:tc>
-                <a:tc>
-                  <a:txBody>
-                    <a:bodyPr/>
-                    <a:lstStyle/>
-                    <a:p>
-                      <a:pPr algn="r" fontAlgn="b"/>
-                      <a:r>
-                        <a:rPr lang="en-US" sz="1600" b="0" i="0" u="none" strike="noStrike">
-                          <a:solidFill>
-                            <a:srgbClr val="000000"/>
-                          </a:solidFill>
-                          <a:effectLst/>
-                          <a:latin typeface="Calibri" panose="020F0502020204030204" pitchFamily="34" charset="0"/>
-                        </a:rPr>
                         <a:t>4.57E-09</a:t>
                       </a:r>
                     </a:p>
@@ -14312,7 +13762,7 @@
                           <a:effectLst/>
                           <a:latin typeface="Calibri" panose="020F0502020204030204" pitchFamily="34" charset="0"/>
                         </a:rPr>
-                        <a:t>0.000168</a:t>
+                        <a:t>0.00018</a:t>
                       </a:r>
                     </a:p>
                   </a:txBody>
@@ -14343,7 +13793,7 @@
           <p:nvPr>
             <p:extLst>
               <p:ext uri="{D42A27DB-BD31-4B8C-83A1-F6EECF244321}">
-                <p14:modId xmlns:p14="http://schemas.microsoft.com/office/powerpoint/2010/main" val="3550767743"/>
+                <p14:modId xmlns:p14="http://schemas.microsoft.com/office/powerpoint/2010/main" val="3996717837"/>
               </p:ext>
             </p:extLst>
           </p:nvPr>
@@ -14562,127 +14012,127 @@
                           <a:effectLst/>
                           <a:latin typeface="Calibri" panose="020F0502020204030204" pitchFamily="34" charset="0"/>
                         </a:rPr>
+                        <a:t>1 (1)</a:t>
+                      </a:r>
+                    </a:p>
+                  </a:txBody>
+                  <a:tcPr marL="7620" marR="7620" marT="7620" marB="0" anchor="b"/>
+                </a:tc>
+                <a:tc>
+                  <a:txBody>
+                    <a:bodyPr/>
+                    <a:lstStyle/>
+                    <a:p>
+                      <a:pPr algn="r" fontAlgn="b"/>
+                      <a:r>
+                        <a:rPr lang="en-US" sz="1600" b="0" i="0" u="none" strike="noStrike">
+                          <a:solidFill>
+                            <a:srgbClr val="000000"/>
+                          </a:solidFill>
+                          <a:effectLst/>
+                          <a:latin typeface="Calibri" panose="020F0502020204030204" pitchFamily="34" charset="0"/>
+                        </a:rPr>
+                        <a:t>0</a:t>
+                      </a:r>
+                    </a:p>
+                  </a:txBody>
+                  <a:tcPr marL="7620" marR="7620" marT="7620" marB="0" anchor="b"/>
+                </a:tc>
+                <a:tc>
+                  <a:txBody>
+                    <a:bodyPr/>
+                    <a:lstStyle/>
+                    <a:p>
+                      <a:pPr algn="r" fontAlgn="b"/>
+                      <a:r>
+                        <a:rPr lang="en-US" sz="1600" b="0" i="0" u="none" strike="noStrike">
+                          <a:solidFill>
+                            <a:srgbClr val="000000"/>
+                          </a:solidFill>
+                          <a:effectLst/>
+                          <a:latin typeface="Calibri" panose="020F0502020204030204" pitchFamily="34" charset="0"/>
+                        </a:rPr>
+                        <a:t>0</a:t>
+                      </a:r>
+                    </a:p>
+                  </a:txBody>
+                  <a:tcPr marL="7620" marR="7620" marT="7620" marB="0" anchor="b"/>
+                </a:tc>
+                <a:tc>
+                  <a:txBody>
+                    <a:bodyPr/>
+                    <a:lstStyle/>
+                    <a:p>
+                      <a:pPr algn="r" fontAlgn="b"/>
+                      <a:r>
+                        <a:rPr lang="en-US" sz="1600" b="0" i="0" u="none" strike="noStrike">
+                          <a:solidFill>
+                            <a:srgbClr val="000000"/>
+                          </a:solidFill>
+                          <a:effectLst/>
+                          <a:latin typeface="Calibri" panose="020F0502020204030204" pitchFamily="34" charset="0"/>
+                        </a:rPr>
+                        <a:t>0</a:t>
+                      </a:r>
+                    </a:p>
+                  </a:txBody>
+                  <a:tcPr marL="7620" marR="7620" marT="7620" marB="0" anchor="b"/>
+                </a:tc>
+                <a:tc>
+                  <a:txBody>
+                    <a:bodyPr/>
+                    <a:lstStyle/>
+                    <a:p>
+                      <a:pPr algn="r" fontAlgn="b"/>
+                      <a:r>
+                        <a:rPr lang="en-US" sz="1600" b="0" i="0" u="none" strike="noStrike">
+                          <a:solidFill>
+                            <a:srgbClr val="000000"/>
+                          </a:solidFill>
+                          <a:effectLst/>
+                          <a:latin typeface="Calibri" panose="020F0502020204030204" pitchFamily="34" charset="0"/>
+                        </a:rPr>
+                        <a:t>0</a:t>
+                      </a:r>
+                    </a:p>
+                  </a:txBody>
+                  <a:tcPr marL="7620" marR="7620" marT="7620" marB="0" anchor="b"/>
+                </a:tc>
+                <a:tc>
+                  <a:txBody>
+                    <a:bodyPr/>
+                    <a:lstStyle/>
+                    <a:p>
+                      <a:pPr algn="r" fontAlgn="b"/>
+                      <a:r>
+                        <a:rPr lang="en-US" sz="1600" b="0" i="0" u="none" strike="noStrike">
+                          <a:solidFill>
+                            <a:srgbClr val="000000"/>
+                          </a:solidFill>
+                          <a:effectLst/>
+                          <a:latin typeface="Calibri" panose="020F0502020204030204" pitchFamily="34" charset="0"/>
+                        </a:rPr>
+                        <a:t>0.855808</a:t>
+                      </a:r>
+                    </a:p>
+                  </a:txBody>
+                  <a:tcPr marL="7620" marR="7620" marT="7620" marB="0" anchor="b"/>
+                </a:tc>
+                <a:tc>
+                  <a:txBody>
+                    <a:bodyPr/>
+                    <a:lstStyle/>
+                    <a:p>
+                      <a:pPr algn="r" fontAlgn="b"/>
+                      <a:r>
+                        <a:rPr lang="en-US" sz="1600" b="0" i="0" u="none" strike="noStrike" dirty="0">
+                          <a:solidFill>
+                            <a:srgbClr val="000000"/>
+                          </a:solidFill>
+                          <a:effectLst/>
+                          <a:latin typeface="Calibri" panose="020F0502020204030204" pitchFamily="34" charset="0"/>
+                        </a:rPr>
                         <a:t>1</a:t>
-                      </a:r>
-                    </a:p>
-                  </a:txBody>
-                  <a:tcPr marL="7620" marR="7620" marT="7620" marB="0" anchor="b"/>
-                </a:tc>
-                <a:tc>
-                  <a:txBody>
-                    <a:bodyPr/>
-                    <a:lstStyle/>
-                    <a:p>
-                      <a:pPr algn="r" fontAlgn="b"/>
-                      <a:r>
-                        <a:rPr lang="en-US" sz="1600" b="0" i="0" u="none" strike="noStrike" dirty="0">
-                          <a:solidFill>
-                            <a:srgbClr val="000000"/>
-                          </a:solidFill>
-                          <a:effectLst/>
-                          <a:latin typeface="Calibri" panose="020F0502020204030204" pitchFamily="34" charset="0"/>
-                        </a:rPr>
-                        <a:t>0</a:t>
-                      </a:r>
-                    </a:p>
-                  </a:txBody>
-                  <a:tcPr marL="7620" marR="7620" marT="7620" marB="0" anchor="b"/>
-                </a:tc>
-                <a:tc>
-                  <a:txBody>
-                    <a:bodyPr/>
-                    <a:lstStyle/>
-                    <a:p>
-                      <a:pPr algn="r" fontAlgn="b"/>
-                      <a:r>
-                        <a:rPr lang="en-US" sz="1600" b="0" i="0" u="none" strike="noStrike">
-                          <a:solidFill>
-                            <a:srgbClr val="000000"/>
-                          </a:solidFill>
-                          <a:effectLst/>
-                          <a:latin typeface="Calibri" panose="020F0502020204030204" pitchFamily="34" charset="0"/>
-                        </a:rPr>
-                        <a:t>0</a:t>
-                      </a:r>
-                    </a:p>
-                  </a:txBody>
-                  <a:tcPr marL="7620" marR="7620" marT="7620" marB="0" anchor="b"/>
-                </a:tc>
-                <a:tc>
-                  <a:txBody>
-                    <a:bodyPr/>
-                    <a:lstStyle/>
-                    <a:p>
-                      <a:pPr algn="r" fontAlgn="b"/>
-                      <a:r>
-                        <a:rPr lang="en-US" sz="1600" b="0" i="0" u="none" strike="noStrike">
-                          <a:solidFill>
-                            <a:srgbClr val="000000"/>
-                          </a:solidFill>
-                          <a:effectLst/>
-                          <a:latin typeface="Calibri" panose="020F0502020204030204" pitchFamily="34" charset="0"/>
-                        </a:rPr>
-                        <a:t>0</a:t>
-                      </a:r>
-                    </a:p>
-                  </a:txBody>
-                  <a:tcPr marL="7620" marR="7620" marT="7620" marB="0" anchor="b"/>
-                </a:tc>
-                <a:tc>
-                  <a:txBody>
-                    <a:bodyPr/>
-                    <a:lstStyle/>
-                    <a:p>
-                      <a:pPr algn="r" fontAlgn="b"/>
-                      <a:r>
-                        <a:rPr lang="en-US" sz="1600" b="0" i="0" u="none" strike="noStrike">
-                          <a:solidFill>
-                            <a:srgbClr val="000000"/>
-                          </a:solidFill>
-                          <a:effectLst/>
-                          <a:latin typeface="Calibri" panose="020F0502020204030204" pitchFamily="34" charset="0"/>
-                        </a:rPr>
-                        <a:t>0</a:t>
-                      </a:r>
-                    </a:p>
-                  </a:txBody>
-                  <a:tcPr marL="7620" marR="7620" marT="7620" marB="0" anchor="b"/>
-                </a:tc>
-                <a:tc>
-                  <a:txBody>
-                    <a:bodyPr/>
-                    <a:lstStyle/>
-                    <a:p>
-                      <a:pPr algn="r" fontAlgn="b"/>
-                      <a:r>
-                        <a:rPr lang="en-US" sz="1600" b="0" i="0" u="none" strike="noStrike">
-                          <a:solidFill>
-                            <a:srgbClr val="000000"/>
-                          </a:solidFill>
-                          <a:effectLst/>
-                          <a:latin typeface="Calibri" panose="020F0502020204030204" pitchFamily="34" charset="0"/>
-                        </a:rPr>
-                        <a:t>0.855808</a:t>
-                      </a:r>
-                    </a:p>
-                  </a:txBody>
-                  <a:tcPr marL="7620" marR="7620" marT="7620" marB="0" anchor="b"/>
-                </a:tc>
-                <a:tc>
-                  <a:txBody>
-                    <a:bodyPr/>
-                    <a:lstStyle/>
-                    <a:p>
-                      <a:pPr algn="r" fontAlgn="b"/>
-                      <a:r>
-                        <a:rPr lang="en-US" sz="1600" b="0" i="0" u="none" strike="noStrike" dirty="0">
-                          <a:solidFill>
-                            <a:srgbClr val="000000"/>
-                          </a:solidFill>
-                          <a:effectLst/>
-                          <a:latin typeface="Calibri" panose="020F0502020204030204" pitchFamily="34" charset="0"/>
-                        </a:rPr>
-                        <a:t>0.842105</a:t>
                       </a:r>
                     </a:p>
                   </a:txBody>
@@ -14729,7 +14179,27 @@
                           <a:effectLst/>
                           <a:latin typeface="Calibri" panose="020F0502020204030204" pitchFamily="34" charset="0"/>
                         </a:rPr>
-                        <a:t>5</a:t>
+                        <a:t>5 (5)</a:t>
+                      </a:r>
+                    </a:p>
+                  </a:txBody>
+                  <a:tcPr marL="7620" marR="7620" marT="7620" marB="0" anchor="b"/>
+                </a:tc>
+                <a:tc>
+                  <a:txBody>
+                    <a:bodyPr/>
+                    <a:lstStyle/>
+                    <a:p>
+                      <a:pPr algn="r" fontAlgn="b"/>
+                      <a:r>
+                        <a:rPr lang="en-US" sz="1600" b="0" i="0" u="none" strike="noStrike">
+                          <a:solidFill>
+                            <a:srgbClr val="000000"/>
+                          </a:solidFill>
+                          <a:effectLst/>
+                          <a:latin typeface="Calibri" panose="020F0502020204030204" pitchFamily="34" charset="0"/>
+                        </a:rPr>
+                        <a:t>0</a:t>
                       </a:r>
                     </a:p>
                   </a:txBody>
@@ -14809,26 +14279,6 @@
                           <a:effectLst/>
                           <a:latin typeface="Calibri" panose="020F0502020204030204" pitchFamily="34" charset="0"/>
                         </a:rPr>
-                        <a:t>0</a:t>
-                      </a:r>
-                    </a:p>
-                  </a:txBody>
-                  <a:tcPr marL="7620" marR="7620" marT="7620" marB="0" anchor="b"/>
-                </a:tc>
-                <a:tc>
-                  <a:txBody>
-                    <a:bodyPr/>
-                    <a:lstStyle/>
-                    <a:p>
-                      <a:pPr algn="r" fontAlgn="b"/>
-                      <a:r>
-                        <a:rPr lang="en-US" sz="1600" b="0" i="0" u="none" strike="noStrike">
-                          <a:solidFill>
-                            <a:srgbClr val="000000"/>
-                          </a:solidFill>
-                          <a:effectLst/>
-                          <a:latin typeface="Calibri" panose="020F0502020204030204" pitchFamily="34" charset="0"/>
-                        </a:rPr>
                         <a:t>0.933091</a:t>
                       </a:r>
                     </a:p>
@@ -14849,7 +14299,7 @@
                           <a:effectLst/>
                           <a:latin typeface="Calibri" panose="020F0502020204030204" pitchFamily="34" charset="0"/>
                         </a:rPr>
-                        <a:t>0.900552</a:t>
+                        <a:t>1</a:t>
                       </a:r>
                     </a:p>
                   </a:txBody>
@@ -14896,7 +14346,7 @@
                           <a:effectLst/>
                           <a:latin typeface="Calibri" panose="020F0502020204030204" pitchFamily="34" charset="0"/>
                         </a:rPr>
-                        <a:t>13</a:t>
+                        <a:t>13 (13)</a:t>
                       </a:r>
                     </a:p>
                   </a:txBody>
@@ -15016,7 +14466,7 @@
                           <a:effectLst/>
                           <a:latin typeface="Calibri" panose="020F0502020204030204" pitchFamily="34" charset="0"/>
                         </a:rPr>
-                        <a:t>0.984925</a:t>
+                        <a:t>1</a:t>
                       </a:r>
                     </a:p>
                   </a:txBody>
@@ -15063,7 +14513,107 @@
                           <a:effectLst/>
                           <a:latin typeface="Calibri" panose="020F0502020204030204" pitchFamily="34" charset="0"/>
                         </a:rPr>
-                        <a:t>54</a:t>
+                        <a:t>54 (54)</a:t>
+                      </a:r>
+                    </a:p>
+                  </a:txBody>
+                  <a:tcPr marL="7620" marR="7620" marT="7620" marB="0" anchor="b"/>
+                </a:tc>
+                <a:tc>
+                  <a:txBody>
+                    <a:bodyPr/>
+                    <a:lstStyle/>
+                    <a:p>
+                      <a:pPr algn="r" fontAlgn="b"/>
+                      <a:r>
+                        <a:rPr lang="en-US" sz="1600" b="0" i="0" u="none" strike="noStrike">
+                          <a:solidFill>
+                            <a:srgbClr val="000000"/>
+                          </a:solidFill>
+                          <a:effectLst/>
+                          <a:latin typeface="Calibri" panose="020F0502020204030204" pitchFamily="34" charset="0"/>
+                        </a:rPr>
+                        <a:t>0.018519</a:t>
+                      </a:r>
+                    </a:p>
+                  </a:txBody>
+                  <a:tcPr marL="7620" marR="7620" marT="7620" marB="0" anchor="b"/>
+                </a:tc>
+                <a:tc>
+                  <a:txBody>
+                    <a:bodyPr/>
+                    <a:lstStyle/>
+                    <a:p>
+                      <a:pPr algn="r" fontAlgn="b"/>
+                      <a:r>
+                        <a:rPr lang="en-US" sz="1600" b="0" i="0" u="none" strike="noStrike">
+                          <a:solidFill>
+                            <a:srgbClr val="000000"/>
+                          </a:solidFill>
+                          <a:effectLst/>
+                          <a:latin typeface="Calibri" panose="020F0502020204030204" pitchFamily="34" charset="0"/>
+                        </a:rPr>
+                        <a:t>0.018519</a:t>
+                      </a:r>
+                    </a:p>
+                  </a:txBody>
+                  <a:tcPr marL="7620" marR="7620" marT="7620" marB="0" anchor="b"/>
+                </a:tc>
+                <a:tc>
+                  <a:txBody>
+                    <a:bodyPr/>
+                    <a:lstStyle/>
+                    <a:p>
+                      <a:pPr algn="r" fontAlgn="b"/>
+                      <a:r>
+                        <a:rPr lang="en-US" sz="1600" b="0" i="0" u="none" strike="noStrike">
+                          <a:solidFill>
+                            <a:srgbClr val="000000"/>
+                          </a:solidFill>
+                          <a:effectLst/>
+                          <a:latin typeface="Calibri" panose="020F0502020204030204" pitchFamily="34" charset="0"/>
+                        </a:rPr>
+                        <a:t>0.018519</a:t>
+                      </a:r>
+                    </a:p>
+                  </a:txBody>
+                  <a:tcPr marL="7620" marR="7620" marT="7620" marB="0" anchor="b"/>
+                </a:tc>
+                <a:tc>
+                  <a:txBody>
+                    <a:bodyPr/>
+                    <a:lstStyle/>
+                    <a:p>
+                      <a:pPr algn="r" fontAlgn="b"/>
+                      <a:r>
+                        <a:rPr lang="en-US" sz="1600" b="0" i="0" u="none" strike="noStrike">
+                          <a:solidFill>
+                            <a:srgbClr val="000000"/>
+                          </a:solidFill>
+                          <a:effectLst/>
+                          <a:latin typeface="Calibri" panose="020F0502020204030204" pitchFamily="34" charset="0"/>
+                        </a:rPr>
+                        <a:t>0.018519</a:t>
+                      </a:r>
+                    </a:p>
+                  </a:txBody>
+                  <a:tcPr marL="7620" marR="7620" marT="7620" marB="0" anchor="b"/>
+                </a:tc>
+                <a:tc>
+                  <a:txBody>
+                    <a:bodyPr/>
+                    <a:lstStyle/>
+                    <a:p>
+                      <a:pPr algn="r" fontAlgn="b"/>
+                      <a:r>
+                        <a:rPr lang="en-US" sz="1600" b="0" i="0" u="none" strike="noStrike">
+                          <a:solidFill>
+                            <a:srgbClr val="000000"/>
+                          </a:solidFill>
+                          <a:effectLst/>
+                          <a:latin typeface="Calibri" panose="020F0502020204030204" pitchFamily="34" charset="0"/>
+                        </a:rPr>
+                        <a:t>1.68E-12</a:t>
                       </a:r>
                     </a:p>
                   </a:txBody>
@@ -15083,107 +14633,7 @@
                           <a:effectLst/>
                           <a:latin typeface="Calibri" panose="020F0502020204030204" pitchFamily="34" charset="0"/>
                         </a:rPr>
-                        <a:t>0.018519</a:t>
-                      </a:r>
-                    </a:p>
-                  </a:txBody>
-                  <a:tcPr marL="7620" marR="7620" marT="7620" marB="0" anchor="b"/>
-                </a:tc>
-                <a:tc>
-                  <a:txBody>
-                    <a:bodyPr/>
-                    <a:lstStyle/>
-                    <a:p>
-                      <a:pPr algn="r" fontAlgn="b"/>
-                      <a:r>
-                        <a:rPr lang="en-US" sz="1600" b="0" i="0" u="none" strike="noStrike">
-                          <a:solidFill>
-                            <a:srgbClr val="000000"/>
-                          </a:solidFill>
-                          <a:effectLst/>
-                          <a:latin typeface="Calibri" panose="020F0502020204030204" pitchFamily="34" charset="0"/>
-                        </a:rPr>
-                        <a:t>0.018519</a:t>
-                      </a:r>
-                    </a:p>
-                  </a:txBody>
-                  <a:tcPr marL="7620" marR="7620" marT="7620" marB="0" anchor="b"/>
-                </a:tc>
-                <a:tc>
-                  <a:txBody>
-                    <a:bodyPr/>
-                    <a:lstStyle/>
-                    <a:p>
-                      <a:pPr algn="r" fontAlgn="b"/>
-                      <a:r>
-                        <a:rPr lang="en-US" sz="1600" b="0" i="0" u="none" strike="noStrike">
-                          <a:solidFill>
-                            <a:srgbClr val="000000"/>
-                          </a:solidFill>
-                          <a:effectLst/>
-                          <a:latin typeface="Calibri" panose="020F0502020204030204" pitchFamily="34" charset="0"/>
-                        </a:rPr>
-                        <a:t>0.018519</a:t>
-                      </a:r>
-                    </a:p>
-                  </a:txBody>
-                  <a:tcPr marL="7620" marR="7620" marT="7620" marB="0" anchor="b"/>
-                </a:tc>
-                <a:tc>
-                  <a:txBody>
-                    <a:bodyPr/>
-                    <a:lstStyle/>
-                    <a:p>
-                      <a:pPr algn="r" fontAlgn="b"/>
-                      <a:r>
-                        <a:rPr lang="en-US" sz="1600" b="0" i="0" u="none" strike="noStrike">
-                          <a:solidFill>
-                            <a:srgbClr val="000000"/>
-                          </a:solidFill>
-                          <a:effectLst/>
-                          <a:latin typeface="Calibri" panose="020F0502020204030204" pitchFamily="34" charset="0"/>
-                        </a:rPr>
-                        <a:t>0.018519</a:t>
-                      </a:r>
-                    </a:p>
-                  </a:txBody>
-                  <a:tcPr marL="7620" marR="7620" marT="7620" marB="0" anchor="b"/>
-                </a:tc>
-                <a:tc>
-                  <a:txBody>
-                    <a:bodyPr/>
-                    <a:lstStyle/>
-                    <a:p>
-                      <a:pPr algn="r" fontAlgn="b"/>
-                      <a:r>
-                        <a:rPr lang="en-US" sz="1600" b="0" i="0" u="none" strike="noStrike">
-                          <a:solidFill>
-                            <a:srgbClr val="000000"/>
-                          </a:solidFill>
-                          <a:effectLst/>
-                          <a:latin typeface="Calibri" panose="020F0502020204030204" pitchFamily="34" charset="0"/>
-                        </a:rPr>
-                        <a:t>1.68E-12</a:t>
-                      </a:r>
-                    </a:p>
-                  </a:txBody>
-                  <a:tcPr marL="7620" marR="7620" marT="7620" marB="0" anchor="b"/>
-                </a:tc>
-                <a:tc>
-                  <a:txBody>
-                    <a:bodyPr/>
-                    <a:lstStyle/>
-                    <a:p>
-                      <a:pPr algn="r" fontAlgn="b"/>
-                      <a:r>
-                        <a:rPr lang="en-US" sz="1600" b="0" i="0" u="none" strike="noStrike" dirty="0">
-                          <a:solidFill>
-                            <a:srgbClr val="000000"/>
-                          </a:solidFill>
-                          <a:effectLst/>
-                          <a:latin typeface="Calibri" panose="020F0502020204030204" pitchFamily="34" charset="0"/>
-                        </a:rPr>
-                        <a:t>0.014925</a:t>
+                        <a:t>0.01497</a:t>
                       </a:r>
                     </a:p>
                   </a:txBody>
@@ -15230,7 +14680,107 @@
                           <a:effectLst/>
                           <a:latin typeface="Calibri" panose="020F0502020204030204" pitchFamily="34" charset="0"/>
                         </a:rPr>
-                        <a:t>79</a:t>
+                        <a:t>79 (79)</a:t>
+                      </a:r>
+                    </a:p>
+                  </a:txBody>
+                  <a:tcPr marL="7620" marR="7620" marT="7620" marB="0" anchor="b"/>
+                </a:tc>
+                <a:tc>
+                  <a:txBody>
+                    <a:bodyPr/>
+                    <a:lstStyle/>
+                    <a:p>
+                      <a:pPr algn="r" fontAlgn="b"/>
+                      <a:r>
+                        <a:rPr lang="en-US" sz="1600" b="0" i="0" u="none" strike="noStrike">
+                          <a:solidFill>
+                            <a:srgbClr val="000000"/>
+                          </a:solidFill>
+                          <a:effectLst/>
+                          <a:latin typeface="Calibri" panose="020F0502020204030204" pitchFamily="34" charset="0"/>
+                        </a:rPr>
+                        <a:t>0.012658</a:t>
+                      </a:r>
+                    </a:p>
+                  </a:txBody>
+                  <a:tcPr marL="7620" marR="7620" marT="7620" marB="0" anchor="b"/>
+                </a:tc>
+                <a:tc>
+                  <a:txBody>
+                    <a:bodyPr/>
+                    <a:lstStyle/>
+                    <a:p>
+                      <a:pPr algn="r" fontAlgn="b"/>
+                      <a:r>
+                        <a:rPr lang="en-US" sz="1600" b="0" i="0" u="none" strike="noStrike">
+                          <a:solidFill>
+                            <a:srgbClr val="000000"/>
+                          </a:solidFill>
+                          <a:effectLst/>
+                          <a:latin typeface="Calibri" panose="020F0502020204030204" pitchFamily="34" charset="0"/>
+                        </a:rPr>
+                        <a:t>0.025316</a:t>
+                      </a:r>
+                    </a:p>
+                  </a:txBody>
+                  <a:tcPr marL="7620" marR="7620" marT="7620" marB="0" anchor="b"/>
+                </a:tc>
+                <a:tc>
+                  <a:txBody>
+                    <a:bodyPr/>
+                    <a:lstStyle/>
+                    <a:p>
+                      <a:pPr algn="r" fontAlgn="b"/>
+                      <a:r>
+                        <a:rPr lang="en-US" sz="1600" b="0" i="0" u="none" strike="noStrike">
+                          <a:solidFill>
+                            <a:srgbClr val="000000"/>
+                          </a:solidFill>
+                          <a:effectLst/>
+                          <a:latin typeface="Calibri" panose="020F0502020204030204" pitchFamily="34" charset="0"/>
+                        </a:rPr>
+                        <a:t>0.012658</a:t>
+                      </a:r>
+                    </a:p>
+                  </a:txBody>
+                  <a:tcPr marL="7620" marR="7620" marT="7620" marB="0" anchor="b"/>
+                </a:tc>
+                <a:tc>
+                  <a:txBody>
+                    <a:bodyPr/>
+                    <a:lstStyle/>
+                    <a:p>
+                      <a:pPr algn="r" fontAlgn="b"/>
+                      <a:r>
+                        <a:rPr lang="en-US" sz="1600" b="0" i="0" u="none" strike="noStrike">
+                          <a:solidFill>
+                            <a:srgbClr val="000000"/>
+                          </a:solidFill>
+                          <a:effectLst/>
+                          <a:latin typeface="Calibri" panose="020F0502020204030204" pitchFamily="34" charset="0"/>
+                        </a:rPr>
+                        <a:t>0.025316</a:t>
+                      </a:r>
+                    </a:p>
+                  </a:txBody>
+                  <a:tcPr marL="7620" marR="7620" marT="7620" marB="0" anchor="b"/>
+                </a:tc>
+                <a:tc>
+                  <a:txBody>
+                    <a:bodyPr/>
+                    <a:lstStyle/>
+                    <a:p>
+                      <a:pPr algn="r" fontAlgn="b"/>
+                      <a:r>
+                        <a:rPr lang="en-US" sz="1600" b="0" i="0" u="none" strike="noStrike">
+                          <a:solidFill>
+                            <a:srgbClr val="000000"/>
+                          </a:solidFill>
+                          <a:effectLst/>
+                          <a:latin typeface="Calibri" panose="020F0502020204030204" pitchFamily="34" charset="0"/>
+                        </a:rPr>
+                        <a:t>3.33E-07</a:t>
                       </a:r>
                     </a:p>
                   </a:txBody>
@@ -15250,107 +14800,7 @@
                           <a:effectLst/>
                           <a:latin typeface="Calibri" panose="020F0502020204030204" pitchFamily="34" charset="0"/>
                         </a:rPr>
-                        <a:t>0.012658</a:t>
-                      </a:r>
-                    </a:p>
-                  </a:txBody>
-                  <a:tcPr marL="7620" marR="7620" marT="7620" marB="0" anchor="b"/>
-                </a:tc>
-                <a:tc>
-                  <a:txBody>
-                    <a:bodyPr/>
-                    <a:lstStyle/>
-                    <a:p>
-                      <a:pPr algn="r" fontAlgn="b"/>
-                      <a:r>
-                        <a:rPr lang="en-US" sz="1600" b="0" i="0" u="none" strike="noStrike">
-                          <a:solidFill>
-                            <a:srgbClr val="000000"/>
-                          </a:solidFill>
-                          <a:effectLst/>
-                          <a:latin typeface="Calibri" panose="020F0502020204030204" pitchFamily="34" charset="0"/>
-                        </a:rPr>
-                        <a:t>0.025316</a:t>
-                      </a:r>
-                    </a:p>
-                  </a:txBody>
-                  <a:tcPr marL="7620" marR="7620" marT="7620" marB="0" anchor="b"/>
-                </a:tc>
-                <a:tc>
-                  <a:txBody>
-                    <a:bodyPr/>
-                    <a:lstStyle/>
-                    <a:p>
-                      <a:pPr algn="r" fontAlgn="b"/>
-                      <a:r>
-                        <a:rPr lang="en-US" sz="1600" b="0" i="0" u="none" strike="noStrike">
-                          <a:solidFill>
-                            <a:srgbClr val="000000"/>
-                          </a:solidFill>
-                          <a:effectLst/>
-                          <a:latin typeface="Calibri" panose="020F0502020204030204" pitchFamily="34" charset="0"/>
-                        </a:rPr>
-                        <a:t>0.012658</a:t>
-                      </a:r>
-                    </a:p>
-                  </a:txBody>
-                  <a:tcPr marL="7620" marR="7620" marT="7620" marB="0" anchor="b"/>
-                </a:tc>
-                <a:tc>
-                  <a:txBody>
-                    <a:bodyPr/>
-                    <a:lstStyle/>
-                    <a:p>
-                      <a:pPr algn="r" fontAlgn="b"/>
-                      <a:r>
-                        <a:rPr lang="en-US" sz="1600" b="0" i="0" u="none" strike="noStrike">
-                          <a:solidFill>
-                            <a:srgbClr val="000000"/>
-                          </a:solidFill>
-                          <a:effectLst/>
-                          <a:latin typeface="Calibri" panose="020F0502020204030204" pitchFamily="34" charset="0"/>
-                        </a:rPr>
-                        <a:t>0.025316</a:t>
-                      </a:r>
-                    </a:p>
-                  </a:txBody>
-                  <a:tcPr marL="7620" marR="7620" marT="7620" marB="0" anchor="b"/>
-                </a:tc>
-                <a:tc>
-                  <a:txBody>
-                    <a:bodyPr/>
-                    <a:lstStyle/>
-                    <a:p>
-                      <a:pPr algn="r" fontAlgn="b"/>
-                      <a:r>
-                        <a:rPr lang="en-US" sz="1600" b="0" i="0" u="none" strike="noStrike">
-                          <a:solidFill>
-                            <a:srgbClr val="000000"/>
-                          </a:solidFill>
-                          <a:effectLst/>
-                          <a:latin typeface="Calibri" panose="020F0502020204030204" pitchFamily="34" charset="0"/>
-                        </a:rPr>
-                        <a:t>3.33E-07</a:t>
-                      </a:r>
-                    </a:p>
-                  </a:txBody>
-                  <a:tcPr marL="7620" marR="7620" marT="7620" marB="0" anchor="b"/>
-                </a:tc>
-                <a:tc>
-                  <a:txBody>
-                    <a:bodyPr/>
-                    <a:lstStyle/>
-                    <a:p>
-                      <a:pPr algn="r" fontAlgn="b"/>
-                      <a:r>
-                        <a:rPr lang="en-US" sz="1600" b="0" i="0" u="none" strike="noStrike" dirty="0">
-                          <a:solidFill>
-                            <a:srgbClr val="000000"/>
-                          </a:solidFill>
-                          <a:effectLst/>
-                          <a:latin typeface="Calibri" panose="020F0502020204030204" pitchFamily="34" charset="0"/>
-                        </a:rPr>
-                        <a:t>0.005088</a:t>
+                        <a:t>0.005222</a:t>
                       </a:r>
                     </a:p>
                   </a:txBody>
@@ -15381,7 +14831,7 @@
         <p:spPr>
           <a:xfrm>
             <a:off x="838200" y="1321356"/>
-            <a:ext cx="1084079" cy="369332"/>
+            <a:ext cx="1249060" cy="369332"/>
           </a:xfrm>
           <a:prstGeom prst="rect">
             <a:avLst/>
@@ -15395,7 +14845,10 @@
           <a:lstStyle/>
           <a:p>
             <a:r>
-              <a:rPr lang="en-US" dirty="0"/>
+              <a:rPr lang="en-US" dirty="0">
+                <a:latin typeface="Yu Gothic" panose="020B0400000000000000" pitchFamily="34" charset="-128"/>
+                <a:ea typeface="Yu Gothic" panose="020B0400000000000000" pitchFamily="34" charset="-128"/>
+              </a:rPr>
               <a:t>Recessive</a:t>
             </a:r>
           </a:p>
@@ -15416,7 +14869,7 @@
         <p:spPr>
           <a:xfrm>
             <a:off x="838199" y="4109884"/>
-            <a:ext cx="961482" cy="369332"/>
+            <a:ext cx="1043876" cy="369332"/>
           </a:xfrm>
           <a:prstGeom prst="rect">
             <a:avLst/>
@@ -15430,7 +14883,10 @@
           <a:lstStyle/>
           <a:p>
             <a:r>
-              <a:rPr lang="en-US" dirty="0"/>
+              <a:rPr lang="en-US" dirty="0">
+                <a:latin typeface="Yu Gothic" panose="020B0400000000000000" pitchFamily="34" charset="-128"/>
+                <a:ea typeface="Yu Gothic" panose="020B0400000000000000" pitchFamily="34" charset="-128"/>
+              </a:rPr>
               <a:t>Additive</a:t>
             </a:r>
           </a:p>
@@ -15449,7 +14905,7 @@
 </p:sld>
 </file>
 
-<file path=ppt/slides/slide23.xml><?xml version="1.0" encoding="utf-8"?>
+<file path=ppt/slides/slide21.xml><?xml version="1.0" encoding="utf-8"?>
 <p:sld xmlns:a="http://schemas.openxmlformats.org/drawingml/2006/main" xmlns:r="http://schemas.openxmlformats.org/officeDocument/2006/relationships" xmlns:p="http://schemas.openxmlformats.org/presentationml/2006/main">
   <p:cSld>
     <p:spTree>
@@ -15518,40 +14974,74 @@
           <a:lstStyle/>
           <a:p>
             <a:r>
+              <a:rPr lang="en-US" b="1" dirty="0"/>
+              <a:t>Cases where </a:t>
+            </a:r>
+            <a:r>
+              <a:rPr lang="en-US" b="1" dirty="0" err="1"/>
+              <a:t>n_ton</a:t>
+            </a:r>
+            <a:r>
+              <a:rPr lang="en-US" b="1" dirty="0"/>
+              <a:t> &gt; </a:t>
+            </a:r>
+            <a:r>
+              <a:rPr lang="en-US" b="1" dirty="0" err="1"/>
+              <a:t>num_ind</a:t>
+            </a:r>
+            <a:endParaRPr lang="en-US" b="1" dirty="0"/>
+          </a:p>
+          <a:p>
+            <a:pPr lvl="1"/>
+            <a:r>
+              <a:rPr lang="en-US" b="1" dirty="0"/>
+              <a:t>Reverse the minor allele</a:t>
+            </a:r>
+          </a:p>
+          <a:p>
+            <a:r>
               <a:rPr lang="en-US" dirty="0"/>
-              <a:t>Try different seed</a:t>
-            </a:r>
-          </a:p>
-          <a:p>
+              <a:t>Compute average number of homozygotes in data</a:t>
+            </a:r>
+          </a:p>
+          <a:p>
+            <a:pPr lvl="1"/>
             <a:r>
               <a:rPr lang="en-US" dirty="0"/>
-              <a:t>Compute one-sided t-test (&lt;= x homozygotes)</a:t>
-            </a:r>
-          </a:p>
-          <a:p>
+              <a:t>Compare to expected number of homozygotes</a:t>
+            </a:r>
+          </a:p>
+          <a:p>
+            <a:pPr lvl="1"/>
             <a:r>
               <a:rPr lang="en-US" dirty="0"/>
-              <a:t>Compute one-sided t-test (&gt;= x homozygotes)</a:t>
-            </a:r>
-          </a:p>
-          <a:p>
+              <a:t>Partition by </a:t>
+            </a:r>
+            <a:r>
+              <a:rPr lang="en-US" dirty="0" err="1"/>
+              <a:t>n_ton</a:t>
+            </a:r>
             <a:r>
               <a:rPr lang="en-US" dirty="0"/>
-              <a:t>Computed two-sided test</a:t>
-            </a:r>
-          </a:p>
-          <a:p>
-            <a:pPr lvl="1"/>
+              <a:t> count</a:t>
+            </a:r>
+          </a:p>
+          <a:p>
             <a:r>
               <a:rPr lang="en-US" dirty="0"/>
-              <a:t>Find pr(X=x)</a:t>
-            </a:r>
-          </a:p>
-          <a:p>
-            <a:pPr lvl="1"/>
+              <a:t>Simulation with 5000 and 10000 individuals</a:t>
+            </a:r>
+          </a:p>
+          <a:p>
             <a:r>
               <a:rPr lang="en-US" dirty="0"/>
-              <a:t>Sum all probabilities &lt;= x, i.e., the more extreme cases.</a:t>
+              <a:t>Plot both one-sided cases</a:t>
+            </a:r>
+          </a:p>
+          <a:p>
+            <a:r>
+              <a:rPr lang="en-US" dirty="0"/>
+              <a:t>Plot two-sided cases</a:t>
             </a:r>
           </a:p>
           <a:p>
@@ -15559,10 +15049,6 @@
               <a:rPr lang="en-US" dirty="0"/>
               <a:t>Bin p-values for boxplot</a:t>
             </a:r>
-          </a:p>
-          <a:p>
-            <a:pPr lvl="1"/>
-            <a:endParaRPr lang="en-US" dirty="0"/>
           </a:p>
           <a:p>
             <a:endParaRPr lang="en-US" dirty="0"/>
@@ -16036,24 +15522,7 @@
                 <a:latin typeface="Yu Gothic" panose="020B0400000000000000" pitchFamily="34" charset="-128"/>
                 <a:ea typeface="Yu Gothic" panose="020B0400000000000000" pitchFamily="34" charset="-128"/>
               </a:rPr>
-              <a:t>Random initial seed = </a:t>
-            </a:r>
-            <a:r>
-              <a:rPr lang="en-US" dirty="0">
-                <a:highlight>
-                  <a:srgbClr val="FFFF00"/>
-                </a:highlight>
-                <a:latin typeface="Yu Gothic" panose="020B0400000000000000" pitchFamily="34" charset="-128"/>
-                <a:ea typeface="Yu Gothic" panose="020B0400000000000000" pitchFamily="34" charset="-128"/>
-              </a:rPr>
-              <a:t>{1, 2, 3} </a:t>
-            </a:r>
-            <a:r>
-              <a:rPr lang="en-US" dirty="0">
-                <a:latin typeface="Yu Gothic" panose="020B0400000000000000" pitchFamily="34" charset="-128"/>
-                <a:ea typeface="Yu Gothic" panose="020B0400000000000000" pitchFamily="34" charset="-128"/>
-              </a:rPr>
-              <a:t>(rest can be derived)</a:t>
+              <a:t>Random initial seed = {1, 2, 3} (rest can be derived)</a:t>
             </a:r>
           </a:p>
           <a:p>
@@ -16068,9 +15537,6 @@
           <a:p>
             <a:r>
               <a:rPr lang="en-US" dirty="0">
-                <a:highlight>
-                  <a:srgbClr val="FFFF00"/>
-                </a:highlight>
                 <a:latin typeface="Yu Gothic" panose="020B0400000000000000" pitchFamily="34" charset="-128"/>
                 <a:ea typeface="Yu Gothic" panose="020B0400000000000000" pitchFamily="34" charset="-128"/>
               </a:rPr>
@@ -16080,9 +15546,6 @@
           <a:p>
             <a:r>
               <a:rPr lang="en-US" dirty="0">
-                <a:highlight>
-                  <a:srgbClr val="FFFF00"/>
-                </a:highlight>
                 <a:latin typeface="Yu Gothic" panose="020B0400000000000000" pitchFamily="34" charset="-128"/>
                 <a:ea typeface="Yu Gothic" panose="020B0400000000000000" pitchFamily="34" charset="-128"/>
               </a:rPr>
@@ -16227,26 +15690,26 @@
                 <a:latin typeface="Yu Gothic" panose="020B0400000000000000" pitchFamily="34" charset="-128"/>
                 <a:ea typeface="Yu Gothic" panose="020B0400000000000000" pitchFamily="34" charset="-128"/>
               </a:rPr>
-              <a:t>Check if p-values are “clustered” {s=0, sample=1000}</a:t>
-            </a:r>
-          </a:p>
-          <a:p>
-            <a:pPr lvl="1"/>
+              <a:t>Compute one-sided Fishers-test (&lt;= x homozygotes)</a:t>
+            </a:r>
+          </a:p>
+          <a:p>
             <a:r>
               <a:rPr lang="en-US" dirty="0">
                 <a:latin typeface="Yu Gothic" panose="020B0400000000000000" pitchFamily="34" charset="-128"/>
                 <a:ea typeface="Yu Gothic" panose="020B0400000000000000" pitchFamily="34" charset="-128"/>
               </a:rPr>
-              <a:t>Sort of … </a:t>
-            </a:r>
-          </a:p>
-          <a:p>
+              <a:t>Compute one-sided Fishers-test (&gt;= x homozygotes)</a:t>
+            </a:r>
+          </a:p>
+          <a:p>
+            <a:pPr lvl="1"/>
             <a:r>
               <a:rPr lang="en-US" dirty="0">
                 <a:latin typeface="Yu Gothic" panose="020B0400000000000000" pitchFamily="34" charset="-128"/>
                 <a:ea typeface="Yu Gothic" panose="020B0400000000000000" pitchFamily="34" charset="-128"/>
               </a:rPr>
-              <a:t>Check low p-value calc by hand</a:t>
+              <a:t>This might help indicate departures from Hardy-Weinberg</a:t>
             </a:r>
           </a:p>
           <a:p>
@@ -16255,7 +15718,7 @@
                 <a:latin typeface="Yu Gothic" panose="020B0400000000000000" pitchFamily="34" charset="-128"/>
                 <a:ea typeface="Yu Gothic" panose="020B0400000000000000" pitchFamily="34" charset="-128"/>
               </a:rPr>
-              <a:t>Reduce potential effect of LD.</a:t>
+              <a:t>Computed two-sided test</a:t>
             </a:r>
           </a:p>
           <a:p>
@@ -16265,7 +15728,7 @@
                 <a:latin typeface="Yu Gothic" panose="020B0400000000000000" pitchFamily="34" charset="-128"/>
                 <a:ea typeface="Yu Gothic" panose="020B0400000000000000" pitchFamily="34" charset="-128"/>
               </a:rPr>
-              <a:t>Increase chromosome count</a:t>
+              <a:t>Find pr(X=x)</a:t>
             </a:r>
           </a:p>
           <a:p>
@@ -16275,24 +15738,17 @@
                 <a:latin typeface="Yu Gothic" panose="020B0400000000000000" pitchFamily="34" charset="-128"/>
                 <a:ea typeface="Yu Gothic" panose="020B0400000000000000" pitchFamily="34" charset="-128"/>
               </a:rPr>
-              <a:t>Non-zero recombination rate</a:t>
-            </a:r>
-          </a:p>
-          <a:p>
-            <a:pPr lvl="1"/>
+              <a:t>Sum all probabilities &lt;= x, i.e., the more extreme cases.</a:t>
+            </a:r>
+          </a:p>
+          <a:p>
             <a:r>
               <a:rPr lang="en-US" dirty="0">
                 <a:latin typeface="Yu Gothic" panose="020B0400000000000000" pitchFamily="34" charset="-128"/>
                 <a:ea typeface="Yu Gothic" panose="020B0400000000000000" pitchFamily="34" charset="-128"/>
               </a:rPr>
-              <a:t>Redid simulations</a:t>
-            </a:r>
-          </a:p>
-          <a:p>
-            <a:endParaRPr lang="en-US" dirty="0">
-              <a:latin typeface="Yu Gothic" panose="020B0400000000000000" pitchFamily="34" charset="-128"/>
-              <a:ea typeface="Yu Gothic" panose="020B0400000000000000" pitchFamily="34" charset="-128"/>
-            </a:endParaRPr>
+              <a:t>Check edge cases by hand</a:t>
+            </a:r>
           </a:p>
           <a:p>
             <a:endParaRPr lang="en-US" dirty="0">
@@ -16361,7 +15817,7 @@
           <p:cNvPr id="2" name="Title 1">
             <a:extLst>
               <a:ext uri="{FF2B5EF4-FFF2-40B4-BE49-F238E27FC236}">
-                <a16:creationId xmlns:a16="http://schemas.microsoft.com/office/drawing/2014/main" id="{5E3E1E8C-5148-441D-91C5-31736BF0C9FE}"/>
+                <a16:creationId xmlns:a16="http://schemas.microsoft.com/office/drawing/2014/main" id="{1DA4FD9C-0575-4672-BDCF-805449EFAC7C}"/>
               </a:ext>
             </a:extLst>
           </p:cNvPr>
@@ -16378,8 +15834,11 @@
           <a:lstStyle/>
           <a:p>
             <a:r>
-              <a:rPr lang="en-US" dirty="0"/>
-              <a:t>low (fisher) p-value calcs by hand (old data)</a:t>
+              <a:rPr lang="en-US" dirty="0">
+                <a:latin typeface="Yu Gothic" panose="020B0400000000000000" pitchFamily="34" charset="-128"/>
+                <a:ea typeface="Yu Gothic" panose="020B0400000000000000" pitchFamily="34" charset="-128"/>
+              </a:rPr>
+              <a:t>Standing questions</a:t>
             </a:r>
           </a:p>
         </p:txBody>
@@ -16389,7 +15848,7 @@
           <p:cNvPr id="3" name="Content Placeholder 2">
             <a:extLst>
               <a:ext uri="{FF2B5EF4-FFF2-40B4-BE49-F238E27FC236}">
-                <a16:creationId xmlns:a16="http://schemas.microsoft.com/office/drawing/2014/main" id="{40A63252-CC76-4ED6-AFE1-6C6871F4C94D}"/>
+                <a16:creationId xmlns:a16="http://schemas.microsoft.com/office/drawing/2014/main" id="{B7017510-3A51-4778-BB7F-0F91AE0D6F96}"/>
               </a:ext>
             </a:extLst>
           </p:cNvPr>
@@ -16402,73 +15861,78 @@
         </p:nvSpPr>
         <p:spPr/>
         <p:txBody>
-          <a:bodyPr/>
+          <a:bodyPr>
+            <a:normAutofit fontScale="92500" lnSpcReduction="10000"/>
+          </a:bodyPr>
           <a:lstStyle/>
           <a:p>
             <a:r>
-              <a:rPr lang="en-US" dirty="0"/>
-              <a:t>Min p-value = 7.130864453311901e-06 for {s=0, n=1000, </a:t>
-            </a:r>
-            <a:r>
-              <a:rPr lang="en-US" dirty="0" err="1"/>
-              <a:t>chrom</a:t>
-            </a:r>
-            <a:r>
-              <a:rPr lang="en-US" dirty="0"/>
-              <a:t>=72}</a:t>
+              <a:rPr lang="en-US" i="1" dirty="0">
+                <a:latin typeface="Yu Gothic" panose="020B0400000000000000" pitchFamily="34" charset="-128"/>
+                <a:ea typeface="Yu Gothic" panose="020B0400000000000000" pitchFamily="34" charset="-128"/>
+              </a:rPr>
+              <a:t>Google Fisher’s Method of combined p-values</a:t>
             </a:r>
           </a:p>
           <a:p>
             <a:pPr lvl="1"/>
             <a:r>
-              <a:rPr lang="en-US" dirty="0"/>
-              <a:t>868 0|0 homozygotes</a:t>
+              <a:rPr lang="en-US" i="1" dirty="0">
+                <a:latin typeface="Yu Gothic" panose="020B0400000000000000" pitchFamily="34" charset="-128"/>
+                <a:ea typeface="Yu Gothic" panose="020B0400000000000000" pitchFamily="34" charset="-128"/>
+              </a:rPr>
+              <a:t>Generally, look into methods for combining p-values.</a:t>
             </a:r>
           </a:p>
           <a:p>
             <a:pPr lvl="1"/>
             <a:r>
-              <a:rPr lang="en-US" dirty="0"/>
-              <a:t>115 heterozygotes</a:t>
-            </a:r>
-          </a:p>
-          <a:p>
-            <a:pPr lvl="2"/>
-            <a:r>
-              <a:rPr lang="en-US" dirty="0"/>
-              <a:t>54 1|0 heterozygotes</a:t>
-            </a:r>
-          </a:p>
-          <a:p>
-            <a:pPr lvl="2"/>
-            <a:r>
-              <a:rPr lang="en-US" dirty="0"/>
-              <a:t>61 0|1 heterozygotes</a:t>
-            </a:r>
-          </a:p>
-          <a:p>
-            <a:pPr lvl="1"/>
-            <a:r>
-              <a:rPr lang="en-US" dirty="0"/>
-              <a:t>17 1|1 homozygotes</a:t>
-            </a:r>
-          </a:p>
-          <a:p>
-            <a:r>
-              <a:rPr lang="en-US" dirty="0"/>
-              <a:t>1000 individuals total,</a:t>
-            </a:r>
-          </a:p>
-          <a:p>
-            <a:r>
-              <a:rPr lang="en-US" dirty="0"/>
-              <a:t>149-ton</a:t>
-            </a:r>
-          </a:p>
-          <a:p>
-            <a:r>
-              <a:rPr lang="en-US" dirty="0"/>
-              <a:t>The probability of [868, 115, 17] is: 7.130864453311901e-06</a:t>
+              <a:rPr lang="en-US" i="1" dirty="0">
+                <a:latin typeface="Yu Gothic" panose="020B0400000000000000" pitchFamily="34" charset="-128"/>
+                <a:ea typeface="Yu Gothic" panose="020B0400000000000000" pitchFamily="34" charset="-128"/>
+              </a:rPr>
+              <a:t>Sum of log of p-values should be chi^2 distributed</a:t>
+            </a:r>
+          </a:p>
+          <a:p>
+            <a:r>
+              <a:rPr lang="en-US" dirty="0">
+                <a:latin typeface="Yu Gothic" panose="020B0400000000000000" pitchFamily="34" charset="-128"/>
+                <a:ea typeface="Yu Gothic" panose="020B0400000000000000" pitchFamily="34" charset="-128"/>
+              </a:rPr>
+              <a:t>In the case where HW departure is small, the probability of identifying particular SNP’s is extremely low since method is underpowered.</a:t>
+            </a:r>
+          </a:p>
+          <a:p>
+            <a:r>
+              <a:rPr lang="en-US" dirty="0">
+                <a:latin typeface="Yu Gothic" panose="020B0400000000000000" pitchFamily="34" charset="-128"/>
+                <a:ea typeface="Yu Gothic" panose="020B0400000000000000" pitchFamily="34" charset="-128"/>
+              </a:rPr>
+              <a:t>Instead, given that we are underpowered, is there any evidence that the p-values in aggregate depart from expectation under the null.</a:t>
+            </a:r>
+          </a:p>
+          <a:p>
+            <a:r>
+              <a:rPr lang="en-US" dirty="0">
+                <a:latin typeface="Yu Gothic" panose="020B0400000000000000" pitchFamily="34" charset="-128"/>
+                <a:ea typeface="Yu Gothic" panose="020B0400000000000000" pitchFamily="34" charset="-128"/>
+              </a:rPr>
+              <a:t>Later on we can apply Bonferroni or </a:t>
+            </a:r>
+            <a:r>
+              <a:rPr lang="en-US" dirty="0" err="1">
+                <a:latin typeface="Yu Gothic" panose="020B0400000000000000" pitchFamily="34" charset="-128"/>
+                <a:ea typeface="Yu Gothic" panose="020B0400000000000000" pitchFamily="34" charset="-128"/>
+              </a:rPr>
+              <a:t>Benjamini</a:t>
+            </a:r>
+            <a:r>
+              <a:rPr lang="en-US" dirty="0">
+                <a:latin typeface="Yu Gothic" panose="020B0400000000000000" pitchFamily="34" charset="-128"/>
+                <a:ea typeface="Yu Gothic" panose="020B0400000000000000" pitchFamily="34" charset="-128"/>
+              </a:rPr>
+              <a:t>-Hochberg or some other method of controlling FDR, however, due to low power, our current primary concern is low sensitivity.</a:t>
             </a:r>
           </a:p>
         </p:txBody>
@@ -16476,7 +15940,7 @@
     </p:spTree>
     <p:extLst>
       <p:ext uri="{BB962C8B-B14F-4D97-AF65-F5344CB8AC3E}">
-        <p14:creationId xmlns:p14="http://schemas.microsoft.com/office/powerpoint/2010/main" val="3700829739"/>
+        <p14:creationId xmlns:p14="http://schemas.microsoft.com/office/powerpoint/2010/main" val="2373352003"/>
       </p:ext>
     </p:extLst>
   </p:cSld>
@@ -16508,7 +15972,7 @@
           <p:cNvPr id="2" name="Title 1">
             <a:extLst>
               <a:ext uri="{FF2B5EF4-FFF2-40B4-BE49-F238E27FC236}">
-                <a16:creationId xmlns:a16="http://schemas.microsoft.com/office/drawing/2014/main" id="{5E3E1E8C-5148-441D-91C5-31736BF0C9FE}"/>
+                <a16:creationId xmlns:a16="http://schemas.microsoft.com/office/drawing/2014/main" id="{9C253AD4-138A-44B1-9EB2-AE1D97513439}"/>
               </a:ext>
             </a:extLst>
           </p:cNvPr>
@@ -16525,554 +15989,167 @@
           <a:lstStyle/>
           <a:p>
             <a:r>
-              <a:rPr lang="en-US" dirty="0"/>
-              <a:t>low (fisher) p-value calcs by hand</a:t>
+              <a:rPr lang="en-US" dirty="0">
+                <a:latin typeface="Yu Gothic" panose="020B0400000000000000" pitchFamily="34" charset="-128"/>
+                <a:ea typeface="Yu Gothic" panose="020B0400000000000000" pitchFamily="34" charset="-128"/>
+              </a:rPr>
+              <a:t>S = 0</a:t>
             </a:r>
           </a:p>
         </p:txBody>
       </p:sp>
-      <mc:AlternateContent xmlns:mc="http://schemas.openxmlformats.org/markup-compatibility/2006" xmlns:a14="http://schemas.microsoft.com/office/drawing/2010/main">
-        <mc:Choice Requires="a14">
-          <p:sp>
-            <p:nvSpPr>
-              <p:cNvPr id="3" name="Content Placeholder 2">
-                <a:extLst>
-                  <a:ext uri="{FF2B5EF4-FFF2-40B4-BE49-F238E27FC236}">
-                    <a16:creationId xmlns:a16="http://schemas.microsoft.com/office/drawing/2014/main" id="{40A63252-CC76-4ED6-AFE1-6C6871F4C94D}"/>
-                  </a:ext>
-                </a:extLst>
-              </p:cNvPr>
-              <p:cNvSpPr>
-                <a:spLocks noGrp="1"/>
-              </p:cNvSpPr>
-              <p:nvPr>
-                <p:ph idx="1"/>
-              </p:nvPr>
-            </p:nvSpPr>
-            <p:spPr/>
-            <p:txBody>
-              <a:bodyPr/>
-              <a:lstStyle/>
-              <a:p>
-                <a:pPr marL="0" indent="0">
-                  <a:buNone/>
-                </a:pPr>
-                <a14:m>
-                  <m:oMathPara xmlns:m="http://schemas.openxmlformats.org/officeDocument/2006/math">
-                    <m:oMathParaPr>
-                      <m:jc m:val="centerGroup"/>
-                    </m:oMathParaPr>
-                    <m:oMath xmlns:m="http://schemas.openxmlformats.org/officeDocument/2006/math">
-                      <m:r>
-                        <a:rPr lang="en-US" b="0" i="1" smtClean="0">
-                          <a:latin typeface="Cambria Math" panose="02040503050406030204" pitchFamily="18" charset="0"/>
-                        </a:rPr>
-                        <m:t>𝑝</m:t>
-                      </m:r>
-                      <m:r>
-                        <a:rPr lang="en-US" b="0" i="1" smtClean="0">
-                          <a:latin typeface="Cambria Math" panose="02040503050406030204" pitchFamily="18" charset="0"/>
-                        </a:rPr>
-                        <m:t>=</m:t>
-                      </m:r>
-                      <m:f>
-                        <m:fPr>
-                          <m:ctrlPr>
-                            <a:rPr lang="en-US" b="0" i="1" smtClean="0">
-                              <a:latin typeface="Cambria Math" panose="02040503050406030204" pitchFamily="18" charset="0"/>
-                            </a:rPr>
-                          </m:ctrlPr>
-                        </m:fPr>
-                        <m:num>
-                          <m:r>
-                            <a:rPr lang="en-US" b="0" i="1" smtClean="0">
-                              <a:latin typeface="Cambria Math" panose="02040503050406030204" pitchFamily="18" charset="0"/>
-                            </a:rPr>
-                            <m:t>𝑛</m:t>
-                          </m:r>
-                          <m:r>
-                            <a:rPr lang="en-US" b="0" i="1" smtClean="0">
-                              <a:latin typeface="Cambria Math" panose="02040503050406030204" pitchFamily="18" charset="0"/>
-                            </a:rPr>
-                            <m:t>!</m:t>
-                          </m:r>
-                          <m:sSub>
-                            <m:sSubPr>
-                              <m:ctrlPr>
-                                <a:rPr lang="en-US" b="0" i="1" smtClean="0">
-                                  <a:latin typeface="Cambria Math" panose="02040503050406030204" pitchFamily="18" charset="0"/>
-                                </a:rPr>
-                              </m:ctrlPr>
-                            </m:sSubPr>
-                            <m:e>
-                              <m:r>
-                                <a:rPr lang="en-US" b="0" i="1" smtClean="0">
-                                  <a:latin typeface="Cambria Math" panose="02040503050406030204" pitchFamily="18" charset="0"/>
-                                </a:rPr>
-                                <m:t>𝑛</m:t>
-                              </m:r>
-                            </m:e>
-                            <m:sub>
-                              <m:r>
-                                <a:rPr lang="en-US" b="0" i="1" smtClean="0">
-                                  <a:latin typeface="Cambria Math" panose="02040503050406030204" pitchFamily="18" charset="0"/>
-                                </a:rPr>
-                                <m:t>𝐴</m:t>
-                              </m:r>
-                            </m:sub>
-                          </m:sSub>
-                          <m:r>
-                            <a:rPr lang="en-US" b="0" i="1" smtClean="0">
-                              <a:latin typeface="Cambria Math" panose="02040503050406030204" pitchFamily="18" charset="0"/>
-                            </a:rPr>
-                            <m:t>!</m:t>
-                          </m:r>
-                          <m:sSub>
-                            <m:sSubPr>
-                              <m:ctrlPr>
-                                <a:rPr lang="en-US" b="0" i="1" smtClean="0">
-                                  <a:latin typeface="Cambria Math" panose="02040503050406030204" pitchFamily="18" charset="0"/>
-                                </a:rPr>
-                              </m:ctrlPr>
-                            </m:sSubPr>
-                            <m:e>
-                              <m:r>
-                                <a:rPr lang="en-US" b="0" i="1" smtClean="0">
-                                  <a:latin typeface="Cambria Math" panose="02040503050406030204" pitchFamily="18" charset="0"/>
-                                </a:rPr>
-                                <m:t>𝑛</m:t>
-                              </m:r>
-                            </m:e>
-                            <m:sub>
-                              <m:r>
-                                <a:rPr lang="en-US" b="0" i="1" smtClean="0">
-                                  <a:latin typeface="Cambria Math" panose="02040503050406030204" pitchFamily="18" charset="0"/>
-                                </a:rPr>
-                                <m:t>𝑎</m:t>
-                              </m:r>
-                            </m:sub>
-                          </m:sSub>
-                          <m:r>
-                            <a:rPr lang="en-US" b="0" i="1" smtClean="0">
-                              <a:latin typeface="Cambria Math" panose="02040503050406030204" pitchFamily="18" charset="0"/>
-                            </a:rPr>
-                            <m:t>!</m:t>
-                          </m:r>
-                          <m:sSup>
-                            <m:sSupPr>
-                              <m:ctrlPr>
-                                <a:rPr lang="en-US" b="0" i="1" smtClean="0">
-                                  <a:latin typeface="Cambria Math" panose="02040503050406030204" pitchFamily="18" charset="0"/>
-                                </a:rPr>
-                              </m:ctrlPr>
-                            </m:sSupPr>
-                            <m:e>
-                              <m:r>
-                                <a:rPr lang="en-US" b="0" i="1" smtClean="0">
-                                  <a:latin typeface="Cambria Math" panose="02040503050406030204" pitchFamily="18" charset="0"/>
-                                </a:rPr>
-                                <m:t>2</m:t>
-                              </m:r>
-                            </m:e>
-                            <m:sup>
-                              <m:sSub>
-                                <m:sSubPr>
-                                  <m:ctrlPr>
-                                    <a:rPr lang="en-US" b="0" i="1" smtClean="0">
-                                      <a:latin typeface="Cambria Math" panose="02040503050406030204" pitchFamily="18" charset="0"/>
-                                    </a:rPr>
-                                  </m:ctrlPr>
-                                </m:sSubPr>
-                                <m:e>
-                                  <m:r>
-                                    <a:rPr lang="en-US" b="0" i="1" smtClean="0">
-                                      <a:latin typeface="Cambria Math" panose="02040503050406030204" pitchFamily="18" charset="0"/>
-                                    </a:rPr>
-                                    <m:t>𝑛</m:t>
-                                  </m:r>
-                                </m:e>
-                                <m:sub>
-                                  <m:r>
-                                    <a:rPr lang="en-US" b="0" i="1" smtClean="0">
-                                      <a:latin typeface="Cambria Math" panose="02040503050406030204" pitchFamily="18" charset="0"/>
-                                    </a:rPr>
-                                    <m:t>𝐴𝑎</m:t>
-                                  </m:r>
-                                </m:sub>
-                              </m:sSub>
-                            </m:sup>
-                          </m:sSup>
-                          <m:r>
-                            <a:rPr lang="en-US" b="0" i="1" smtClean="0">
-                              <a:latin typeface="Cambria Math" panose="02040503050406030204" pitchFamily="18" charset="0"/>
-                            </a:rPr>
-                            <m:t> </m:t>
-                          </m:r>
-                        </m:num>
-                        <m:den>
-                          <m:sSub>
-                            <m:sSubPr>
-                              <m:ctrlPr>
-                                <a:rPr lang="en-US" b="0" i="1" smtClean="0">
-                                  <a:latin typeface="Cambria Math" panose="02040503050406030204" pitchFamily="18" charset="0"/>
-                                </a:rPr>
-                              </m:ctrlPr>
-                            </m:sSubPr>
-                            <m:e>
-                              <m:r>
-                                <a:rPr lang="en-US" b="0" i="1" smtClean="0">
-                                  <a:latin typeface="Cambria Math" panose="02040503050406030204" pitchFamily="18" charset="0"/>
-                                </a:rPr>
-                                <m:t>𝑛</m:t>
-                              </m:r>
-                            </m:e>
-                            <m:sub>
-                              <m:r>
-                                <a:rPr lang="en-US" b="0" i="1" smtClean="0">
-                                  <a:latin typeface="Cambria Math" panose="02040503050406030204" pitchFamily="18" charset="0"/>
-                                </a:rPr>
-                                <m:t>𝐴𝐴</m:t>
-                              </m:r>
-                            </m:sub>
-                          </m:sSub>
-                          <m:r>
-                            <a:rPr lang="en-US" b="0" i="1" smtClean="0">
-                              <a:latin typeface="Cambria Math" panose="02040503050406030204" pitchFamily="18" charset="0"/>
-                            </a:rPr>
-                            <m:t>!</m:t>
-                          </m:r>
-                          <m:sSub>
-                            <m:sSubPr>
-                              <m:ctrlPr>
-                                <a:rPr lang="en-US" b="0" i="1" smtClean="0">
-                                  <a:latin typeface="Cambria Math" panose="02040503050406030204" pitchFamily="18" charset="0"/>
-                                </a:rPr>
-                              </m:ctrlPr>
-                            </m:sSubPr>
-                            <m:e>
-                              <m:r>
-                                <a:rPr lang="en-US" b="0" i="1" smtClean="0">
-                                  <a:latin typeface="Cambria Math" panose="02040503050406030204" pitchFamily="18" charset="0"/>
-                                </a:rPr>
-                                <m:t>𝑛</m:t>
-                              </m:r>
-                            </m:e>
-                            <m:sub>
-                              <m:r>
-                                <a:rPr lang="en-US" b="0" i="1" smtClean="0">
-                                  <a:latin typeface="Cambria Math" panose="02040503050406030204" pitchFamily="18" charset="0"/>
-                                </a:rPr>
-                                <m:t>𝐴𝑎</m:t>
-                              </m:r>
-                            </m:sub>
-                          </m:sSub>
-                          <m:r>
-                            <a:rPr lang="en-US" b="0" i="1" smtClean="0">
-                              <a:latin typeface="Cambria Math" panose="02040503050406030204" pitchFamily="18" charset="0"/>
-                            </a:rPr>
-                            <m:t>!</m:t>
-                          </m:r>
-                          <m:sSub>
-                            <m:sSubPr>
-                              <m:ctrlPr>
-                                <a:rPr lang="en-US" b="0" i="1" smtClean="0">
-                                  <a:latin typeface="Cambria Math" panose="02040503050406030204" pitchFamily="18" charset="0"/>
-                                </a:rPr>
-                              </m:ctrlPr>
-                            </m:sSubPr>
-                            <m:e>
-                              <m:r>
-                                <a:rPr lang="en-US" b="0" i="1" smtClean="0">
-                                  <a:latin typeface="Cambria Math" panose="02040503050406030204" pitchFamily="18" charset="0"/>
-                                </a:rPr>
-                                <m:t>𝑛</m:t>
-                              </m:r>
-                            </m:e>
-                            <m:sub>
-                              <m:r>
-                                <a:rPr lang="en-US" b="0" i="1" smtClean="0">
-                                  <a:latin typeface="Cambria Math" panose="02040503050406030204" pitchFamily="18" charset="0"/>
-                                </a:rPr>
-                                <m:t>𝑎𝑎</m:t>
-                              </m:r>
-                            </m:sub>
-                          </m:sSub>
-                          <m:r>
-                            <a:rPr lang="en-US" b="0" i="1" smtClean="0">
-                              <a:latin typeface="Cambria Math" panose="02040503050406030204" pitchFamily="18" charset="0"/>
-                            </a:rPr>
-                            <m:t>!</m:t>
-                          </m:r>
-                          <m:d>
-                            <m:dPr>
-                              <m:ctrlPr>
-                                <a:rPr lang="en-US" b="0" i="1" smtClean="0">
-                                  <a:latin typeface="Cambria Math" panose="02040503050406030204" pitchFamily="18" charset="0"/>
-                                </a:rPr>
-                              </m:ctrlPr>
-                            </m:dPr>
-                            <m:e>
-                              <m:r>
-                                <a:rPr lang="en-US" b="0" i="1" smtClean="0">
-                                  <a:latin typeface="Cambria Math" panose="02040503050406030204" pitchFamily="18" charset="0"/>
-                                </a:rPr>
-                                <m:t>2</m:t>
-                              </m:r>
-                              <m:r>
-                                <a:rPr lang="en-US" b="0" i="1" smtClean="0">
-                                  <a:latin typeface="Cambria Math" panose="02040503050406030204" pitchFamily="18" charset="0"/>
-                                </a:rPr>
-                                <m:t>𝑛</m:t>
-                              </m:r>
-                            </m:e>
-                          </m:d>
-                          <m:r>
-                            <a:rPr lang="en-US" b="0" i="1" smtClean="0">
-                              <a:latin typeface="Cambria Math" panose="02040503050406030204" pitchFamily="18" charset="0"/>
-                            </a:rPr>
-                            <m:t>!</m:t>
-                          </m:r>
-                        </m:den>
-                      </m:f>
-                    </m:oMath>
-                  </m:oMathPara>
-                </a14:m>
-                <a:endParaRPr lang="en-US" dirty="0"/>
-              </a:p>
-              <a:p>
-                <a:pPr marL="0" indent="0">
-                  <a:buNone/>
-                </a:pPr>
-                <a:endParaRPr lang="en-US" dirty="0"/>
-              </a:p>
-              <a:p>
-                <a:pPr marL="0" indent="0">
-                  <a:buNone/>
-                </a:pPr>
-                <a14:m>
-                  <m:oMathPara xmlns:m="http://schemas.openxmlformats.org/officeDocument/2006/math">
-                    <m:oMathParaPr>
-                      <m:jc m:val="centerGroup"/>
-                    </m:oMathParaPr>
-                    <m:oMath xmlns:m="http://schemas.openxmlformats.org/officeDocument/2006/math">
-                      <m:r>
-                        <a:rPr lang="en-US" b="0" i="1" smtClean="0">
-                          <a:latin typeface="Cambria Math" panose="02040503050406030204" pitchFamily="18" charset="0"/>
-                        </a:rPr>
-                        <m:t>𝑝</m:t>
-                      </m:r>
-                      <m:r>
-                        <a:rPr lang="en-US" b="0" i="1" smtClean="0">
-                          <a:latin typeface="Cambria Math" panose="02040503050406030204" pitchFamily="18" charset="0"/>
-                        </a:rPr>
-                        <m:t>=</m:t>
-                      </m:r>
-                      <m:f>
-                        <m:fPr>
-                          <m:ctrlPr>
-                            <a:rPr lang="en-US" b="0" i="1" smtClean="0">
-                              <a:latin typeface="Cambria Math" panose="02040503050406030204" pitchFamily="18" charset="0"/>
-                            </a:rPr>
-                          </m:ctrlPr>
-                        </m:fPr>
-                        <m:num>
-                          <m:r>
-                            <a:rPr lang="en-US" b="0" i="1" smtClean="0">
-                              <a:latin typeface="Cambria Math" panose="02040503050406030204" pitchFamily="18" charset="0"/>
-                            </a:rPr>
-                            <m:t>1000!1851!149!</m:t>
-                          </m:r>
-                          <m:sSup>
-                            <m:sSupPr>
-                              <m:ctrlPr>
-                                <a:rPr lang="en-US" b="0" i="1" smtClean="0">
-                                  <a:latin typeface="Cambria Math" panose="02040503050406030204" pitchFamily="18" charset="0"/>
-                                </a:rPr>
-                              </m:ctrlPr>
-                            </m:sSupPr>
-                            <m:e>
-                              <m:r>
-                                <a:rPr lang="en-US" b="0" i="1" smtClean="0">
-                                  <a:latin typeface="Cambria Math" panose="02040503050406030204" pitchFamily="18" charset="0"/>
-                                </a:rPr>
-                                <m:t>2</m:t>
-                              </m:r>
-                            </m:e>
-                            <m:sup>
-                              <m:r>
-                                <a:rPr lang="en-US" b="0" i="1" smtClean="0">
-                                  <a:latin typeface="Cambria Math" panose="02040503050406030204" pitchFamily="18" charset="0"/>
-                                </a:rPr>
-                                <m:t>115</m:t>
-                              </m:r>
-                            </m:sup>
-                          </m:sSup>
-                          <m:r>
-                            <a:rPr lang="en-US" b="0" i="1" smtClean="0">
-                              <a:latin typeface="Cambria Math" panose="02040503050406030204" pitchFamily="18" charset="0"/>
-                            </a:rPr>
-                            <m:t> </m:t>
-                          </m:r>
-                        </m:num>
-                        <m:den>
-                          <m:r>
-                            <a:rPr lang="en-US" b="0" i="1" smtClean="0">
-                              <a:latin typeface="Cambria Math" panose="02040503050406030204" pitchFamily="18" charset="0"/>
-                            </a:rPr>
-                            <m:t>868!115!17!</m:t>
-                          </m:r>
-                          <m:d>
-                            <m:dPr>
-                              <m:ctrlPr>
-                                <a:rPr lang="en-US" b="0" i="1" smtClean="0">
-                                  <a:latin typeface="Cambria Math" panose="02040503050406030204" pitchFamily="18" charset="0"/>
-                                </a:rPr>
-                              </m:ctrlPr>
-                            </m:dPr>
-                            <m:e>
-                              <m:r>
-                                <a:rPr lang="en-US" b="0" i="1" smtClean="0">
-                                  <a:latin typeface="Cambria Math" panose="02040503050406030204" pitchFamily="18" charset="0"/>
-                                </a:rPr>
-                                <m:t>2000</m:t>
-                              </m:r>
-                            </m:e>
-                          </m:d>
-                          <m:r>
-                            <a:rPr lang="en-US" b="0" i="1" smtClean="0">
-                              <a:latin typeface="Cambria Math" panose="02040503050406030204" pitchFamily="18" charset="0"/>
-                            </a:rPr>
-                            <m:t>!</m:t>
-                          </m:r>
-                        </m:den>
-                      </m:f>
-                    </m:oMath>
-                  </m:oMathPara>
-                </a14:m>
-                <a:endParaRPr lang="en-US" dirty="0"/>
-              </a:p>
-              <a:p>
-                <a:pPr marL="0" indent="0">
-                  <a:buNone/>
-                </a:pPr>
-                <a:endParaRPr lang="en-US" b="0" i="1" dirty="0">
-                  <a:latin typeface="Cambria Math" panose="02040503050406030204" pitchFamily="18" charset="0"/>
-                </a:endParaRPr>
-              </a:p>
-              <a:p>
-                <a:pPr marL="0" indent="0">
-                  <a:buNone/>
-                </a:pPr>
-                <a14:m>
-                  <m:oMathPara xmlns:m="http://schemas.openxmlformats.org/officeDocument/2006/math">
-                    <m:oMathParaPr>
-                      <m:jc m:val="centerGroup"/>
-                    </m:oMathParaPr>
-                    <m:oMath xmlns:m="http://schemas.openxmlformats.org/officeDocument/2006/math">
-                      <m:r>
-                        <a:rPr lang="en-US" b="0" i="1" smtClean="0">
-                          <a:latin typeface="Cambria Math" panose="02040503050406030204" pitchFamily="18" charset="0"/>
-                        </a:rPr>
-                        <m:t>𝑝</m:t>
-                      </m:r>
-                      <m:r>
-                        <a:rPr lang="en-US" b="0" i="1" smtClean="0">
-                          <a:latin typeface="Cambria Math" panose="02040503050406030204" pitchFamily="18" charset="0"/>
-                        </a:rPr>
-                        <m:t>=7.13</m:t>
-                      </m:r>
-                      <m:r>
-                        <m:rPr>
-                          <m:nor/>
-                        </m:rPr>
-                        <a:rPr lang="en-US" dirty="0"/>
-                        <m:t>7.1308644533119</m:t>
-                      </m:r>
-                      <m:r>
-                        <m:rPr>
-                          <m:nor/>
-                        </m:rPr>
-                        <a:rPr lang="en-US" b="0" i="0" dirty="0" smtClean="0"/>
-                        <m:t>01</m:t>
-                      </m:r>
-                      <m:r>
-                        <m:rPr>
-                          <m:nor/>
-                        </m:rPr>
-                        <a:rPr lang="en-US" dirty="0"/>
-                        <m:t>e</m:t>
-                      </m:r>
-                      <m:r>
-                        <m:rPr>
-                          <m:nor/>
-                        </m:rPr>
-                        <a:rPr lang="en-US" dirty="0"/>
-                        <m:t>−06</m:t>
-                      </m:r>
-                    </m:oMath>
-                  </m:oMathPara>
-                </a14:m>
-                <a:endParaRPr lang="en-US" dirty="0"/>
-              </a:p>
-              <a:p>
-                <a:pPr marL="0" indent="0">
-                  <a:buNone/>
-                </a:pPr>
-                <a:endParaRPr lang="en-US" dirty="0"/>
-              </a:p>
-              <a:p>
-                <a:pPr marL="0" indent="0">
-                  <a:buNone/>
-                </a:pPr>
-                <a:endParaRPr lang="en-US" dirty="0"/>
-              </a:p>
-            </p:txBody>
-          </p:sp>
-        </mc:Choice>
-        <mc:Fallback xmlns="">
-          <p:sp>
-            <p:nvSpPr>
-              <p:cNvPr id="3" name="Content Placeholder 2">
-                <a:extLst>
-                  <a:ext uri="{FF2B5EF4-FFF2-40B4-BE49-F238E27FC236}">
-                    <a16:creationId xmlns:a16="http://schemas.microsoft.com/office/drawing/2014/main" id="{40A63252-CC76-4ED6-AFE1-6C6871F4C94D}"/>
-                  </a:ext>
-                </a:extLst>
-              </p:cNvPr>
-              <p:cNvSpPr>
-                <a:spLocks noGrp="1" noRot="1" noChangeAspect="1" noMove="1" noResize="1" noEditPoints="1" noAdjustHandles="1" noChangeArrowheads="1" noChangeShapeType="1" noTextEdit="1"/>
-              </p:cNvSpPr>
-              <p:nvPr>
-                <p:ph idx="1"/>
-              </p:nvPr>
-            </p:nvSpPr>
-            <p:spPr>
-              <a:blipFill>
-                <a:blip r:embed="rId2"/>
-                <a:stretch>
-                  <a:fillRect/>
-                </a:stretch>
-              </a:blipFill>
-            </p:spPr>
-            <p:txBody>
-              <a:bodyPr/>
-              <a:lstStyle/>
-              <a:p>
-                <a:r>
-                  <a:rPr lang="en-US">
-                    <a:noFill/>
-                  </a:rPr>
-                  <a:t> </a:t>
-                </a:r>
-              </a:p>
-            </p:txBody>
-          </p:sp>
-        </mc:Fallback>
-      </mc:AlternateContent>
+      <p:sp>
+        <p:nvSpPr>
+          <p:cNvPr id="12" name="TextBox 11">
+            <a:extLst>
+              <a:ext uri="{FF2B5EF4-FFF2-40B4-BE49-F238E27FC236}">
+                <a16:creationId xmlns:a16="http://schemas.microsoft.com/office/drawing/2014/main" id="{739CAF4A-BC87-4CF5-93BC-C41BC9E072DF}"/>
+              </a:ext>
+            </a:extLst>
+          </p:cNvPr>
+          <p:cNvSpPr txBox="1"/>
+          <p:nvPr/>
+        </p:nvSpPr>
+        <p:spPr>
+          <a:xfrm>
+            <a:off x="838200" y="1690688"/>
+            <a:ext cx="3983783" cy="369332"/>
+          </a:xfrm>
+          <a:prstGeom prst="rect">
+            <a:avLst/>
+          </a:prstGeom>
+          <a:noFill/>
+        </p:spPr>
+        <p:txBody>
+          <a:bodyPr wrap="none" rtlCol="0">
+            <a:spAutoFit/>
+          </a:bodyPr>
+          <a:lstStyle/>
+          <a:p>
+            <a:r>
+              <a:rPr lang="en-US" dirty="0">
+                <a:latin typeface="Yu Gothic" panose="020B0400000000000000" pitchFamily="34" charset="-128"/>
+                <a:ea typeface="Yu Gothic" panose="020B0400000000000000" pitchFamily="34" charset="-128"/>
+              </a:rPr>
+              <a:t>One sided test (homozygotes &lt;= X)</a:t>
+            </a:r>
+          </a:p>
+        </p:txBody>
+      </p:sp>
+      <p:sp>
+        <p:nvSpPr>
+          <p:cNvPr id="14" name="TextBox 13">
+            <a:extLst>
+              <a:ext uri="{FF2B5EF4-FFF2-40B4-BE49-F238E27FC236}">
+                <a16:creationId xmlns:a16="http://schemas.microsoft.com/office/drawing/2014/main" id="{555761B7-F5F9-45A0-81FF-A969F76A3E5F}"/>
+              </a:ext>
+            </a:extLst>
+          </p:cNvPr>
+          <p:cNvSpPr txBox="1"/>
+          <p:nvPr/>
+        </p:nvSpPr>
+        <p:spPr>
+          <a:xfrm>
+            <a:off x="6624484" y="1690688"/>
+            <a:ext cx="3983783" cy="369332"/>
+          </a:xfrm>
+          <a:prstGeom prst="rect">
+            <a:avLst/>
+          </a:prstGeom>
+          <a:noFill/>
+        </p:spPr>
+        <p:txBody>
+          <a:bodyPr wrap="none" rtlCol="0">
+            <a:spAutoFit/>
+          </a:bodyPr>
+          <a:lstStyle/>
+          <a:p>
+            <a:r>
+              <a:rPr lang="en-US" dirty="0">
+                <a:latin typeface="Yu Gothic" panose="020B0400000000000000" pitchFamily="34" charset="-128"/>
+                <a:ea typeface="Yu Gothic" panose="020B0400000000000000" pitchFamily="34" charset="-128"/>
+              </a:rPr>
+              <a:t>One sided test (homozygotes &gt;= X)</a:t>
+            </a:r>
+          </a:p>
+        </p:txBody>
+      </p:sp>
+      <p:pic>
+        <p:nvPicPr>
+          <p:cNvPr id="5" name="Picture 4" descr="Chart, scatter chart&#10;&#10;Description automatically generated">
+            <a:extLst>
+              <a:ext uri="{FF2B5EF4-FFF2-40B4-BE49-F238E27FC236}">
+                <a16:creationId xmlns:a16="http://schemas.microsoft.com/office/drawing/2014/main" id="{55B05B92-3D18-48C5-AD50-28A8543F221A}"/>
+              </a:ext>
+            </a:extLst>
+          </p:cNvPr>
+          <p:cNvPicPr>
+            <a:picLocks noChangeAspect="1"/>
+          </p:cNvPicPr>
+          <p:nvPr/>
+        </p:nvPicPr>
+        <p:blipFill>
+          <a:blip r:embed="rId2">
+            <a:extLst>
+              <a:ext uri="{28A0092B-C50C-407E-A947-70E740481C1C}">
+                <a14:useLocalDpi xmlns:a14="http://schemas.microsoft.com/office/drawing/2010/main" val="0"/>
+              </a:ext>
+            </a:extLst>
+          </a:blip>
+          <a:stretch>
+            <a:fillRect/>
+          </a:stretch>
+        </p:blipFill>
+        <p:spPr>
+          <a:xfrm>
+            <a:off x="6096000" y="2060020"/>
+            <a:ext cx="5919109" cy="3931920"/>
+          </a:xfrm>
+          <a:prstGeom prst="rect">
+            <a:avLst/>
+          </a:prstGeom>
+        </p:spPr>
+      </p:pic>
+      <p:pic>
+        <p:nvPicPr>
+          <p:cNvPr id="8" name="Picture 7" descr="Chart, scatter chart&#10;&#10;Description automatically generated">
+            <a:extLst>
+              <a:ext uri="{FF2B5EF4-FFF2-40B4-BE49-F238E27FC236}">
+                <a16:creationId xmlns:a16="http://schemas.microsoft.com/office/drawing/2014/main" id="{D7768628-351E-4CFD-A160-76BE681C0BB4}"/>
+              </a:ext>
+            </a:extLst>
+          </p:cNvPr>
+          <p:cNvPicPr>
+            <a:picLocks noChangeAspect="1"/>
+          </p:cNvPicPr>
+          <p:nvPr/>
+        </p:nvPicPr>
+        <p:blipFill>
+          <a:blip r:embed="rId3">
+            <a:extLst>
+              <a:ext uri="{28A0092B-C50C-407E-A947-70E740481C1C}">
+                <a14:useLocalDpi xmlns:a14="http://schemas.microsoft.com/office/drawing/2010/main" val="0"/>
+              </a:ext>
+            </a:extLst>
+          </a:blip>
+          <a:stretch>
+            <a:fillRect/>
+          </a:stretch>
+        </p:blipFill>
+        <p:spPr>
+          <a:xfrm>
+            <a:off x="176891" y="2060020"/>
+            <a:ext cx="5919109" cy="3931920"/>
+          </a:xfrm>
+          <a:prstGeom prst="rect">
+            <a:avLst/>
+          </a:prstGeom>
+        </p:spPr>
+      </p:pic>
     </p:spTree>
     <p:extLst>
       <p:ext uri="{BB962C8B-B14F-4D97-AF65-F5344CB8AC3E}">
-        <p14:creationId xmlns:p14="http://schemas.microsoft.com/office/powerpoint/2010/main" val="2878116335"/>
+        <p14:creationId xmlns:p14="http://schemas.microsoft.com/office/powerpoint/2010/main" val="185116943"/>
       </p:ext>
     </p:extLst>
   </p:cSld>
@@ -17104,7 +16181,7 @@
           <p:cNvPr id="2" name="Title 1">
             <a:extLst>
               <a:ext uri="{FF2B5EF4-FFF2-40B4-BE49-F238E27FC236}">
-                <a16:creationId xmlns:a16="http://schemas.microsoft.com/office/drawing/2014/main" id="{1DA4FD9C-0575-4672-BDCF-805449EFAC7C}"/>
+                <a16:creationId xmlns:a16="http://schemas.microsoft.com/office/drawing/2014/main" id="{9C253AD4-138A-44B1-9EB2-AE1D97513439}"/>
               </a:ext>
             </a:extLst>
           </p:cNvPr>
@@ -17121,86 +16198,167 @@
           <a:lstStyle/>
           <a:p>
             <a:r>
-              <a:rPr lang="en-US" dirty="0"/>
-              <a:t>Standing questions</a:t>
+              <a:rPr lang="en-US" dirty="0">
+                <a:latin typeface="Yu Gothic" panose="020B0400000000000000" pitchFamily="34" charset="-128"/>
+                <a:ea typeface="Yu Gothic" panose="020B0400000000000000" pitchFamily="34" charset="-128"/>
+              </a:rPr>
+              <a:t>S = -0.001, recessive</a:t>
             </a:r>
           </a:p>
         </p:txBody>
       </p:sp>
       <p:sp>
         <p:nvSpPr>
-          <p:cNvPr id="3" name="Content Placeholder 2">
+          <p:cNvPr id="9" name="TextBox 8">
             <a:extLst>
               <a:ext uri="{FF2B5EF4-FFF2-40B4-BE49-F238E27FC236}">
-                <a16:creationId xmlns:a16="http://schemas.microsoft.com/office/drawing/2014/main" id="{B7017510-3A51-4778-BB7F-0F91AE0D6F96}"/>
+                <a16:creationId xmlns:a16="http://schemas.microsoft.com/office/drawing/2014/main" id="{A1475F1A-96AC-4463-9034-7557E311806B}"/>
               </a:ext>
             </a:extLst>
           </p:cNvPr>
-          <p:cNvSpPr>
-            <a:spLocks noGrp="1"/>
-          </p:cNvSpPr>
-          <p:nvPr>
-            <p:ph idx="1"/>
-          </p:nvPr>
+          <p:cNvSpPr txBox="1"/>
+          <p:nvPr/>
         </p:nvSpPr>
-        <p:spPr/>
+        <p:spPr>
+          <a:xfrm>
+            <a:off x="6624484" y="1690688"/>
+            <a:ext cx="3983783" cy="369332"/>
+          </a:xfrm>
+          <a:prstGeom prst="rect">
+            <a:avLst/>
+          </a:prstGeom>
+          <a:noFill/>
+        </p:spPr>
         <p:txBody>
-          <a:bodyPr>
-            <a:normAutofit lnSpcReduction="10000"/>
+          <a:bodyPr wrap="none" rtlCol="0">
+            <a:spAutoFit/>
           </a:bodyPr>
           <a:lstStyle/>
           <a:p>
             <a:r>
-              <a:rPr lang="en-US" i="1" dirty="0"/>
-              <a:t>Google Fisher’s Method of combined p-values</a:t>
-            </a:r>
-          </a:p>
-          <a:p>
-            <a:pPr lvl="1"/>
-            <a:r>
-              <a:rPr lang="en-US" i="1" dirty="0"/>
-              <a:t>Generally, look into methods for combining p-values.</a:t>
-            </a:r>
-          </a:p>
-          <a:p>
-            <a:pPr lvl="1"/>
-            <a:r>
-              <a:rPr lang="en-US" i="1" dirty="0"/>
-              <a:t>Sum of log of p-values should be chi^2 distributed</a:t>
-            </a:r>
-          </a:p>
-          <a:p>
-            <a:r>
-              <a:rPr lang="en-US" dirty="0"/>
-              <a:t>In the case where HW departure is small, the probability of identifying particular SNP’s is extremely low since method is underpowered.</a:t>
-            </a:r>
-          </a:p>
-          <a:p>
-            <a:r>
-              <a:rPr lang="en-US" dirty="0"/>
-              <a:t>Instead, given that we are underpowered, is there any evidence that the p-values in aggregate depart from expectation under the null.</a:t>
-            </a:r>
-          </a:p>
-          <a:p>
-            <a:r>
-              <a:rPr lang="en-US" dirty="0"/>
-              <a:t>Later on we can apply Bonferroni or </a:t>
-            </a:r>
-            <a:r>
-              <a:rPr lang="en-US" dirty="0" err="1"/>
-              <a:t>Benjamini</a:t>
-            </a:r>
-            <a:r>
-              <a:rPr lang="en-US" dirty="0"/>
-              <a:t>-Hochberg or some other method of controlling FDR, however, due to low power, our current primary concern is low sensitivity.</a:t>
+              <a:rPr lang="en-US" dirty="0">
+                <a:latin typeface="Yu Gothic" panose="020B0400000000000000" pitchFamily="34" charset="-128"/>
+                <a:ea typeface="Yu Gothic" panose="020B0400000000000000" pitchFamily="34" charset="-128"/>
+              </a:rPr>
+              <a:t>One sided test (homozygotes &gt;= X)</a:t>
             </a:r>
           </a:p>
         </p:txBody>
       </p:sp>
+      <p:sp>
+        <p:nvSpPr>
+          <p:cNvPr id="10" name="TextBox 9">
+            <a:extLst>
+              <a:ext uri="{FF2B5EF4-FFF2-40B4-BE49-F238E27FC236}">
+                <a16:creationId xmlns:a16="http://schemas.microsoft.com/office/drawing/2014/main" id="{57D6CAE6-2FD6-4DA2-8A59-E8C3D2AF633A}"/>
+              </a:ext>
+            </a:extLst>
+          </p:cNvPr>
+          <p:cNvSpPr txBox="1"/>
+          <p:nvPr/>
+        </p:nvSpPr>
+        <p:spPr>
+          <a:xfrm>
+            <a:off x="838200" y="1690688"/>
+            <a:ext cx="3983783" cy="369332"/>
+          </a:xfrm>
+          <a:prstGeom prst="rect">
+            <a:avLst/>
+          </a:prstGeom>
+          <a:noFill/>
+        </p:spPr>
+        <p:txBody>
+          <a:bodyPr wrap="none" rtlCol="0">
+            <a:spAutoFit/>
+          </a:bodyPr>
+          <a:lstStyle/>
+          <a:p>
+            <a:r>
+              <a:rPr lang="en-US" dirty="0">
+                <a:latin typeface="Yu Gothic" panose="020B0400000000000000" pitchFamily="34" charset="-128"/>
+                <a:ea typeface="Yu Gothic" panose="020B0400000000000000" pitchFamily="34" charset="-128"/>
+              </a:rPr>
+              <a:t>One sided test (homozygotes &lt;= X)</a:t>
+            </a:r>
+          </a:p>
+        </p:txBody>
+      </p:sp>
+      <p:pic>
+        <p:nvPicPr>
+          <p:cNvPr id="16" name="Picture 15" descr="Chart&#10;&#10;Description automatically generated">
+            <a:extLst>
+              <a:ext uri="{FF2B5EF4-FFF2-40B4-BE49-F238E27FC236}">
+                <a16:creationId xmlns:a16="http://schemas.microsoft.com/office/drawing/2014/main" id="{8A75D4D2-2A78-42B6-802A-A0AC6C9492B7}"/>
+              </a:ext>
+            </a:extLst>
+          </p:cNvPr>
+          <p:cNvPicPr>
+            <a:picLocks noChangeAspect="1"/>
+          </p:cNvPicPr>
+          <p:nvPr/>
+        </p:nvPicPr>
+        <p:blipFill>
+          <a:blip r:embed="rId2">
+            <a:extLst>
+              <a:ext uri="{28A0092B-C50C-407E-A947-70E740481C1C}">
+                <a14:useLocalDpi xmlns:a14="http://schemas.microsoft.com/office/drawing/2010/main" val="0"/>
+              </a:ext>
+            </a:extLst>
+          </a:blip>
+          <a:stretch>
+            <a:fillRect/>
+          </a:stretch>
+        </p:blipFill>
+        <p:spPr>
+          <a:xfrm>
+            <a:off x="6022323" y="2228489"/>
+            <a:ext cx="5919109" cy="3931920"/>
+          </a:xfrm>
+          <a:prstGeom prst="rect">
+            <a:avLst/>
+          </a:prstGeom>
+        </p:spPr>
+      </p:pic>
+      <p:pic>
+        <p:nvPicPr>
+          <p:cNvPr id="18" name="Picture 17" descr="Chart&#10;&#10;Description automatically generated">
+            <a:extLst>
+              <a:ext uri="{FF2B5EF4-FFF2-40B4-BE49-F238E27FC236}">
+                <a16:creationId xmlns:a16="http://schemas.microsoft.com/office/drawing/2014/main" id="{B00F5EE4-778E-4391-BF5E-A9A1379C5EED}"/>
+              </a:ext>
+            </a:extLst>
+          </p:cNvPr>
+          <p:cNvPicPr>
+            <a:picLocks noChangeAspect="1"/>
+          </p:cNvPicPr>
+          <p:nvPr/>
+        </p:nvPicPr>
+        <p:blipFill>
+          <a:blip r:embed="rId3">
+            <a:extLst>
+              <a:ext uri="{28A0092B-C50C-407E-A947-70E740481C1C}">
+                <a14:useLocalDpi xmlns:a14="http://schemas.microsoft.com/office/drawing/2010/main" val="0"/>
+              </a:ext>
+            </a:extLst>
+          </a:blip>
+          <a:stretch>
+            <a:fillRect/>
+          </a:stretch>
+        </p:blipFill>
+        <p:spPr>
+          <a:xfrm>
+            <a:off x="103214" y="2228489"/>
+            <a:ext cx="5919109" cy="3931920"/>
+          </a:xfrm>
+          <a:prstGeom prst="rect">
+            <a:avLst/>
+          </a:prstGeom>
+        </p:spPr>
+      </p:pic>
     </p:spTree>
     <p:extLst>
       <p:ext uri="{BB962C8B-B14F-4D97-AF65-F5344CB8AC3E}">
-        <p14:creationId xmlns:p14="http://schemas.microsoft.com/office/powerpoint/2010/main" val="2373352003"/>
+        <p14:creationId xmlns:p14="http://schemas.microsoft.com/office/powerpoint/2010/main" val="1903335868"/>
       </p:ext>
     </p:extLst>
   </p:cSld>

--- a/Summary/20201125_RDM_HW_rotation_update.pptx
+++ b/Summary/20201125_RDM_HW_rotation_update.pptx
@@ -246,7 +246,7 @@
           <a:p>
             <a:fld id="{2F446724-7A58-4020-9182-8374F0305DD3}" type="datetimeFigureOut">
               <a:rPr lang="en-US" smtClean="0"/>
-              <a:t>11/25/2020</a:t>
+              <a:t>12/2/2020</a:t>
             </a:fld>
             <a:endParaRPr lang="en-US"/>
           </a:p>
@@ -1365,7 +1365,7 @@
           <a:p>
             <a:fld id="{6A6E4237-9E27-40CF-A4D8-1330F92F21DA}" type="datetimeFigureOut">
               <a:rPr lang="en-US" smtClean="0"/>
-              <a:t>11/25/2020</a:t>
+              <a:t>12/2/2020</a:t>
             </a:fld>
             <a:endParaRPr lang="en-US"/>
           </a:p>
@@ -1563,7 +1563,7 @@
           <a:p>
             <a:fld id="{6A6E4237-9E27-40CF-A4D8-1330F92F21DA}" type="datetimeFigureOut">
               <a:rPr lang="en-US" smtClean="0"/>
-              <a:t>11/25/2020</a:t>
+              <a:t>12/2/2020</a:t>
             </a:fld>
             <a:endParaRPr lang="en-US"/>
           </a:p>
@@ -1771,7 +1771,7 @@
           <a:p>
             <a:fld id="{6A6E4237-9E27-40CF-A4D8-1330F92F21DA}" type="datetimeFigureOut">
               <a:rPr lang="en-US" smtClean="0"/>
-              <a:t>11/25/2020</a:t>
+              <a:t>12/2/2020</a:t>
             </a:fld>
             <a:endParaRPr lang="en-US"/>
           </a:p>
@@ -1969,7 +1969,7 @@
           <a:p>
             <a:fld id="{6A6E4237-9E27-40CF-A4D8-1330F92F21DA}" type="datetimeFigureOut">
               <a:rPr lang="en-US" smtClean="0"/>
-              <a:t>11/25/2020</a:t>
+              <a:t>12/2/2020</a:t>
             </a:fld>
             <a:endParaRPr lang="en-US"/>
           </a:p>
@@ -2244,7 +2244,7 @@
           <a:p>
             <a:fld id="{6A6E4237-9E27-40CF-A4D8-1330F92F21DA}" type="datetimeFigureOut">
               <a:rPr lang="en-US" smtClean="0"/>
-              <a:t>11/25/2020</a:t>
+              <a:t>12/2/2020</a:t>
             </a:fld>
             <a:endParaRPr lang="en-US"/>
           </a:p>
@@ -2509,7 +2509,7 @@
           <a:p>
             <a:fld id="{6A6E4237-9E27-40CF-A4D8-1330F92F21DA}" type="datetimeFigureOut">
               <a:rPr lang="en-US" smtClean="0"/>
-              <a:t>11/25/2020</a:t>
+              <a:t>12/2/2020</a:t>
             </a:fld>
             <a:endParaRPr lang="en-US"/>
           </a:p>
@@ -2921,7 +2921,7 @@
           <a:p>
             <a:fld id="{6A6E4237-9E27-40CF-A4D8-1330F92F21DA}" type="datetimeFigureOut">
               <a:rPr lang="en-US" smtClean="0"/>
-              <a:t>11/25/2020</a:t>
+              <a:t>12/2/2020</a:t>
             </a:fld>
             <a:endParaRPr lang="en-US"/>
           </a:p>
@@ -3062,7 +3062,7 @@
           <a:p>
             <a:fld id="{6A6E4237-9E27-40CF-A4D8-1330F92F21DA}" type="datetimeFigureOut">
               <a:rPr lang="en-US" smtClean="0"/>
-              <a:t>11/25/2020</a:t>
+              <a:t>12/2/2020</a:t>
             </a:fld>
             <a:endParaRPr lang="en-US"/>
           </a:p>
@@ -3175,7 +3175,7 @@
           <a:p>
             <a:fld id="{6A6E4237-9E27-40CF-A4D8-1330F92F21DA}" type="datetimeFigureOut">
               <a:rPr lang="en-US" smtClean="0"/>
-              <a:t>11/25/2020</a:t>
+              <a:t>12/2/2020</a:t>
             </a:fld>
             <a:endParaRPr lang="en-US"/>
           </a:p>
@@ -3486,7 +3486,7 @@
           <a:p>
             <a:fld id="{6A6E4237-9E27-40CF-A4D8-1330F92F21DA}" type="datetimeFigureOut">
               <a:rPr lang="en-US" smtClean="0"/>
-              <a:t>11/25/2020</a:t>
+              <a:t>12/2/2020</a:t>
             </a:fld>
             <a:endParaRPr lang="en-US"/>
           </a:p>
@@ -3774,7 +3774,7 @@
           <a:p>
             <a:fld id="{6A6E4237-9E27-40CF-A4D8-1330F92F21DA}" type="datetimeFigureOut">
               <a:rPr lang="en-US" smtClean="0"/>
-              <a:t>11/25/2020</a:t>
+              <a:t>12/2/2020</a:t>
             </a:fld>
             <a:endParaRPr lang="en-US"/>
           </a:p>
@@ -4015,7 +4015,7 @@
           <a:p>
             <a:fld id="{6A6E4237-9E27-40CF-A4D8-1330F92F21DA}" type="datetimeFigureOut">
               <a:rPr lang="en-US" smtClean="0"/>
-              <a:t>11/25/2020</a:t>
+              <a:t>12/2/2020</a:t>
             </a:fld>
             <a:endParaRPr lang="en-US"/>
           </a:p>
@@ -12669,13 +12669,10 @@
           <a:bodyPr/>
           <a:lstStyle/>
           <a:p>
-            <a:r>
-              <a:rPr lang="en-US" dirty="0">
-                <a:latin typeface="Yu Gothic" panose="020B0400000000000000" pitchFamily="34" charset="-128"/>
-                <a:ea typeface="Yu Gothic" panose="020B0400000000000000" pitchFamily="34" charset="-128"/>
-              </a:rPr>
-              <a:t>Have a nice Thanksgiving!</a:t>
-            </a:r>
+            <a:endParaRPr lang="en-US" dirty="0">
+              <a:latin typeface="Yu Gothic" panose="020B0400000000000000" pitchFamily="34" charset="-128"/>
+              <a:ea typeface="Yu Gothic" panose="020B0400000000000000" pitchFamily="34" charset="-128"/>
+            </a:endParaRPr>
           </a:p>
         </p:txBody>
       </p:sp>
@@ -15499,20 +15496,20 @@
           <a:p>
             <a:r>
               <a:rPr lang="en-US" dirty="0">
+                <a:highlight>
+                  <a:srgbClr val="FFFF00"/>
+                </a:highlight>
                 <a:latin typeface="Yu Gothic" panose="020B0400000000000000" pitchFamily="34" charset="-128"/>
                 <a:ea typeface="Yu Gothic" panose="020B0400000000000000" pitchFamily="34" charset="-128"/>
               </a:rPr>
-              <a:t>1,000 individuals (hermaphroditic, diploid)</a:t>
-            </a:r>
-          </a:p>
-          <a:p>
-            <a:pPr lvl="1"/>
+              <a:t>10,000</a:t>
+            </a:r>
             <a:r>
               <a:rPr lang="en-US" dirty="0">
                 <a:latin typeface="Yu Gothic" panose="020B0400000000000000" pitchFamily="34" charset="-128"/>
                 <a:ea typeface="Yu Gothic" panose="020B0400000000000000" pitchFamily="34" charset="-128"/>
               </a:rPr>
-              <a:t>12,000 generation burn in</a:t>
+              <a:t> individuals (hermaphroditic, diploid)</a:t>
             </a:r>
           </a:p>
           <a:p>
@@ -15522,7 +15519,17 @@
                 <a:latin typeface="Yu Gothic" panose="020B0400000000000000" pitchFamily="34" charset="-128"/>
                 <a:ea typeface="Yu Gothic" panose="020B0400000000000000" pitchFamily="34" charset="-128"/>
               </a:rPr>
-              <a:t>Random initial seed = {1, 2, 3} (rest can be derived)</a:t>
+              <a:t>100,000 generation burn in</a:t>
+            </a:r>
+          </a:p>
+          <a:p>
+            <a:pPr lvl="1"/>
+            <a:r>
+              <a:rPr lang="en-US" dirty="0">
+                <a:latin typeface="Yu Gothic" panose="020B0400000000000000" pitchFamily="34" charset="-128"/>
+                <a:ea typeface="Yu Gothic" panose="020B0400000000000000" pitchFamily="34" charset="-128"/>
+              </a:rPr>
+              <a:t>Random initial seed = {1} (rest can be derived)</a:t>
             </a:r>
           </a:p>
           <a:p>
@@ -15690,7 +15697,7 @@
                 <a:latin typeface="Yu Gothic" panose="020B0400000000000000" pitchFamily="34" charset="-128"/>
                 <a:ea typeface="Yu Gothic" panose="020B0400000000000000" pitchFamily="34" charset="-128"/>
               </a:rPr>
-              <a:t>Compute one-sided Fishers-test (&lt;= x homozygotes)</a:t>
+              <a:t>Increased size of simulations by 10x</a:t>
             </a:r>
           </a:p>
           <a:p>
@@ -15699,55 +15706,70 @@
                 <a:latin typeface="Yu Gothic" panose="020B0400000000000000" pitchFamily="34" charset="-128"/>
                 <a:ea typeface="Yu Gothic" panose="020B0400000000000000" pitchFamily="34" charset="-128"/>
               </a:rPr>
-              <a:t>Compute one-sided Fishers-test (&gt;= x homozygotes)</a:t>
-            </a:r>
-          </a:p>
-          <a:p>
-            <a:pPr lvl="1"/>
+              <a:t>Compute expectation for cases when </a:t>
+            </a:r>
+            <a:r>
+              <a:rPr lang="en-US" dirty="0" err="1">
+                <a:latin typeface="Yu Gothic" panose="020B0400000000000000" pitchFamily="34" charset="-128"/>
+                <a:ea typeface="Yu Gothic" panose="020B0400000000000000" pitchFamily="34" charset="-128"/>
+              </a:rPr>
+              <a:t>n_ton</a:t>
+            </a:r>
             <a:r>
               <a:rPr lang="en-US" dirty="0">
                 <a:latin typeface="Yu Gothic" panose="020B0400000000000000" pitchFamily="34" charset="-128"/>
                 <a:ea typeface="Yu Gothic" panose="020B0400000000000000" pitchFamily="34" charset="-128"/>
               </a:rPr>
-              <a:t>This might help indicate departures from Hardy-Weinberg</a:t>
-            </a:r>
-          </a:p>
-          <a:p>
+              <a:t> &gt; </a:t>
+            </a:r>
+            <a:r>
+              <a:rPr lang="en-US" dirty="0" err="1">
+                <a:latin typeface="Yu Gothic" panose="020B0400000000000000" pitchFamily="34" charset="-128"/>
+                <a:ea typeface="Yu Gothic" panose="020B0400000000000000" pitchFamily="34" charset="-128"/>
+              </a:rPr>
+              <a:t>num_ind</a:t>
+            </a:r>
+            <a:endParaRPr lang="en-US" dirty="0">
+              <a:latin typeface="Yu Gothic" panose="020B0400000000000000" pitchFamily="34" charset="-128"/>
+              <a:ea typeface="Yu Gothic" panose="020B0400000000000000" pitchFamily="34" charset="-128"/>
+            </a:endParaRPr>
+          </a:p>
+          <a:p>
+            <a:pPr lvl="1"/>
             <a:r>
               <a:rPr lang="en-US" dirty="0">
                 <a:latin typeface="Yu Gothic" panose="020B0400000000000000" pitchFamily="34" charset="-128"/>
                 <a:ea typeface="Yu Gothic" panose="020B0400000000000000" pitchFamily="34" charset="-128"/>
               </a:rPr>
-              <a:t>Computed two-sided test</a:t>
+              <a:t>(reverse the minor allele!)</a:t>
+            </a:r>
+          </a:p>
+          <a:p>
+            <a:r>
+              <a:rPr lang="en-US" dirty="0"/>
+              <a:t>Compute average number of homozygotes in data</a:t>
             </a:r>
           </a:p>
           <a:p>
             <a:pPr lvl="1"/>
             <a:r>
-              <a:rPr lang="en-US" dirty="0">
-                <a:latin typeface="Yu Gothic" panose="020B0400000000000000" pitchFamily="34" charset="-128"/>
-                <a:ea typeface="Yu Gothic" panose="020B0400000000000000" pitchFamily="34" charset="-128"/>
-              </a:rPr>
-              <a:t>Find pr(X=x)</a:t>
+              <a:rPr lang="en-US" dirty="0"/>
+              <a:t>Compare to expected number of homozygotes</a:t>
             </a:r>
           </a:p>
           <a:p>
             <a:pPr lvl="1"/>
             <a:r>
-              <a:rPr lang="en-US" dirty="0">
-                <a:latin typeface="Yu Gothic" panose="020B0400000000000000" pitchFamily="34" charset="-128"/>
-                <a:ea typeface="Yu Gothic" panose="020B0400000000000000" pitchFamily="34" charset="-128"/>
-              </a:rPr>
-              <a:t>Sum all probabilities &lt;= x, i.e., the more extreme cases.</a:t>
-            </a:r>
-          </a:p>
-          <a:p>
-            <a:r>
-              <a:rPr lang="en-US" dirty="0">
-                <a:latin typeface="Yu Gothic" panose="020B0400000000000000" pitchFamily="34" charset="-128"/>
-                <a:ea typeface="Yu Gothic" panose="020B0400000000000000" pitchFamily="34" charset="-128"/>
-              </a:rPr>
-              <a:t>Check edge cases by hand</a:t>
+              <a:rPr lang="en-US" dirty="0"/>
+              <a:t>Partition by </a:t>
+            </a:r>
+            <a:r>
+              <a:rPr lang="en-US" dirty="0" err="1"/>
+              <a:t>n_ton</a:t>
+            </a:r>
+            <a:r>
+              <a:rPr lang="en-US" dirty="0"/>
+              <a:t> count</a:t>
             </a:r>
           </a:p>
           <a:p>
